--- a/BÁO-CÁO-LUẬN-VĂN-TỐT-NGHIỆP(2).pptx
+++ b/BÁO-CÁO-LUẬN-VĂN-TỐT-NGHIỆP(2).pptx
@@ -12693,14 +12693,7 @@
                 <a:latin typeface="Times New Roman" panose="02020603050405020304" pitchFamily="18" charset="0"/>
                 <a:cs typeface="Times New Roman" panose="02020603050405020304" pitchFamily="18" charset="0"/>
               </a:rPr>
-              <a:t>O</a:t>
-            </a:r>
-            <a:r>
-              <a:rPr lang="en-US" sz="2800" dirty="0" err="1" smtClean="0">
-                <a:latin typeface="Times New Roman" panose="02020603050405020304" pitchFamily="18" charset="0"/>
-                <a:cs typeface="Times New Roman" panose="02020603050405020304" pitchFamily="18" charset="0"/>
-              </a:rPr>
-              <a:t>penWrt</a:t>
+              <a:t>OpenWrt</a:t>
             </a:r>
             <a:endParaRPr lang="en-US" sz="2800" dirty="0" smtClean="0">
               <a:latin typeface="Times New Roman" panose="02020603050405020304" pitchFamily="18" charset="0"/>
@@ -13021,14 +13014,7 @@
                 <a:latin typeface="Times New Roman" panose="02020603050405020304" pitchFamily="18" charset="0"/>
                 <a:cs typeface="Times New Roman" panose="02020603050405020304" pitchFamily="18" charset="0"/>
               </a:rPr>
-              <a:t>Dung </a:t>
-            </a:r>
-            <a:r>
-              <a:rPr lang="en-US" dirty="0" err="1" smtClean="0">
-                <a:latin typeface="Times New Roman" panose="02020603050405020304" pitchFamily="18" charset="0"/>
-                <a:cs typeface="Times New Roman" panose="02020603050405020304" pitchFamily="18" charset="0"/>
-              </a:rPr>
-              <a:t>nghiên cứu</a:t>
+              <a:t>Dung thực hiện</a:t>
             </a:r>
             <a:endParaRPr lang="vi-VN" dirty="0">
               <a:latin typeface="Times New Roman" panose="02020603050405020304" pitchFamily="18" charset="0"/>
@@ -13824,14 +13810,21 @@
                 <a:latin typeface="Times New Roman" panose="02020603050405020304" pitchFamily="18" charset="0"/>
                 <a:cs typeface="Times New Roman" panose="02020603050405020304" pitchFamily="18" charset="0"/>
               </a:rPr>
-              <a:t>O</a:t>
+              <a:t>Openvswitch</a:t>
+            </a:r>
+            <a:r>
+              <a:rPr lang="en-US" sz="2800" dirty="0" smtClean="0">
+                <a:latin typeface="Times New Roman" panose="02020603050405020304" pitchFamily="18" charset="0"/>
+                <a:cs typeface="Times New Roman" panose="02020603050405020304" pitchFamily="18" charset="0"/>
+              </a:rPr>
+              <a:t> </a:t>
             </a:r>
             <a:r>
               <a:rPr lang="en-US" sz="2800" dirty="0" err="1" smtClean="0">
                 <a:latin typeface="Times New Roman" panose="02020603050405020304" pitchFamily="18" charset="0"/>
                 <a:cs typeface="Times New Roman" panose="02020603050405020304" pitchFamily="18" charset="0"/>
               </a:rPr>
-              <a:t>penvswitch</a:t>
+              <a:t>và</a:t>
             </a:r>
             <a:r>
               <a:rPr lang="en-US" sz="2800" dirty="0" smtClean="0">
@@ -13845,28 +13838,7 @@
                 <a:latin typeface="Times New Roman" panose="02020603050405020304" pitchFamily="18" charset="0"/>
                 <a:cs typeface="Times New Roman" panose="02020603050405020304" pitchFamily="18" charset="0"/>
               </a:rPr>
-              <a:t>và</a:t>
-            </a:r>
-            <a:r>
-              <a:rPr lang="en-US" sz="2800" dirty="0" smtClean="0">
-                <a:latin typeface="Times New Roman" panose="02020603050405020304" pitchFamily="18" charset="0"/>
-                <a:cs typeface="Times New Roman" panose="02020603050405020304" pitchFamily="18" charset="0"/>
-              </a:rPr>
-              <a:t> </a:t>
-            </a:r>
-            <a:r>
-              <a:rPr lang="en-US" sz="2800" dirty="0" err="1" smtClean="0">
-                <a:latin typeface="Times New Roman" panose="02020603050405020304" pitchFamily="18" charset="0"/>
-                <a:cs typeface="Times New Roman" panose="02020603050405020304" pitchFamily="18" charset="0"/>
-              </a:rPr>
-              <a:t>O</a:t>
-            </a:r>
-            <a:r>
-              <a:rPr lang="en-US" sz="2800" dirty="0" err="1" smtClean="0">
-                <a:latin typeface="Times New Roman" panose="02020603050405020304" pitchFamily="18" charset="0"/>
-                <a:cs typeface="Times New Roman" panose="02020603050405020304" pitchFamily="18" charset="0"/>
-              </a:rPr>
-              <a:t>penWrt</a:t>
+              <a:t>OpenWrt</a:t>
             </a:r>
             <a:endParaRPr lang="en-US" sz="2800" dirty="0" smtClean="0">
               <a:latin typeface="Times New Roman" panose="02020603050405020304" pitchFamily="18" charset="0"/>
@@ -23930,7 +23902,7 @@
                 <a:latin typeface="Times New Roman" panose="02020603050405020304" pitchFamily="18" charset="0"/>
                 <a:cs typeface="Times New Roman" panose="02020603050405020304" pitchFamily="18" charset="0"/>
               </a:rPr>
-              <a:t>nỘi dung nghiên cứu</a:t>
+              <a:t>nỘi dung thực hiện</a:t>
             </a:r>
             <a:endParaRPr lang="en-US">
               <a:latin typeface="Times New Roman" panose="02020603050405020304" pitchFamily="18" charset="0"/>
@@ -23984,7 +23956,7 @@
         </p:blipFill>
         <p:spPr>
           <a:xfrm>
-            <a:off x="-492760" y="8890"/>
+            <a:off x="-526415" y="9525"/>
             <a:ext cx="13241655" cy="6839585"/>
           </a:xfrm>
           <a:prstGeom prst="rect">

--- a/BÁO-CÁO-LUẬN-VĂN-TỐT-NGHIỆP(2).pptx
+++ b/BÁO-CÁO-LUẬN-VĂN-TỐT-NGHIỆP(2).pptx
@@ -22,16 +22,17 @@
     <p:sldId id="269" r:id="rId14"/>
     <p:sldId id="270" r:id="rId15"/>
     <p:sldId id="277" r:id="rId17"/>
-    <p:sldId id="261" r:id="rId18"/>
-    <p:sldId id="271" r:id="rId19"/>
-    <p:sldId id="272" r:id="rId20"/>
-    <p:sldId id="265" r:id="rId21"/>
-    <p:sldId id="275" r:id="rId22"/>
-    <p:sldId id="273" r:id="rId23"/>
-    <p:sldId id="276" r:id="rId24"/>
-    <p:sldId id="274" r:id="rId25"/>
-    <p:sldId id="266" r:id="rId26"/>
-    <p:sldId id="268" r:id="rId27"/>
+    <p:sldId id="313" r:id="rId18"/>
+    <p:sldId id="261" r:id="rId19"/>
+    <p:sldId id="271" r:id="rId20"/>
+    <p:sldId id="272" r:id="rId21"/>
+    <p:sldId id="265" r:id="rId22"/>
+    <p:sldId id="275" r:id="rId23"/>
+    <p:sldId id="273" r:id="rId24"/>
+    <p:sldId id="276" r:id="rId25"/>
+    <p:sldId id="274" r:id="rId26"/>
+    <p:sldId id="266" r:id="rId27"/>
+    <p:sldId id="268" r:id="rId28"/>
   </p:sldIdLst>
   <p:sldSz cx="12192000" cy="6858000"/>
   <p:notesSz cx="6858000" cy="9144000"/>
@@ -11735,7 +11736,7 @@
         </p:nvSpPr>
         <p:spPr>
           <a:xfrm>
-            <a:off x="1940312" y="394619"/>
+            <a:off x="1443742" y="394619"/>
             <a:ext cx="9378175" cy="816868"/>
           </a:xfrm>
         </p:spPr>
@@ -11798,10 +11799,7 @@
             <a:r>
               <a:rPr lang="en-US" sz="5100" b="1" dirty="0" err="1" smtClean="0">
                 <a:solidFill>
-                  <a:schemeClr val="accent4">
-                    <a:lumMod val="60000"/>
-                    <a:lumOff val="40000"/>
-                  </a:schemeClr>
+                  <a:srgbClr val="FFFF00"/>
                 </a:solidFill>
                 <a:latin typeface="Times New Roman" panose="02020603050405020304" pitchFamily="18" charset="0"/>
                 <a:cs typeface="Times New Roman" panose="02020603050405020304" pitchFamily="18" charset="0"/>
@@ -11811,10 +11809,7 @@
             <a:r>
               <a:rPr lang="en-US" sz="5100" b="1" dirty="0" smtClean="0">
                 <a:solidFill>
-                  <a:schemeClr val="accent4">
-                    <a:lumMod val="60000"/>
-                    <a:lumOff val="40000"/>
-                  </a:schemeClr>
+                  <a:srgbClr val="FFFF00"/>
                 </a:solidFill>
                 <a:latin typeface="Times New Roman" panose="02020603050405020304" pitchFamily="18" charset="0"/>
                 <a:cs typeface="Times New Roman" panose="02020603050405020304" pitchFamily="18" charset="0"/>
@@ -11824,10 +11819,7 @@
             <a:r>
               <a:rPr lang="en-US" sz="5100" b="1" dirty="0" err="1" smtClean="0">
                 <a:solidFill>
-                  <a:schemeClr val="accent4">
-                    <a:lumMod val="60000"/>
-                    <a:lumOff val="40000"/>
-                  </a:schemeClr>
+                  <a:srgbClr val="FFFF00"/>
                 </a:solidFill>
                 <a:latin typeface="Times New Roman" panose="02020603050405020304" pitchFamily="18" charset="0"/>
                 <a:cs typeface="Times New Roman" panose="02020603050405020304" pitchFamily="18" charset="0"/>
@@ -11837,10 +11829,7 @@
             <a:r>
               <a:rPr lang="en-US" sz="5100" b="1" dirty="0" smtClean="0">
                 <a:solidFill>
-                  <a:schemeClr val="accent4">
-                    <a:lumMod val="60000"/>
-                    <a:lumOff val="40000"/>
-                  </a:schemeClr>
+                  <a:srgbClr val="FFFF00"/>
                 </a:solidFill>
                 <a:latin typeface="Times New Roman" panose="02020603050405020304" pitchFamily="18" charset="0"/>
                 <a:cs typeface="Times New Roman" panose="02020603050405020304" pitchFamily="18" charset="0"/>
@@ -11850,10 +11839,7 @@
             <a:r>
               <a:rPr lang="en-US" sz="5100" b="1" dirty="0" err="1" smtClean="0">
                 <a:solidFill>
-                  <a:schemeClr val="accent4">
-                    <a:lumMod val="60000"/>
-                    <a:lumOff val="40000"/>
-                  </a:schemeClr>
+                  <a:srgbClr val="FFFF00"/>
                 </a:solidFill>
                 <a:latin typeface="Times New Roman" panose="02020603050405020304" pitchFamily="18" charset="0"/>
                 <a:cs typeface="Times New Roman" panose="02020603050405020304" pitchFamily="18" charset="0"/>
@@ -11863,10 +11849,7 @@
             <a:r>
               <a:rPr lang="en-US" sz="5100" b="1" dirty="0" smtClean="0">
                 <a:solidFill>
-                  <a:schemeClr val="accent4">
-                    <a:lumMod val="60000"/>
-                    <a:lumOff val="40000"/>
-                  </a:schemeClr>
+                  <a:srgbClr val="FFFF00"/>
                 </a:solidFill>
                 <a:latin typeface="Times New Roman" panose="02020603050405020304" pitchFamily="18" charset="0"/>
                 <a:cs typeface="Times New Roman" panose="02020603050405020304" pitchFamily="18" charset="0"/>
@@ -11876,10 +11859,7 @@
             <a:r>
               <a:rPr lang="en-US" sz="5100" b="1" dirty="0" err="1" smtClean="0">
                 <a:solidFill>
-                  <a:schemeClr val="accent4">
-                    <a:lumMod val="60000"/>
-                    <a:lumOff val="40000"/>
-                  </a:schemeClr>
+                  <a:srgbClr val="FFFF00"/>
                 </a:solidFill>
                 <a:latin typeface="Times New Roman" panose="02020603050405020304" pitchFamily="18" charset="0"/>
                 <a:cs typeface="Times New Roman" panose="02020603050405020304" pitchFamily="18" charset="0"/>
@@ -11889,10 +11869,7 @@
             <a:r>
               <a:rPr lang="en-US" sz="5100" b="1" dirty="0" smtClean="0">
                 <a:solidFill>
-                  <a:schemeClr val="accent4">
-                    <a:lumMod val="60000"/>
-                    <a:lumOff val="40000"/>
-                  </a:schemeClr>
+                  <a:srgbClr val="FFFF00"/>
                 </a:solidFill>
                 <a:latin typeface="Times New Roman" panose="02020603050405020304" pitchFamily="18" charset="0"/>
                 <a:cs typeface="Times New Roman" panose="02020603050405020304" pitchFamily="18" charset="0"/>
@@ -11902,10 +11879,7 @@
             <a:r>
               <a:rPr lang="en-US" sz="5100" b="1" dirty="0" err="1" smtClean="0">
                 <a:solidFill>
-                  <a:schemeClr val="accent4">
-                    <a:lumMod val="60000"/>
-                    <a:lumOff val="40000"/>
-                  </a:schemeClr>
+                  <a:srgbClr val="FFFF00"/>
                 </a:solidFill>
                 <a:latin typeface="Times New Roman" panose="02020603050405020304" pitchFamily="18" charset="0"/>
                 <a:cs typeface="Times New Roman" panose="02020603050405020304" pitchFamily="18" charset="0"/>
@@ -11915,10 +11889,7 @@
             <a:r>
               <a:rPr lang="en-US" sz="5100" b="1" dirty="0" smtClean="0">
                 <a:solidFill>
-                  <a:schemeClr val="accent4">
-                    <a:lumMod val="60000"/>
-                    <a:lumOff val="40000"/>
-                  </a:schemeClr>
+                  <a:srgbClr val="FFFF00"/>
                 </a:solidFill>
                 <a:latin typeface="Times New Roman" panose="02020603050405020304" pitchFamily="18" charset="0"/>
                 <a:cs typeface="Times New Roman" panose="02020603050405020304" pitchFamily="18" charset="0"/>
@@ -11928,10 +11899,7 @@
             <a:r>
               <a:rPr lang="en-US" sz="5100" b="1" dirty="0" err="1" smtClean="0">
                 <a:solidFill>
-                  <a:schemeClr val="accent4">
-                    <a:lumMod val="60000"/>
-                    <a:lumOff val="40000"/>
-                  </a:schemeClr>
+                  <a:srgbClr val="FFFF00"/>
                 </a:solidFill>
                 <a:latin typeface="Times New Roman" panose="02020603050405020304" pitchFamily="18" charset="0"/>
                 <a:cs typeface="Times New Roman" panose="02020603050405020304" pitchFamily="18" charset="0"/>
@@ -11941,10 +11909,7 @@
             <a:r>
               <a:rPr lang="en-US" sz="5100" b="1" dirty="0">
                 <a:solidFill>
-                  <a:schemeClr val="accent4">
-                    <a:lumMod val="60000"/>
-                    <a:lumOff val="40000"/>
-                  </a:schemeClr>
+                  <a:srgbClr val="FFFF00"/>
                 </a:solidFill>
                 <a:latin typeface="Times New Roman" panose="02020603050405020304" pitchFamily="18" charset="0"/>
                 <a:cs typeface="Times New Roman" panose="02020603050405020304" pitchFamily="18" charset="0"/>
@@ -11954,10 +11919,7 @@
             <a:r>
               <a:rPr lang="en-US" sz="5100" b="1" dirty="0" err="1" smtClean="0">
                 <a:solidFill>
-                  <a:schemeClr val="accent4">
-                    <a:lumMod val="60000"/>
-                    <a:lumOff val="40000"/>
-                  </a:schemeClr>
+                  <a:srgbClr val="FFFF00"/>
                 </a:solidFill>
                 <a:latin typeface="Times New Roman" panose="02020603050405020304" pitchFamily="18" charset="0"/>
                 <a:cs typeface="Times New Roman" panose="02020603050405020304" pitchFamily="18" charset="0"/>
@@ -11967,10 +11929,7 @@
             <a:r>
               <a:rPr lang="en-US" sz="5100" b="1" dirty="0" smtClean="0">
                 <a:solidFill>
-                  <a:schemeClr val="accent4">
-                    <a:lumMod val="60000"/>
-                    <a:lumOff val="40000"/>
-                  </a:schemeClr>
+                  <a:srgbClr val="FFFF00"/>
                 </a:solidFill>
                 <a:latin typeface="Times New Roman" panose="02020603050405020304" pitchFamily="18" charset="0"/>
                 <a:cs typeface="Times New Roman" panose="02020603050405020304" pitchFamily="18" charset="0"/>
@@ -11980,10 +11939,7 @@
             <a:r>
               <a:rPr lang="en-US" sz="5100" b="1" dirty="0" err="1" smtClean="0">
                 <a:solidFill>
-                  <a:schemeClr val="accent4">
-                    <a:lumMod val="60000"/>
-                    <a:lumOff val="40000"/>
-                  </a:schemeClr>
+                  <a:srgbClr val="FFFF00"/>
                 </a:solidFill>
                 <a:latin typeface="Times New Roman" panose="02020603050405020304" pitchFamily="18" charset="0"/>
                 <a:cs typeface="Times New Roman" panose="02020603050405020304" pitchFamily="18" charset="0"/>
@@ -11993,10 +11949,7 @@
             <a:r>
               <a:rPr lang="en-US" sz="5100" b="1" dirty="0" smtClean="0">
                 <a:solidFill>
-                  <a:schemeClr val="accent4">
-                    <a:lumMod val="60000"/>
-                    <a:lumOff val="40000"/>
-                  </a:schemeClr>
+                  <a:srgbClr val="FFFF00"/>
                 </a:solidFill>
                 <a:latin typeface="Times New Roman" panose="02020603050405020304" pitchFamily="18" charset="0"/>
                 <a:cs typeface="Times New Roman" panose="02020603050405020304" pitchFamily="18" charset="0"/>
@@ -12005,10 +11958,7 @@
             </a:r>
             <a:endParaRPr lang="en-US" sz="5100" b="1" dirty="0" smtClean="0">
               <a:solidFill>
-                <a:schemeClr val="accent4">
-                  <a:lumMod val="60000"/>
-                  <a:lumOff val="40000"/>
-                </a:schemeClr>
+                <a:srgbClr val="FFFF00"/>
               </a:solidFill>
               <a:latin typeface="Times New Roman" panose="02020603050405020304" pitchFamily="18" charset="0"/>
               <a:cs typeface="Times New Roman" panose="02020603050405020304" pitchFamily="18" charset="0"/>
@@ -12019,10 +11969,7 @@
             <a:r>
               <a:rPr lang="en-US" sz="5100" b="1" dirty="0" err="1" smtClean="0">
                 <a:solidFill>
-                  <a:schemeClr val="accent4">
-                    <a:lumMod val="60000"/>
-                    <a:lumOff val="40000"/>
-                  </a:schemeClr>
+                  <a:srgbClr val="FFFF00"/>
                 </a:solidFill>
                 <a:latin typeface="Times New Roman" panose="02020603050405020304" pitchFamily="18" charset="0"/>
                 <a:cs typeface="Times New Roman" panose="02020603050405020304" pitchFamily="18" charset="0"/>
@@ -12032,10 +11979,7 @@
             <a:r>
               <a:rPr lang="en-US" sz="5100" b="1" dirty="0" smtClean="0">
                 <a:solidFill>
-                  <a:schemeClr val="accent4">
-                    <a:lumMod val="60000"/>
-                    <a:lumOff val="40000"/>
-                  </a:schemeClr>
+                  <a:srgbClr val="FFFF00"/>
                 </a:solidFill>
                 <a:latin typeface="Times New Roman" panose="02020603050405020304" pitchFamily="18" charset="0"/>
                 <a:cs typeface="Times New Roman" panose="02020603050405020304" pitchFamily="18" charset="0"/>
@@ -12045,10 +11989,7 @@
             <a:r>
               <a:rPr lang="en-US" sz="5100" b="1" dirty="0" err="1" smtClean="0">
                 <a:solidFill>
-                  <a:schemeClr val="accent4">
-                    <a:lumMod val="60000"/>
-                    <a:lumOff val="40000"/>
-                  </a:schemeClr>
+                  <a:srgbClr val="FFFF00"/>
                 </a:solidFill>
                 <a:latin typeface="Times New Roman" panose="02020603050405020304" pitchFamily="18" charset="0"/>
                 <a:cs typeface="Times New Roman" panose="02020603050405020304" pitchFamily="18" charset="0"/>
@@ -12058,10 +11999,7 @@
             <a:r>
               <a:rPr lang="en-US" sz="5100" b="1" dirty="0" smtClean="0">
                 <a:solidFill>
-                  <a:schemeClr val="accent4">
-                    <a:lumMod val="60000"/>
-                    <a:lumOff val="40000"/>
-                  </a:schemeClr>
+                  <a:srgbClr val="FFFF00"/>
                 </a:solidFill>
                 <a:latin typeface="Times New Roman" panose="02020603050405020304" pitchFamily="18" charset="0"/>
                 <a:cs typeface="Times New Roman" panose="02020603050405020304" pitchFamily="18" charset="0"/>
@@ -12071,10 +12009,7 @@
             <a:r>
               <a:rPr lang="en-US" sz="5100" b="1" dirty="0" err="1" smtClean="0">
                 <a:solidFill>
-                  <a:schemeClr val="accent4">
-                    <a:lumMod val="60000"/>
-                    <a:lumOff val="40000"/>
-                  </a:schemeClr>
+                  <a:srgbClr val="FFFF00"/>
                 </a:solidFill>
                 <a:latin typeface="Times New Roman" panose="02020603050405020304" pitchFamily="18" charset="0"/>
                 <a:cs typeface="Times New Roman" panose="02020603050405020304" pitchFamily="18" charset="0"/>
@@ -12084,10 +12019,7 @@
             <a:r>
               <a:rPr lang="en-US" sz="5100" b="1" dirty="0" smtClean="0">
                 <a:solidFill>
-                  <a:schemeClr val="accent4">
-                    <a:lumMod val="60000"/>
-                    <a:lumOff val="40000"/>
-                  </a:schemeClr>
+                  <a:srgbClr val="FFFF00"/>
                 </a:solidFill>
                 <a:latin typeface="Times New Roman" panose="02020603050405020304" pitchFamily="18" charset="0"/>
                 <a:cs typeface="Times New Roman" panose="02020603050405020304" pitchFamily="18" charset="0"/>
@@ -12097,10 +12029,7 @@
             <a:r>
               <a:rPr lang="en-US" sz="5100" b="1" dirty="0" err="1" smtClean="0">
                 <a:solidFill>
-                  <a:schemeClr val="accent4">
-                    <a:lumMod val="60000"/>
-                    <a:lumOff val="40000"/>
-                  </a:schemeClr>
+                  <a:srgbClr val="FFFF00"/>
                 </a:solidFill>
                 <a:latin typeface="Times New Roman" panose="02020603050405020304" pitchFamily="18" charset="0"/>
                 <a:cs typeface="Times New Roman" panose="02020603050405020304" pitchFamily="18" charset="0"/>
@@ -12109,10 +12038,7 @@
             </a:r>
             <a:endParaRPr lang="en-US" sz="5100" b="1" dirty="0" err="1" smtClean="0">
               <a:solidFill>
-                <a:schemeClr val="accent4">
-                  <a:lumMod val="60000"/>
-                  <a:lumOff val="40000"/>
-                </a:schemeClr>
+                <a:srgbClr val="FFFF00"/>
               </a:solidFill>
               <a:latin typeface="Times New Roman" panose="02020603050405020304" pitchFamily="18" charset="0"/>
               <a:cs typeface="Times New Roman" panose="02020603050405020304" pitchFamily="18" charset="0"/>
@@ -12123,22 +12049,16 @@
             <a:r>
               <a:rPr lang="en-US" sz="5100" b="1" dirty="0" err="1" smtClean="0">
                 <a:solidFill>
-                  <a:schemeClr val="accent4">
-                    <a:lumMod val="60000"/>
-                    <a:lumOff val="40000"/>
-                  </a:schemeClr>
+                  <a:srgbClr val="FFFF00"/>
                 </a:solidFill>
                 <a:latin typeface="Times New Roman" panose="02020603050405020304" pitchFamily="18" charset="0"/>
                 <a:cs typeface="Times New Roman" panose="02020603050405020304" pitchFamily="18" charset="0"/>
               </a:rPr>
               <a:t>Sử dụng bộ điều khiển tập trung</a:t>
             </a:r>
-            <a:endParaRPr lang="vi-VN" sz="5100" b="1" dirty="0">
+            <a:endParaRPr lang="en-US" sz="5100" b="1" dirty="0" err="1" smtClean="0">
               <a:solidFill>
-                <a:schemeClr val="accent4">
-                  <a:lumMod val="60000"/>
-                  <a:lumOff val="40000"/>
-                </a:schemeClr>
+                <a:srgbClr val="FFFF00"/>
               </a:solidFill>
               <a:latin typeface="Times New Roman" panose="02020603050405020304" pitchFamily="18" charset="0"/>
               <a:cs typeface="Times New Roman" panose="02020603050405020304" pitchFamily="18" charset="0"/>
@@ -14277,7 +14197,7 @@
         </p:nvSpPr>
         <p:spPr>
           <a:xfrm>
-            <a:off x="233045" y="2390775"/>
+            <a:off x="923290" y="2374900"/>
             <a:ext cx="7568565" cy="3047365"/>
           </a:xfrm>
         </p:spPr>
@@ -14358,7 +14278,7 @@
                 <a:latin typeface="Times New Roman" panose="02020603050405020304" pitchFamily="18" charset="0"/>
                 <a:cs typeface="Times New Roman" panose="02020603050405020304" pitchFamily="18" charset="0"/>
               </a:rPr>
-              <a:t>khiển</a:t>
+              <a:t>khiển </a:t>
             </a:r>
             <a:r>
               <a:rPr lang="en-US" sz="2800" dirty="0">
@@ -14373,7 +14293,7 @@
             </a:endParaRPr>
           </a:p>
           <a:p>
-            <a:pPr marL="0" indent="0" algn="ctr">
+            <a:pPr marL="0" indent="0" algn="l">
               <a:buNone/>
             </a:pPr>
             <a:r>
@@ -14381,7 +14301,7 @@
                 <a:latin typeface="Times New Roman" panose="02020603050405020304" pitchFamily="18" charset="0"/>
                 <a:cs typeface="Times New Roman" panose="02020603050405020304" pitchFamily="18" charset="0"/>
               </a:rPr>
-              <a:t>    </a:t>
+              <a:t>    	</a:t>
             </a:r>
             <a:r>
               <a:rPr lang="en-US" sz="2800" dirty="0" err="1" smtClean="0">
@@ -14487,7 +14407,7 @@
             </a:endParaRPr>
           </a:p>
           <a:p>
-            <a:pPr marL="0" indent="0" algn="ctr">
+            <a:pPr marL="0" indent="0" algn="l">
               <a:buNone/>
             </a:pPr>
             <a:r>
@@ -14495,7 +14415,7 @@
                 <a:latin typeface="Times New Roman" panose="02020603050405020304" pitchFamily="18" charset="0"/>
                 <a:cs typeface="Times New Roman" panose="02020603050405020304" pitchFamily="18" charset="0"/>
               </a:rPr>
-              <a:t>  - </a:t>
+              <a:t>  	- </a:t>
             </a:r>
             <a:r>
               <a:rPr lang="en-US" sz="2800" dirty="0" err="1" smtClean="0">
@@ -14558,7 +14478,7 @@
                 <a:latin typeface="Times New Roman" panose="02020603050405020304" pitchFamily="18" charset="0"/>
                 <a:cs typeface="Times New Roman" panose="02020603050405020304" pitchFamily="18" charset="0"/>
               </a:rPr>
-              <a:t>lênh</a:t>
+              <a:t>lệnh</a:t>
             </a:r>
             <a:r>
               <a:rPr lang="en-US" sz="2800" dirty="0" smtClean="0">
@@ -14573,7 +14493,7 @@
             </a:endParaRPr>
           </a:p>
           <a:p>
-            <a:pPr marL="0" indent="0" algn="ctr">
+            <a:pPr marL="0" indent="0" algn="l">
               <a:buNone/>
             </a:pPr>
             <a:r>
@@ -14581,7 +14501,7 @@
                 <a:latin typeface="Times New Roman" panose="02020603050405020304" pitchFamily="18" charset="0"/>
                 <a:cs typeface="Times New Roman" panose="02020603050405020304" pitchFamily="18" charset="0"/>
               </a:rPr>
-              <a:t>    - </a:t>
+              <a:t>  	- </a:t>
             </a:r>
             <a:r>
               <a:rPr lang="en-US" sz="2800" dirty="0" err="1" smtClean="0">
@@ -14616,7 +14536,7 @@
                 <a:latin typeface="Times New Roman" panose="02020603050405020304" pitchFamily="18" charset="0"/>
                 <a:cs typeface="Times New Roman" panose="02020603050405020304" pitchFamily="18" charset="0"/>
               </a:rPr>
-              <a:t>api</a:t>
+              <a:t>API và RPC</a:t>
             </a:r>
             <a:r>
               <a:rPr lang="en-US" sz="2800" dirty="0" smtClean="0">
@@ -14652,7 +14572,7 @@
             </a:endParaRPr>
           </a:p>
           <a:p>
-            <a:pPr marL="0" indent="0" algn="ctr">
+            <a:pPr marL="0" indent="0" algn="l">
               <a:buNone/>
             </a:pPr>
             <a:r>
@@ -14660,7 +14580,7 @@
                 <a:latin typeface="Times New Roman" panose="02020603050405020304" pitchFamily="18" charset="0"/>
                 <a:cs typeface="Times New Roman" panose="02020603050405020304" pitchFamily="18" charset="0"/>
               </a:rPr>
-              <a:t> - </a:t>
+              <a:t>  	- </a:t>
             </a:r>
             <a:r>
               <a:rPr lang="en-US" sz="2800" dirty="0" err="1" smtClean="0">
@@ -14810,15 +14730,20 @@
             <p:ph type="sldNum" sz="quarter" idx="12"/>
           </p:nvPr>
         </p:nvSpPr>
-        <p:spPr/>
+        <p:spPr>
+          <a:xfrm>
+            <a:off x="10452851" y="5870574"/>
+            <a:ext cx="771089" cy="365125"/>
+          </a:xfrm>
+        </p:spPr>
         <p:txBody>
           <a:bodyPr/>
           <a:lstStyle/>
           <a:p>
             <a:fld id="{8AC740CC-3A73-4EA3-A7E0-F8441B25C088}" type="slidenum">
-              <a:rPr lang="vi-VN" smtClean="0"/>
+              <a:rPr lang="vi-VN" sz="2400" smtClean="0"/>
             </a:fld>
-            <a:endParaRPr lang="vi-VN"/>
+            <a:endParaRPr lang="vi-VN" sz="2400" smtClean="0"/>
           </a:p>
         </p:txBody>
       </p:sp>
@@ -15001,7 +14926,7 @@
         </p:nvSpPr>
         <p:spPr>
           <a:xfrm>
-            <a:off x="4231005" y="4131945"/>
+            <a:off x="4151630" y="4195445"/>
             <a:ext cx="1487170" cy="521970"/>
           </a:xfrm>
           <a:prstGeom prst="rect">
@@ -15040,7 +14965,7 @@
         </p:nvSpPr>
         <p:spPr>
           <a:xfrm>
-            <a:off x="2788920" y="1271270"/>
+            <a:off x="2788920" y="1430020"/>
             <a:ext cx="1487170" cy="521970"/>
           </a:xfrm>
           <a:prstGeom prst="rect">
@@ -15071,6 +14996,153 @@
           </a:p>
         </p:txBody>
       </p:sp>
+      <p:sp>
+        <p:nvSpPr>
+          <p:cNvPr id="100" name="Text Box 99"/>
+          <p:cNvSpPr txBox="1"/>
+          <p:nvPr/>
+        </p:nvSpPr>
+        <p:spPr>
+          <a:xfrm>
+            <a:off x="5888355" y="440055"/>
+            <a:ext cx="5946140" cy="2061210"/>
+          </a:xfrm>
+          <a:prstGeom prst="rect">
+            <a:avLst/>
+          </a:prstGeom>
+          <a:noFill/>
+          <a:ln w="9525">
+            <a:noFill/>
+          </a:ln>
+        </p:spPr>
+        <p:txBody>
+          <a:bodyPr wrap="square">
+            <a:spAutoFit/>
+          </a:bodyPr>
+          <a:p>
+            <a:pPr indent="357505"/>
+            <a:r>
+              <a:rPr lang="en-US" sz="3200" b="0">
+                <a:latin typeface="Times New Roman" panose="02020603050405020304" pitchFamily="18" charset="0"/>
+                <a:ea typeface="SimSun" panose="02010600030101010101" pitchFamily="2" charset="-122"/>
+              </a:rPr>
+              <a:t>- Định nghĩa mức tải</a:t>
+            </a:r>
+            <a:endParaRPr lang="en-US" sz="3200" b="0">
+              <a:latin typeface="Times New Roman" panose="02020603050405020304" pitchFamily="18" charset="0"/>
+              <a:ea typeface="SimSun" panose="02010600030101010101" pitchFamily="2" charset="-122"/>
+            </a:endParaRPr>
+          </a:p>
+          <a:p>
+            <a:pPr indent="357505"/>
+            <a:r>
+              <a:rPr lang="en-US" sz="3200" b="0">
+                <a:latin typeface="Times New Roman" panose="02020603050405020304" pitchFamily="18" charset="0"/>
+                <a:ea typeface="SimSun" panose="02010600030101010101" pitchFamily="2" charset="-122"/>
+              </a:rPr>
+              <a:t>- Ước lượng ngưỡng quá tải và dưới tải</a:t>
+            </a:r>
+            <a:endParaRPr lang="en-US" sz="3200" b="0">
+              <a:latin typeface="Times New Roman" panose="02020603050405020304" pitchFamily="18" charset="0"/>
+              <a:ea typeface="SimSun" panose="02010600030101010101" pitchFamily="2" charset="-122"/>
+            </a:endParaRPr>
+          </a:p>
+          <a:p>
+            <a:pPr indent="357505"/>
+            <a:r>
+              <a:rPr lang="en-US" sz="3200" b="0">
+                <a:latin typeface="Times New Roman" panose="02020603050405020304" pitchFamily="18" charset="0"/>
+                <a:ea typeface="SimSun" panose="02010600030101010101" pitchFamily="2" charset="-122"/>
+              </a:rPr>
+              <a:t>- Xây dựng giải thuật</a:t>
+            </a:r>
+            <a:endParaRPr lang="en-US" sz="3200" b="0">
+              <a:latin typeface="Times New Roman" panose="02020603050405020304" pitchFamily="18" charset="0"/>
+              <a:ea typeface="SimSun" panose="02010600030101010101" pitchFamily="2" charset="-122"/>
+            </a:endParaRPr>
+          </a:p>
+        </p:txBody>
+      </p:sp>
+      <p:pic>
+        <p:nvPicPr>
+          <p:cNvPr id="18" name="Content Placeholder 17" descr="CPU"/>
+          <p:cNvPicPr>
+            <a:picLocks noChangeAspect="1"/>
+          </p:cNvPicPr>
+          <p:nvPr>
+            <p:ph idx="1"/>
+          </p:nvPr>
+        </p:nvPicPr>
+        <p:blipFill>
+          <a:blip r:embed="rId3"/>
+          <a:stretch>
+            <a:fillRect/>
+          </a:stretch>
+        </p:blipFill>
+        <p:spPr>
+          <a:xfrm>
+            <a:off x="6714490" y="2693670"/>
+            <a:ext cx="3994150" cy="3542030"/>
+          </a:xfrm>
+          <a:prstGeom prst="rect">
+            <a:avLst/>
+          </a:prstGeom>
+        </p:spPr>
+      </p:pic>
+    </p:spTree>
+  </p:cSld>
+  <p:clrMapOvr>
+    <a:masterClrMapping/>
+  </p:clrMapOvr>
+  <p:timing>
+    <p:tnLst>
+      <p:par>
+        <p:cTn id="1" dur="indefinite" restart="never" nodeType="tmRoot"/>
+      </p:par>
+    </p:tnLst>
+  </p:timing>
+</p:sld>
+</file>
+
+<file path=ppt/slides/slide15.xml><?xml version="1.0" encoding="utf-8"?>
+<p:sld xmlns:a="http://schemas.openxmlformats.org/drawingml/2006/main" xmlns:r="http://schemas.openxmlformats.org/officeDocument/2006/relationships" xmlns:p="http://schemas.openxmlformats.org/presentationml/2006/main">
+  <p:cSld>
+    <p:spTree>
+      <p:nvGrpSpPr>
+        <p:cNvPr id="1" name=""/>
+        <p:cNvGrpSpPr/>
+        <p:nvPr/>
+      </p:nvGrpSpPr>
+      <p:grpSpPr>
+        <a:xfrm>
+          <a:off x="0" y="0"/>
+          <a:ext cx="0" cy="0"/>
+          <a:chOff x="0" y="0"/>
+          <a:chExt cx="0" cy="0"/>
+        </a:xfrm>
+      </p:grpSpPr>
+      <p:sp>
+        <p:nvSpPr>
+          <p:cNvPr id="4" name="Slide Number Placeholder 3"/>
+          <p:cNvSpPr>
+            <a:spLocks noGrp="1"/>
+          </p:cNvSpPr>
+          <p:nvPr>
+            <p:ph type="sldNum" sz="quarter" idx="12"/>
+          </p:nvPr>
+        </p:nvSpPr>
+        <p:spPr/>
+        <p:txBody>
+          <a:bodyPr/>
+          <a:lstStyle/>
+          <a:p>
+            <a:fld id="{8AC740CC-3A73-4EA3-A7E0-F8441B25C088}" type="slidenum">
+              <a:rPr lang="vi-VN" sz="2400" smtClean="0"/>
+            </a:fld>
+            <a:endParaRPr lang="vi-VN" sz="2400" smtClean="0"/>
+          </a:p>
+        </p:txBody>
+      </p:sp>
       <p:grpSp>
         <p:nvGrpSpPr>
           <p:cNvPr id="12" name="Group 11"/>
@@ -15079,10 +15151,10 @@
         </p:nvGrpSpPr>
         <p:grpSpPr>
           <a:xfrm>
-            <a:off x="1176655" y="168275"/>
-            <a:ext cx="4711700" cy="5264150"/>
-            <a:chOff x="9932" y="222"/>
-            <a:chExt cx="7420" cy="8290"/>
+            <a:off x="1049020" y="495935"/>
+            <a:ext cx="4711700" cy="5213350"/>
+            <a:chOff x="12684" y="160"/>
+            <a:chExt cx="7420" cy="8210"/>
           </a:xfrm>
         </p:grpSpPr>
         <p:pic>
@@ -15107,7 +15179,7 @@
           </p:blipFill>
           <p:spPr>
             <a:xfrm>
-              <a:off x="9932" y="222"/>
+              <a:off x="12684" y="160"/>
               <a:ext cx="7420" cy="7089"/>
             </a:xfrm>
             <a:prstGeom prst="roundRect">
@@ -15161,7 +15233,7 @@
           </p:blipFill>
           <p:spPr>
             <a:xfrm>
-              <a:off x="12865" y="7012"/>
+              <a:off x="15644" y="6869"/>
               <a:ext cx="1501" cy="1501"/>
             </a:xfrm>
             <a:prstGeom prst="rect">
@@ -15177,7 +15249,7 @@
           </p:nvCxnSpPr>
           <p:spPr>
             <a:xfrm flipV="1">
-              <a:off x="14420" y="6775"/>
+              <a:off x="16949" y="6166"/>
               <a:ext cx="605" cy="474"/>
             </a:xfrm>
             <a:prstGeom prst="straightConnector1">
@@ -15210,7 +15282,7 @@
           </p:nvCxnSpPr>
           <p:spPr>
             <a:xfrm flipH="1" flipV="1">
-              <a:off x="13627" y="3362"/>
+              <a:off x="16386" y="3239"/>
               <a:ext cx="18" cy="3413"/>
             </a:xfrm>
             <a:prstGeom prst="straightConnector1">
@@ -15238,49 +15310,14 @@
       </p:grpSp>
       <p:sp>
         <p:nvSpPr>
-          <p:cNvPr id="11" name="Text Box 10"/>
+          <p:cNvPr id="14" name="Text Box 13"/>
           <p:cNvSpPr txBox="1"/>
           <p:nvPr/>
         </p:nvSpPr>
         <p:spPr>
           <a:xfrm>
-            <a:off x="852805" y="5453380"/>
-            <a:ext cx="5454015" cy="521970"/>
-          </a:xfrm>
-          <a:prstGeom prst="rect">
-            <a:avLst/>
-          </a:prstGeom>
-          <a:noFill/>
-        </p:spPr>
-        <p:txBody>
-          <a:bodyPr wrap="square" rtlCol="0">
-            <a:spAutoFit/>
-          </a:bodyPr>
-          <a:p>
-            <a:r>
-              <a:rPr lang="en-US" sz="2800">
-                <a:latin typeface="Times New Roman" panose="02020603050405020304" pitchFamily="18" charset="0"/>
-                <a:cs typeface="Times New Roman" panose="02020603050405020304" pitchFamily="18" charset="0"/>
-              </a:rPr>
-              <a:t>Định nghĩa mức quá tải và dưới tải</a:t>
-            </a:r>
-            <a:endParaRPr lang="en-US" sz="2800">
-              <a:latin typeface="Times New Roman" panose="02020603050405020304" pitchFamily="18" charset="0"/>
-              <a:cs typeface="Times New Roman" panose="02020603050405020304" pitchFamily="18" charset="0"/>
-            </a:endParaRPr>
-          </a:p>
-        </p:txBody>
-      </p:sp>
-      <p:sp>
-        <p:nvSpPr>
-          <p:cNvPr id="100" name="Text Box 99"/>
-          <p:cNvSpPr txBox="1"/>
-          <p:nvPr/>
-        </p:nvSpPr>
-        <p:spPr>
-          <a:xfrm>
-            <a:off x="6306820" y="389890"/>
-            <a:ext cx="5080000" cy="4399915"/>
+            <a:off x="5760720" y="495935"/>
+            <a:ext cx="6332220" cy="2061210"/>
           </a:xfrm>
           <a:prstGeom prst="rect">
             <a:avLst/>
@@ -15291,21 +15328,61 @@
           </a:ln>
         </p:spPr>
         <p:txBody>
-          <a:bodyPr>
+          <a:bodyPr wrap="square">
             <a:spAutoFit/>
           </a:bodyPr>
           <a:p>
             <a:pPr indent="357505"/>
             <a:r>
-              <a:rPr lang="en-US" sz="2800" b="0">
+              <a:rPr lang="en-US" sz="3200" b="0">
                 <a:latin typeface="Times New Roman" panose="02020603050405020304" pitchFamily="18" charset="0"/>
                 <a:ea typeface="SimSun" panose="02010600030101010101" pitchFamily="2" charset="-122"/>
               </a:rPr>
-              <a:t>- Bước 1: Bộ điều khiển truy vấn danh sách các client đang kết nối đến router bị quá tải.-    - Bước 2: Tìm kiếm các router dưới tải.-    - Bước 3: Loại bỏ 1 client khỏi router bị quá tải và chỉ cho client đó roaming đến các router tìm được ở bước 2 đến khi router đó không còn quá tải.</a:t>
-            </a:r>
-            <a:endParaRPr lang="en-US" sz="2800" b="0">
+              <a:t>Khi có router quá tải</a:t>
+            </a:r>
+            <a:endParaRPr lang="en-US" sz="3200" b="0">
+              <a:latin typeface="Times New Roman" panose="02020603050405020304" pitchFamily="18" charset="0"/>
+              <a:ea typeface="SimSun" panose="02010600030101010101" pitchFamily="2" charset="-122"/>
+            </a:endParaRPr>
+          </a:p>
+          <a:p>
+            <a:pPr indent="357505"/>
+            <a:r>
+              <a:rPr lang="en-US" sz="3200" b="0">
+                <a:latin typeface="Times New Roman" panose="02020603050405020304" pitchFamily="18" charset="0"/>
+                <a:ea typeface="SimSun" panose="02010600030101010101" pitchFamily="2" charset="-122"/>
+              </a:rPr>
+              <a:t>- Controller thu thập thông tin</a:t>
+            </a:r>
+            <a:endParaRPr lang="en-US" sz="3200" b="0">
+              <a:latin typeface="Times New Roman" panose="02020603050405020304" pitchFamily="18" charset="0"/>
+              <a:ea typeface="SimSun" panose="02010600030101010101" pitchFamily="2" charset="-122"/>
+            </a:endParaRPr>
+          </a:p>
+          <a:p>
+            <a:pPr indent="357505"/>
+            <a:r>
+              <a:rPr lang="en-US" sz="3200" b="0">
+                <a:latin typeface="Times New Roman" panose="02020603050405020304" pitchFamily="18" charset="0"/>
+                <a:ea typeface="SimSun" panose="02010600030101010101" pitchFamily="2" charset="-122"/>
+              </a:rPr>
+              <a:t>- Tìm router dưới tải cùng nhóm</a:t>
+            </a:r>
+            <a:endParaRPr lang="en-US" sz="3200" b="0">
+              <a:latin typeface="Times New Roman" panose="02020603050405020304" pitchFamily="18" charset="0"/>
+              <a:ea typeface="SimSun" panose="02010600030101010101" pitchFamily="2" charset="-122"/>
+            </a:endParaRPr>
+          </a:p>
+          <a:p>
+            <a:pPr indent="357505"/>
+            <a:r>
+              <a:rPr lang="en-US" sz="3200" b="0">
+                <a:latin typeface="Times New Roman" panose="02020603050405020304" pitchFamily="18" charset="0"/>
+                <a:ea typeface="SimSun" panose="02010600030101010101" pitchFamily="2" charset="-122"/>
+              </a:rPr>
+              <a:t>- Chuyển client sang router dưới tải</a:t>
+            </a:r>
+            <a:endParaRPr lang="en-US" sz="3200" b="0">
               <a:latin typeface="Times New Roman" panose="02020603050405020304" pitchFamily="18" charset="0"/>
               <a:ea typeface="SimSun" panose="02010600030101010101" pitchFamily="2" charset="-122"/>
             </a:endParaRPr>
@@ -15338,7 +15415,7 @@
                             </p:stCondLst>
                             <p:childTnLst>
                               <p:par>
-                                <p:cTn id="5" presetID="1" presetClass="entr" presetSubtype="0" fill="hold" nodeType="clickEffect">
+                                <p:cTn id="5" presetID="1" presetClass="entr" presetSubtype="0" fill="hold" grpId="0" nodeType="clickEffect">
                                   <p:stCondLst>
                                     <p:cond delay="0"/>
                                   </p:stCondLst>
@@ -15346,6 +15423,51 @@
                                     <p:set>
                                       <p:cBhvr>
                                         <p:cTn id="6" dur="1" fill="hold">
+                                          <p:stCondLst>
+                                            <p:cond delay="0"/>
+                                          </p:stCondLst>
+                                        </p:cTn>
+                                        <p:tgtEl>
+                                          <p:spTgt spid="14"/>
+                                        </p:tgtEl>
+                                        <p:attrNameLst>
+                                          <p:attrName>style.visibility</p:attrName>
+                                        </p:attrNameLst>
+                                      </p:cBhvr>
+                                      <p:to>
+                                        <p:strVal val="visible"/>
+                                      </p:to>
+                                    </p:set>
+                                  </p:childTnLst>
+                                </p:cTn>
+                              </p:par>
+                            </p:childTnLst>
+                          </p:cTn>
+                        </p:par>
+                      </p:childTnLst>
+                    </p:cTn>
+                  </p:par>
+                  <p:par>
+                    <p:cTn id="7" fill="hold">
+                      <p:stCondLst>
+                        <p:cond delay="indefinite"/>
+                      </p:stCondLst>
+                      <p:childTnLst>
+                        <p:par>
+                          <p:cTn id="8" fill="hold">
+                            <p:stCondLst>
+                              <p:cond delay="0"/>
+                            </p:stCondLst>
+                            <p:childTnLst>
+                              <p:par>
+                                <p:cTn id="9" presetID="1" presetClass="entr" presetSubtype="0" fill="hold" nodeType="clickEffect">
+                                  <p:stCondLst>
+                                    <p:cond delay="0"/>
+                                  </p:stCondLst>
+                                  <p:childTnLst>
+                                    <p:set>
+                                      <p:cBhvr>
+                                        <p:cTn id="10" dur="1" fill="hold">
                                           <p:stCondLst>
                                             <p:cond delay="0"/>
                                           </p:stCondLst>
@@ -15391,11 +15513,14 @@
         </p:cTn>
       </p:par>
     </p:tnLst>
+    <p:bldLst>
+      <p:bldP spid="14" grpId="0"/>
+    </p:bldLst>
   </p:timing>
 </p:sld>
 </file>
 
-<file path=ppt/slides/slide15.xml><?xml version="1.0" encoding="utf-8"?>
+<file path=ppt/slides/slide16.xml><?xml version="1.0" encoding="utf-8"?>
 <p:sld xmlns:a="http://schemas.openxmlformats.org/drawingml/2006/main" xmlns:r="http://schemas.openxmlformats.org/officeDocument/2006/relationships" xmlns:p="http://schemas.openxmlformats.org/presentationml/2006/main">
   <p:cSld>
     <p:spTree>
@@ -15499,7 +15624,7 @@
         </p:spPr>
         <p:txBody>
           <a:bodyPr>
-            <a:normAutofit lnSpcReduction="20000"/>
+            <a:normAutofit/>
           </a:bodyPr>
           <a:lstStyle/>
           <a:p>
@@ -15507,27 +15632,27 @@
               <a:buNone/>
             </a:pPr>
             <a:r>
-              <a:rPr lang="en-US" dirty="0" smtClean="0">
+              <a:rPr lang="en-US" sz="2800" dirty="0" smtClean="0">
                 <a:latin typeface="Times New Roman" panose="02020603050405020304" pitchFamily="18" charset="0"/>
                 <a:cs typeface="Times New Roman" panose="02020603050405020304" pitchFamily="18" charset="0"/>
               </a:rPr>
               <a:t>3.Xây </a:t>
             </a:r>
             <a:r>
-              <a:rPr lang="en-US" dirty="0" err="1" smtClean="0">
+              <a:rPr lang="en-US" sz="2800" dirty="0" err="1" smtClean="0">
                 <a:latin typeface="Times New Roman" panose="02020603050405020304" pitchFamily="18" charset="0"/>
                 <a:cs typeface="Times New Roman" panose="02020603050405020304" pitchFamily="18" charset="0"/>
               </a:rPr>
               <a:t>dựng</a:t>
             </a:r>
             <a:r>
-              <a:rPr lang="en-US" dirty="0" smtClean="0">
+              <a:rPr lang="en-US" sz="2800" dirty="0" smtClean="0">
                 <a:latin typeface="Times New Roman" panose="02020603050405020304" pitchFamily="18" charset="0"/>
                 <a:cs typeface="Times New Roman" panose="02020603050405020304" pitchFamily="18" charset="0"/>
               </a:rPr>
               <a:t> website</a:t>
             </a:r>
-            <a:endParaRPr lang="en-US" dirty="0" smtClean="0">
+            <a:endParaRPr lang="en-US" sz="2800" dirty="0" smtClean="0">
               <a:latin typeface="Times New Roman" panose="02020603050405020304" pitchFamily="18" charset="0"/>
               <a:cs typeface="Times New Roman" panose="02020603050405020304" pitchFamily="18" charset="0"/>
             </a:endParaRPr>
@@ -15537,97 +15662,97 @@
               <a:buNone/>
             </a:pPr>
             <a:r>
-              <a:rPr lang="en-US" dirty="0">
-                <a:latin typeface="Times New Roman" panose="02020603050405020304" pitchFamily="18" charset="0"/>
-                <a:cs typeface="Times New Roman" panose="02020603050405020304" pitchFamily="18" charset="0"/>
-              </a:rPr>
-              <a:t> </a:t>
-            </a:r>
-            <a:r>
-              <a:rPr lang="en-US" dirty="0" smtClean="0">
+              <a:rPr lang="en-US" sz="2800" dirty="0">
+                <a:latin typeface="Times New Roman" panose="02020603050405020304" pitchFamily="18" charset="0"/>
+                <a:cs typeface="Times New Roman" panose="02020603050405020304" pitchFamily="18" charset="0"/>
+              </a:rPr>
+              <a:t> </a:t>
+            </a:r>
+            <a:r>
+              <a:rPr lang="en-US" sz="2800" dirty="0" smtClean="0">
                 <a:latin typeface="Times New Roman" panose="02020603050405020304" pitchFamily="18" charset="0"/>
                 <a:cs typeface="Times New Roman" panose="02020603050405020304" pitchFamily="18" charset="0"/>
               </a:rPr>
               <a:t> - </a:t>
             </a:r>
             <a:r>
-              <a:rPr lang="en-US" dirty="0" err="1" smtClean="0">
+              <a:rPr lang="en-US" sz="2800" dirty="0" err="1" smtClean="0">
                 <a:latin typeface="Times New Roman" panose="02020603050405020304" pitchFamily="18" charset="0"/>
                 <a:cs typeface="Times New Roman" panose="02020603050405020304" pitchFamily="18" charset="0"/>
               </a:rPr>
               <a:t>Xây</a:t>
             </a:r>
             <a:r>
-              <a:rPr lang="en-US" dirty="0" smtClean="0">
-                <a:latin typeface="Times New Roman" panose="02020603050405020304" pitchFamily="18" charset="0"/>
-                <a:cs typeface="Times New Roman" panose="02020603050405020304" pitchFamily="18" charset="0"/>
-              </a:rPr>
-              <a:t> </a:t>
-            </a:r>
-            <a:r>
-              <a:rPr lang="en-US" dirty="0" err="1" smtClean="0">
+              <a:rPr lang="en-US" sz="2800" dirty="0" smtClean="0">
+                <a:latin typeface="Times New Roman" panose="02020603050405020304" pitchFamily="18" charset="0"/>
+                <a:cs typeface="Times New Roman" panose="02020603050405020304" pitchFamily="18" charset="0"/>
+              </a:rPr>
+              <a:t> </a:t>
+            </a:r>
+            <a:r>
+              <a:rPr lang="en-US" sz="2800" dirty="0" err="1" smtClean="0">
                 <a:latin typeface="Times New Roman" panose="02020603050405020304" pitchFamily="18" charset="0"/>
                 <a:cs typeface="Times New Roman" panose="02020603050405020304" pitchFamily="18" charset="0"/>
               </a:rPr>
               <a:t>dựng</a:t>
             </a:r>
             <a:r>
-              <a:rPr lang="en-US" dirty="0" smtClean="0">
-                <a:latin typeface="Times New Roman" panose="02020603050405020304" pitchFamily="18" charset="0"/>
-                <a:cs typeface="Times New Roman" panose="02020603050405020304" pitchFamily="18" charset="0"/>
-              </a:rPr>
-              <a:t> </a:t>
-            </a:r>
-            <a:r>
-              <a:rPr lang="en-US" dirty="0" err="1" smtClean="0">
+              <a:rPr lang="en-US" sz="2800" dirty="0" smtClean="0">
+                <a:latin typeface="Times New Roman" panose="02020603050405020304" pitchFamily="18" charset="0"/>
+                <a:cs typeface="Times New Roman" panose="02020603050405020304" pitchFamily="18" charset="0"/>
+              </a:rPr>
+              <a:t> </a:t>
+            </a:r>
+            <a:r>
+              <a:rPr lang="en-US" sz="2800" dirty="0" err="1" smtClean="0">
                 <a:latin typeface="Times New Roman" panose="02020603050405020304" pitchFamily="18" charset="0"/>
                 <a:cs typeface="Times New Roman" panose="02020603050405020304" pitchFamily="18" charset="0"/>
               </a:rPr>
               <a:t>cơ</a:t>
             </a:r>
             <a:r>
-              <a:rPr lang="en-US" dirty="0" smtClean="0">
-                <a:latin typeface="Times New Roman" panose="02020603050405020304" pitchFamily="18" charset="0"/>
-                <a:cs typeface="Times New Roman" panose="02020603050405020304" pitchFamily="18" charset="0"/>
-              </a:rPr>
-              <a:t> </a:t>
-            </a:r>
-            <a:r>
-              <a:rPr lang="en-US" dirty="0" err="1" smtClean="0">
+              <a:rPr lang="en-US" sz="2800" dirty="0" smtClean="0">
+                <a:latin typeface="Times New Roman" panose="02020603050405020304" pitchFamily="18" charset="0"/>
+                <a:cs typeface="Times New Roman" panose="02020603050405020304" pitchFamily="18" charset="0"/>
+              </a:rPr>
+              <a:t> </a:t>
+            </a:r>
+            <a:r>
+              <a:rPr lang="en-US" sz="2800" dirty="0" err="1" smtClean="0">
                 <a:latin typeface="Times New Roman" panose="02020603050405020304" pitchFamily="18" charset="0"/>
                 <a:cs typeface="Times New Roman" panose="02020603050405020304" pitchFamily="18" charset="0"/>
               </a:rPr>
               <a:t>sở</a:t>
             </a:r>
             <a:r>
-              <a:rPr lang="en-US" dirty="0" smtClean="0">
-                <a:latin typeface="Times New Roman" panose="02020603050405020304" pitchFamily="18" charset="0"/>
-                <a:cs typeface="Times New Roman" panose="02020603050405020304" pitchFamily="18" charset="0"/>
-              </a:rPr>
-              <a:t> </a:t>
-            </a:r>
-            <a:r>
-              <a:rPr lang="en-US" dirty="0" err="1" smtClean="0">
+              <a:rPr lang="en-US" sz="2800" dirty="0" smtClean="0">
+                <a:latin typeface="Times New Roman" panose="02020603050405020304" pitchFamily="18" charset="0"/>
+                <a:cs typeface="Times New Roman" panose="02020603050405020304" pitchFamily="18" charset="0"/>
+              </a:rPr>
+              <a:t> </a:t>
+            </a:r>
+            <a:r>
+              <a:rPr lang="en-US" sz="2800" dirty="0" err="1" smtClean="0">
                 <a:latin typeface="Times New Roman" panose="02020603050405020304" pitchFamily="18" charset="0"/>
                 <a:cs typeface="Times New Roman" panose="02020603050405020304" pitchFamily="18" charset="0"/>
               </a:rPr>
               <a:t>dữ</a:t>
             </a:r>
             <a:r>
-              <a:rPr lang="en-US" dirty="0" smtClean="0">
-                <a:latin typeface="Times New Roman" panose="02020603050405020304" pitchFamily="18" charset="0"/>
-                <a:cs typeface="Times New Roman" panose="02020603050405020304" pitchFamily="18" charset="0"/>
-              </a:rPr>
-              <a:t> </a:t>
-            </a:r>
-            <a:r>
-              <a:rPr lang="en-US" dirty="0" err="1" smtClean="0">
+              <a:rPr lang="en-US" sz="2800" dirty="0" smtClean="0">
+                <a:latin typeface="Times New Roman" panose="02020603050405020304" pitchFamily="18" charset="0"/>
+                <a:cs typeface="Times New Roman" panose="02020603050405020304" pitchFamily="18" charset="0"/>
+              </a:rPr>
+              <a:t> </a:t>
+            </a:r>
+            <a:r>
+              <a:rPr lang="en-US" sz="2800" dirty="0" err="1" smtClean="0">
                 <a:latin typeface="Times New Roman" panose="02020603050405020304" pitchFamily="18" charset="0"/>
                 <a:cs typeface="Times New Roman" panose="02020603050405020304" pitchFamily="18" charset="0"/>
               </a:rPr>
               <a:t>liệu</a:t>
             </a:r>
-            <a:endParaRPr lang="en-US" dirty="0" err="1" smtClean="0">
+            <a:endParaRPr lang="en-US" sz="2800" dirty="0" err="1" smtClean="0">
               <a:latin typeface="Times New Roman" panose="02020603050405020304" pitchFamily="18" charset="0"/>
               <a:cs typeface="Times New Roman" panose="02020603050405020304" pitchFamily="18" charset="0"/>
             </a:endParaRPr>
@@ -15637,13 +15762,13 @@
               <a:buNone/>
             </a:pPr>
             <a:r>
-              <a:rPr lang="en-US" dirty="0" err="1" smtClean="0">
+              <a:rPr lang="en-US" sz="2800" dirty="0" err="1" smtClean="0">
                 <a:latin typeface="Times New Roman" panose="02020603050405020304" pitchFamily="18" charset="0"/>
                 <a:cs typeface="Times New Roman" panose="02020603050405020304" pitchFamily="18" charset="0"/>
               </a:rPr>
               <a:t>  - Xây dựng tập lệnh bash shell</a:t>
             </a:r>
-            <a:endParaRPr lang="en-US" dirty="0" smtClean="0">
+            <a:endParaRPr lang="en-US" sz="2800" dirty="0" smtClean="0">
               <a:latin typeface="Times New Roman" panose="02020603050405020304" pitchFamily="18" charset="0"/>
               <a:cs typeface="Times New Roman" panose="02020603050405020304" pitchFamily="18" charset="0"/>
             </a:endParaRPr>
@@ -15653,97 +15778,97 @@
               <a:buNone/>
             </a:pPr>
             <a:r>
-              <a:rPr lang="en-US" dirty="0">
+              <a:rPr lang="en-US" sz="2800" dirty="0">
                 <a:latin typeface="Times New Roman" panose="02020603050405020304" pitchFamily="18" charset="0"/>
                 <a:cs typeface="Times New Roman" panose="02020603050405020304" pitchFamily="18" charset="0"/>
               </a:rPr>
               <a:t>  </a:t>
             </a:r>
             <a:r>
-              <a:rPr lang="en-US" dirty="0" smtClean="0">
+              <a:rPr lang="en-US" sz="2800" dirty="0" smtClean="0">
                 <a:latin typeface="Times New Roman" panose="02020603050405020304" pitchFamily="18" charset="0"/>
                 <a:cs typeface="Times New Roman" panose="02020603050405020304" pitchFamily="18" charset="0"/>
               </a:rPr>
               <a:t>- </a:t>
             </a:r>
             <a:r>
-              <a:rPr lang="en-US" dirty="0" err="1" smtClean="0">
+              <a:rPr lang="en-US" sz="2800" dirty="0" err="1" smtClean="0">
                 <a:latin typeface="Times New Roman" panose="02020603050405020304" pitchFamily="18" charset="0"/>
                 <a:cs typeface="Times New Roman" panose="02020603050405020304" pitchFamily="18" charset="0"/>
               </a:rPr>
               <a:t>Xây</a:t>
             </a:r>
             <a:r>
-              <a:rPr lang="en-US" dirty="0" smtClean="0">
-                <a:latin typeface="Times New Roman" panose="02020603050405020304" pitchFamily="18" charset="0"/>
-                <a:cs typeface="Times New Roman" panose="02020603050405020304" pitchFamily="18" charset="0"/>
-              </a:rPr>
-              <a:t> </a:t>
-            </a:r>
-            <a:r>
-              <a:rPr lang="en-US" dirty="0" err="1" smtClean="0">
+              <a:rPr lang="en-US" sz="2800" dirty="0" smtClean="0">
+                <a:latin typeface="Times New Roman" panose="02020603050405020304" pitchFamily="18" charset="0"/>
+                <a:cs typeface="Times New Roman" panose="02020603050405020304" pitchFamily="18" charset="0"/>
+              </a:rPr>
+              <a:t> </a:t>
+            </a:r>
+            <a:r>
+              <a:rPr lang="en-US" sz="2800" dirty="0" err="1" smtClean="0">
                 <a:latin typeface="Times New Roman" panose="02020603050405020304" pitchFamily="18" charset="0"/>
                 <a:cs typeface="Times New Roman" panose="02020603050405020304" pitchFamily="18" charset="0"/>
               </a:rPr>
               <a:t>dựng</a:t>
             </a:r>
             <a:r>
-              <a:rPr lang="en-US" dirty="0" smtClean="0">
-                <a:latin typeface="Times New Roman" panose="02020603050405020304" pitchFamily="18" charset="0"/>
-                <a:cs typeface="Times New Roman" panose="02020603050405020304" pitchFamily="18" charset="0"/>
-              </a:rPr>
-              <a:t> </a:t>
-            </a:r>
-            <a:r>
-              <a:rPr lang="en-US" dirty="0" err="1" smtClean="0">
+              <a:rPr lang="en-US" sz="2800" dirty="0" smtClean="0">
+                <a:latin typeface="Times New Roman" panose="02020603050405020304" pitchFamily="18" charset="0"/>
+                <a:cs typeface="Times New Roman" panose="02020603050405020304" pitchFamily="18" charset="0"/>
+              </a:rPr>
+              <a:t> </a:t>
+            </a:r>
+            <a:r>
+              <a:rPr lang="en-US" sz="2800" dirty="0" err="1" smtClean="0">
                 <a:latin typeface="Times New Roman" panose="02020603050405020304" pitchFamily="18" charset="0"/>
                 <a:cs typeface="Times New Roman" panose="02020603050405020304" pitchFamily="18" charset="0"/>
               </a:rPr>
               <a:t>các</a:t>
             </a:r>
             <a:r>
-              <a:rPr lang="en-US" dirty="0" smtClean="0">
-                <a:latin typeface="Times New Roman" panose="02020603050405020304" pitchFamily="18" charset="0"/>
-                <a:cs typeface="Times New Roman" panose="02020603050405020304" pitchFamily="18" charset="0"/>
-              </a:rPr>
-              <a:t> </a:t>
-            </a:r>
-            <a:r>
-              <a:rPr lang="en-US" dirty="0" err="1" smtClean="0">
+              <a:rPr lang="en-US" sz="2800" dirty="0" smtClean="0">
+                <a:latin typeface="Times New Roman" panose="02020603050405020304" pitchFamily="18" charset="0"/>
+                <a:cs typeface="Times New Roman" panose="02020603050405020304" pitchFamily="18" charset="0"/>
+              </a:rPr>
+              <a:t> </a:t>
+            </a:r>
+            <a:r>
+              <a:rPr lang="en-US" sz="2800" dirty="0" err="1" smtClean="0">
                 <a:latin typeface="Times New Roman" panose="02020603050405020304" pitchFamily="18" charset="0"/>
                 <a:cs typeface="Times New Roman" panose="02020603050405020304" pitchFamily="18" charset="0"/>
               </a:rPr>
               <a:t>hàm</a:t>
             </a:r>
             <a:r>
-              <a:rPr lang="en-US" dirty="0" smtClean="0">
-                <a:latin typeface="Times New Roman" panose="02020603050405020304" pitchFamily="18" charset="0"/>
-                <a:cs typeface="Times New Roman" panose="02020603050405020304" pitchFamily="18" charset="0"/>
-              </a:rPr>
-              <a:t> </a:t>
-            </a:r>
-            <a:r>
-              <a:rPr lang="en-US" dirty="0" err="1" smtClean="0">
+              <a:rPr lang="en-US" sz="2800" dirty="0" smtClean="0">
+                <a:latin typeface="Times New Roman" panose="02020603050405020304" pitchFamily="18" charset="0"/>
+                <a:cs typeface="Times New Roman" panose="02020603050405020304" pitchFamily="18" charset="0"/>
+              </a:rPr>
+              <a:t> </a:t>
+            </a:r>
+            <a:r>
+              <a:rPr lang="en-US" sz="2800" dirty="0" err="1" smtClean="0">
                 <a:latin typeface="Times New Roman" panose="02020603050405020304" pitchFamily="18" charset="0"/>
                 <a:cs typeface="Times New Roman" panose="02020603050405020304" pitchFamily="18" charset="0"/>
               </a:rPr>
               <a:t>chức</a:t>
             </a:r>
             <a:r>
-              <a:rPr lang="en-US" dirty="0" smtClean="0">
-                <a:latin typeface="Times New Roman" panose="02020603050405020304" pitchFamily="18" charset="0"/>
-                <a:cs typeface="Times New Roman" panose="02020603050405020304" pitchFamily="18" charset="0"/>
-              </a:rPr>
-              <a:t> </a:t>
-            </a:r>
-            <a:r>
-              <a:rPr lang="en-US" dirty="0" err="1" smtClean="0">
+              <a:rPr lang="en-US" sz="2800" dirty="0" smtClean="0">
+                <a:latin typeface="Times New Roman" panose="02020603050405020304" pitchFamily="18" charset="0"/>
+                <a:cs typeface="Times New Roman" panose="02020603050405020304" pitchFamily="18" charset="0"/>
+              </a:rPr>
+              <a:t> </a:t>
+            </a:r>
+            <a:r>
+              <a:rPr lang="en-US" sz="2800" dirty="0" err="1" smtClean="0">
                 <a:latin typeface="Times New Roman" panose="02020603050405020304" pitchFamily="18" charset="0"/>
                 <a:cs typeface="Times New Roman" panose="02020603050405020304" pitchFamily="18" charset="0"/>
               </a:rPr>
               <a:t>năng</a:t>
             </a:r>
-            <a:endParaRPr lang="en-US" dirty="0" err="1" smtClean="0">
+            <a:endParaRPr lang="en-US" sz="2800" dirty="0" err="1" smtClean="0">
               <a:latin typeface="Times New Roman" panose="02020603050405020304" pitchFamily="18" charset="0"/>
               <a:cs typeface="Times New Roman" panose="02020603050405020304" pitchFamily="18" charset="0"/>
             </a:endParaRPr>
@@ -15753,16 +15878,17 @@
               <a:buNone/>
             </a:pPr>
             <a:r>
-              <a:rPr lang="en-US" dirty="0" smtClean="0">
+              <a:rPr lang="en-US" sz="2800" dirty="0" smtClean="0">
                 <a:latin typeface="Times New Roman" panose="02020603050405020304" pitchFamily="18" charset="0"/>
                 <a:cs typeface="Times New Roman" panose="02020603050405020304" pitchFamily="18" charset="0"/>
                 <a:sym typeface="+mn-ea"/>
               </a:rPr>
               <a:t>  - Truy vấn thông tin và hiển thị</a:t>
             </a:r>
-            <a:endParaRPr lang="en-US" dirty="0" smtClean="0">
+            <a:endParaRPr lang="en-US" sz="2800" dirty="0" smtClean="0">
               <a:latin typeface="Times New Roman" panose="02020603050405020304" pitchFamily="18" charset="0"/>
               <a:cs typeface="Times New Roman" panose="02020603050405020304" pitchFamily="18" charset="0"/>
+              <a:sym typeface="+mn-ea"/>
             </a:endParaRPr>
           </a:p>
         </p:txBody>
@@ -15783,8 +15909,8 @@
         </p:blipFill>
         <p:spPr>
           <a:xfrm>
-            <a:off x="6545766" y="1688234"/>
-            <a:ext cx="5052200" cy="4359423"/>
+            <a:off x="5977255" y="699135"/>
+            <a:ext cx="6230620" cy="6082030"/>
           </a:xfrm>
           <a:prstGeom prst="roundRect">
             <a:avLst>
@@ -15857,7 +15983,7 @@
 </p:sld>
 </file>
 
-<file path=ppt/slides/slide16.xml><?xml version="1.0" encoding="utf-8"?>
+<file path=ppt/slides/slide17.xml><?xml version="1.0" encoding="utf-8"?>
 <p:sld xmlns:a="http://schemas.openxmlformats.org/drawingml/2006/main" xmlns:r="http://schemas.openxmlformats.org/officeDocument/2006/relationships" xmlns:p="http://schemas.openxmlformats.org/presentationml/2006/main">
   <p:cSld>
     <p:spTree>
@@ -16210,608 +16336,6 @@
 </p:sld>
 </file>
 
-<file path=ppt/slides/slide17.xml><?xml version="1.0" encoding="utf-8"?>
-<p:sld xmlns:a="http://schemas.openxmlformats.org/drawingml/2006/main" xmlns:r="http://schemas.openxmlformats.org/officeDocument/2006/relationships" xmlns:p="http://schemas.openxmlformats.org/presentationml/2006/main">
-  <p:cSld>
-    <p:spTree>
-      <p:nvGrpSpPr>
-        <p:cNvPr id="1" name=""/>
-        <p:cNvGrpSpPr/>
-        <p:nvPr/>
-      </p:nvGrpSpPr>
-      <p:grpSpPr>
-        <a:xfrm>
-          <a:off x="0" y="0"/>
-          <a:ext cx="0" cy="0"/>
-          <a:chOff x="0" y="0"/>
-          <a:chExt cx="0" cy="0"/>
-        </a:xfrm>
-      </p:grpSpPr>
-      <p:sp>
-        <p:nvSpPr>
-          <p:cNvPr id="2" name="Title 1"/>
-          <p:cNvSpPr>
-            <a:spLocks noGrp="1"/>
-          </p:cNvSpPr>
-          <p:nvPr>
-            <p:ph type="title"/>
-          </p:nvPr>
-        </p:nvSpPr>
-        <p:spPr>
-          <a:xfrm>
-            <a:off x="3518853" y="238690"/>
-            <a:ext cx="4865492" cy="1026059"/>
-          </a:xfrm>
-        </p:spPr>
-        <p:txBody>
-          <a:bodyPr>
-            <a:normAutofit fontScale="90000"/>
-          </a:bodyPr>
-          <a:lstStyle/>
-          <a:p>
-            <a:r>
-              <a:rPr lang="en-US" dirty="0" err="1" smtClean="0">
-                <a:latin typeface="Times New Roman" panose="02020603050405020304" pitchFamily="18" charset="0"/>
-                <a:cs typeface="Times New Roman" panose="02020603050405020304" pitchFamily="18" charset="0"/>
-              </a:rPr>
-              <a:t>Kết</a:t>
-            </a:r>
-            <a:r>
-              <a:rPr lang="en-US" dirty="0" smtClean="0">
-                <a:latin typeface="Times New Roman" panose="02020603050405020304" pitchFamily="18" charset="0"/>
-                <a:cs typeface="Times New Roman" panose="02020603050405020304" pitchFamily="18" charset="0"/>
-              </a:rPr>
-              <a:t> </a:t>
-            </a:r>
-            <a:r>
-              <a:rPr lang="en-US" dirty="0" err="1" smtClean="0">
-                <a:latin typeface="Times New Roman" panose="02020603050405020304" pitchFamily="18" charset="0"/>
-                <a:cs typeface="Times New Roman" panose="02020603050405020304" pitchFamily="18" charset="0"/>
-              </a:rPr>
-              <a:t>Quả</a:t>
-            </a:r>
-            <a:r>
-              <a:rPr lang="en-US" dirty="0" smtClean="0">
-                <a:latin typeface="Times New Roman" panose="02020603050405020304" pitchFamily="18" charset="0"/>
-                <a:cs typeface="Times New Roman" panose="02020603050405020304" pitchFamily="18" charset="0"/>
-              </a:rPr>
-              <a:t> </a:t>
-            </a:r>
-            <a:r>
-              <a:rPr lang="en-US" dirty="0" err="1" smtClean="0">
-                <a:latin typeface="Times New Roman" panose="02020603050405020304" pitchFamily="18" charset="0"/>
-                <a:cs typeface="Times New Roman" panose="02020603050405020304" pitchFamily="18" charset="0"/>
-              </a:rPr>
-              <a:t>và</a:t>
-            </a:r>
-            <a:r>
-              <a:rPr lang="en-US" dirty="0" smtClean="0">
-                <a:latin typeface="Times New Roman" panose="02020603050405020304" pitchFamily="18" charset="0"/>
-                <a:cs typeface="Times New Roman" panose="02020603050405020304" pitchFamily="18" charset="0"/>
-              </a:rPr>
-              <a:t> </a:t>
-            </a:r>
-            <a:r>
-              <a:rPr lang="en-US" dirty="0" err="1" smtClean="0">
-                <a:latin typeface="Times New Roman" panose="02020603050405020304" pitchFamily="18" charset="0"/>
-                <a:cs typeface="Times New Roman" panose="02020603050405020304" pitchFamily="18" charset="0"/>
-              </a:rPr>
-              <a:t>đánh</a:t>
-            </a:r>
-            <a:r>
-              <a:rPr lang="en-US" dirty="0" smtClean="0">
-                <a:latin typeface="Times New Roman" panose="02020603050405020304" pitchFamily="18" charset="0"/>
-                <a:cs typeface="Times New Roman" panose="02020603050405020304" pitchFamily="18" charset="0"/>
-              </a:rPr>
-              <a:t> </a:t>
-            </a:r>
-            <a:r>
-              <a:rPr lang="en-US" dirty="0" err="1" smtClean="0">
-                <a:latin typeface="Times New Roman" panose="02020603050405020304" pitchFamily="18" charset="0"/>
-                <a:cs typeface="Times New Roman" panose="02020603050405020304" pitchFamily="18" charset="0"/>
-              </a:rPr>
-              <a:t>giá</a:t>
-            </a:r>
-            <a:endParaRPr lang="vi-VN" dirty="0">
-              <a:latin typeface="Times New Roman" panose="02020603050405020304" pitchFamily="18" charset="0"/>
-              <a:cs typeface="Times New Roman" panose="02020603050405020304" pitchFamily="18" charset="0"/>
-            </a:endParaRPr>
-          </a:p>
-        </p:txBody>
-      </p:sp>
-      <p:sp>
-        <p:nvSpPr>
-          <p:cNvPr id="3" name="Content Placeholder 2"/>
-          <p:cNvSpPr>
-            <a:spLocks noGrp="1"/>
-          </p:cNvSpPr>
-          <p:nvPr>
-            <p:ph idx="1"/>
-          </p:nvPr>
-        </p:nvSpPr>
-        <p:spPr>
-          <a:xfrm>
-            <a:off x="1732256" y="1489833"/>
-            <a:ext cx="8987326" cy="4770291"/>
-          </a:xfrm>
-        </p:spPr>
-        <p:txBody>
-          <a:bodyPr/>
-          <a:lstStyle/>
-          <a:p>
-            <a:pPr marL="0" indent="0">
-              <a:buNone/>
-            </a:pPr>
-            <a:r>
-              <a:rPr lang="en-US" dirty="0" smtClean="0">
-                <a:latin typeface="Times New Roman" panose="02020603050405020304" pitchFamily="18" charset="0"/>
-                <a:cs typeface="Times New Roman" panose="02020603050405020304" pitchFamily="18" charset="0"/>
-              </a:rPr>
-              <a:t>1. </a:t>
-            </a:r>
-            <a:r>
-              <a:rPr lang="en-US" dirty="0" err="1" smtClean="0">
-                <a:latin typeface="Times New Roman" panose="02020603050405020304" pitchFamily="18" charset="0"/>
-                <a:cs typeface="Times New Roman" panose="02020603050405020304" pitchFamily="18" charset="0"/>
-              </a:rPr>
-              <a:t>Kết</a:t>
-            </a:r>
-            <a:r>
-              <a:rPr lang="en-US" dirty="0" smtClean="0">
-                <a:latin typeface="Times New Roman" panose="02020603050405020304" pitchFamily="18" charset="0"/>
-                <a:cs typeface="Times New Roman" panose="02020603050405020304" pitchFamily="18" charset="0"/>
-              </a:rPr>
-              <a:t> </a:t>
-            </a:r>
-            <a:r>
-              <a:rPr lang="en-US" dirty="0" err="1" smtClean="0">
-                <a:latin typeface="Times New Roman" panose="02020603050405020304" pitchFamily="18" charset="0"/>
-                <a:cs typeface="Times New Roman" panose="02020603050405020304" pitchFamily="18" charset="0"/>
-              </a:rPr>
-              <a:t>quả</a:t>
-            </a:r>
-            <a:endParaRPr lang="en-US" dirty="0" smtClean="0">
-              <a:latin typeface="Times New Roman" panose="02020603050405020304" pitchFamily="18" charset="0"/>
-              <a:cs typeface="Times New Roman" panose="02020603050405020304" pitchFamily="18" charset="0"/>
-            </a:endParaRPr>
-          </a:p>
-          <a:p>
-            <a:r>
-              <a:rPr lang="en-US" dirty="0" err="1" smtClean="0">
-                <a:latin typeface="Times New Roman" panose="02020603050405020304" pitchFamily="18" charset="0"/>
-                <a:cs typeface="Times New Roman" panose="02020603050405020304" pitchFamily="18" charset="0"/>
-              </a:rPr>
-              <a:t>Cơ</a:t>
-            </a:r>
-            <a:r>
-              <a:rPr lang="en-US" dirty="0" smtClean="0">
-                <a:latin typeface="Times New Roman" panose="02020603050405020304" pitchFamily="18" charset="0"/>
-                <a:cs typeface="Times New Roman" panose="02020603050405020304" pitchFamily="18" charset="0"/>
-              </a:rPr>
-              <a:t> </a:t>
-            </a:r>
-            <a:r>
-              <a:rPr lang="en-US" dirty="0" err="1" smtClean="0">
-                <a:latin typeface="Times New Roman" panose="02020603050405020304" pitchFamily="18" charset="0"/>
-                <a:cs typeface="Times New Roman" panose="02020603050405020304" pitchFamily="18" charset="0"/>
-              </a:rPr>
-              <a:t>bản</a:t>
-            </a:r>
-            <a:r>
-              <a:rPr lang="en-US" dirty="0" smtClean="0">
-                <a:latin typeface="Times New Roman" panose="02020603050405020304" pitchFamily="18" charset="0"/>
-                <a:cs typeface="Times New Roman" panose="02020603050405020304" pitchFamily="18" charset="0"/>
-              </a:rPr>
-              <a:t> </a:t>
-            </a:r>
-            <a:r>
-              <a:rPr lang="en-US" dirty="0" err="1" smtClean="0">
-                <a:latin typeface="Times New Roman" panose="02020603050405020304" pitchFamily="18" charset="0"/>
-                <a:cs typeface="Times New Roman" panose="02020603050405020304" pitchFamily="18" charset="0"/>
-              </a:rPr>
-              <a:t>hoàn</a:t>
-            </a:r>
-            <a:r>
-              <a:rPr lang="en-US" dirty="0" smtClean="0">
-                <a:latin typeface="Times New Roman" panose="02020603050405020304" pitchFamily="18" charset="0"/>
-                <a:cs typeface="Times New Roman" panose="02020603050405020304" pitchFamily="18" charset="0"/>
-              </a:rPr>
-              <a:t> </a:t>
-            </a:r>
-            <a:r>
-              <a:rPr lang="en-US" dirty="0" err="1" smtClean="0">
-                <a:latin typeface="Times New Roman" panose="02020603050405020304" pitchFamily="18" charset="0"/>
-                <a:cs typeface="Times New Roman" panose="02020603050405020304" pitchFamily="18" charset="0"/>
-              </a:rPr>
-              <a:t>thành</a:t>
-            </a:r>
-            <a:r>
-              <a:rPr lang="en-US" dirty="0" smtClean="0">
-                <a:latin typeface="Times New Roman" panose="02020603050405020304" pitchFamily="18" charset="0"/>
-                <a:cs typeface="Times New Roman" panose="02020603050405020304" pitchFamily="18" charset="0"/>
-              </a:rPr>
-              <a:t> </a:t>
-            </a:r>
-            <a:r>
-              <a:rPr lang="en-US" dirty="0" err="1" smtClean="0">
-                <a:latin typeface="Times New Roman" panose="02020603050405020304" pitchFamily="18" charset="0"/>
-                <a:cs typeface="Times New Roman" panose="02020603050405020304" pitchFamily="18" charset="0"/>
-              </a:rPr>
-              <a:t>các</a:t>
-            </a:r>
-            <a:r>
-              <a:rPr lang="en-US" dirty="0" smtClean="0">
-                <a:latin typeface="Times New Roman" panose="02020603050405020304" pitchFamily="18" charset="0"/>
-                <a:cs typeface="Times New Roman" panose="02020603050405020304" pitchFamily="18" charset="0"/>
-              </a:rPr>
-              <a:t> </a:t>
-            </a:r>
-            <a:r>
-              <a:rPr lang="en-US" dirty="0" err="1" smtClean="0">
-                <a:latin typeface="Times New Roman" panose="02020603050405020304" pitchFamily="18" charset="0"/>
-                <a:cs typeface="Times New Roman" panose="02020603050405020304" pitchFamily="18" charset="0"/>
-              </a:rPr>
-              <a:t>chức</a:t>
-            </a:r>
-            <a:r>
-              <a:rPr lang="en-US" dirty="0" smtClean="0">
-                <a:latin typeface="Times New Roman" panose="02020603050405020304" pitchFamily="18" charset="0"/>
-                <a:cs typeface="Times New Roman" panose="02020603050405020304" pitchFamily="18" charset="0"/>
-              </a:rPr>
-              <a:t> </a:t>
-            </a:r>
-            <a:r>
-              <a:rPr lang="en-US" dirty="0" err="1" smtClean="0">
-                <a:latin typeface="Times New Roman" panose="02020603050405020304" pitchFamily="18" charset="0"/>
-                <a:cs typeface="Times New Roman" panose="02020603050405020304" pitchFamily="18" charset="0"/>
-              </a:rPr>
-              <a:t>năng</a:t>
-            </a:r>
-            <a:r>
-              <a:rPr lang="en-US" dirty="0" smtClean="0">
-                <a:latin typeface="Times New Roman" panose="02020603050405020304" pitchFamily="18" charset="0"/>
-                <a:cs typeface="Times New Roman" panose="02020603050405020304" pitchFamily="18" charset="0"/>
-              </a:rPr>
-              <a:t> </a:t>
-            </a:r>
-            <a:r>
-              <a:rPr lang="en-US" dirty="0" err="1" smtClean="0">
-                <a:latin typeface="Times New Roman" panose="02020603050405020304" pitchFamily="18" charset="0"/>
-                <a:cs typeface="Times New Roman" panose="02020603050405020304" pitchFamily="18" charset="0"/>
-              </a:rPr>
-              <a:t>cân</a:t>
-            </a:r>
-            <a:r>
-              <a:rPr lang="en-US" dirty="0" smtClean="0">
-                <a:latin typeface="Times New Roman" panose="02020603050405020304" pitchFamily="18" charset="0"/>
-                <a:cs typeface="Times New Roman" panose="02020603050405020304" pitchFamily="18" charset="0"/>
-              </a:rPr>
-              <a:t> </a:t>
-            </a:r>
-            <a:r>
-              <a:rPr lang="en-US" dirty="0" err="1" smtClean="0">
-                <a:latin typeface="Times New Roman" panose="02020603050405020304" pitchFamily="18" charset="0"/>
-                <a:cs typeface="Times New Roman" panose="02020603050405020304" pitchFamily="18" charset="0"/>
-              </a:rPr>
-              <a:t>bằng</a:t>
-            </a:r>
-            <a:r>
-              <a:rPr lang="en-US" dirty="0" smtClean="0">
-                <a:latin typeface="Times New Roman" panose="02020603050405020304" pitchFamily="18" charset="0"/>
-                <a:cs typeface="Times New Roman" panose="02020603050405020304" pitchFamily="18" charset="0"/>
-              </a:rPr>
-              <a:t> </a:t>
-            </a:r>
-            <a:r>
-              <a:rPr lang="en-US" dirty="0" err="1" smtClean="0">
-                <a:latin typeface="Times New Roman" panose="02020603050405020304" pitchFamily="18" charset="0"/>
-                <a:cs typeface="Times New Roman" panose="02020603050405020304" pitchFamily="18" charset="0"/>
-              </a:rPr>
-              <a:t>tải</a:t>
-            </a:r>
-            <a:r>
-              <a:rPr lang="en-US" dirty="0" smtClean="0">
-                <a:latin typeface="Times New Roman" panose="02020603050405020304" pitchFamily="18" charset="0"/>
-                <a:cs typeface="Times New Roman" panose="02020603050405020304" pitchFamily="18" charset="0"/>
-              </a:rPr>
-              <a:t> </a:t>
-            </a:r>
-            <a:r>
-              <a:rPr lang="en-US" dirty="0" err="1" smtClean="0">
-                <a:latin typeface="Times New Roman" panose="02020603050405020304" pitchFamily="18" charset="0"/>
-                <a:cs typeface="Times New Roman" panose="02020603050405020304" pitchFamily="18" charset="0"/>
-              </a:rPr>
-              <a:t>và</a:t>
-            </a:r>
-            <a:r>
-              <a:rPr lang="en-US" dirty="0" smtClean="0">
-                <a:latin typeface="Times New Roman" panose="02020603050405020304" pitchFamily="18" charset="0"/>
-                <a:cs typeface="Times New Roman" panose="02020603050405020304" pitchFamily="18" charset="0"/>
-              </a:rPr>
-              <a:t> </a:t>
-            </a:r>
-            <a:r>
-              <a:rPr lang="en-US" dirty="0" err="1" smtClean="0">
-                <a:latin typeface="Times New Roman" panose="02020603050405020304" pitchFamily="18" charset="0"/>
-                <a:cs typeface="Times New Roman" panose="02020603050405020304" pitchFamily="18" charset="0"/>
-              </a:rPr>
-              <a:t>theo</a:t>
-            </a:r>
-            <a:r>
-              <a:rPr lang="en-US" dirty="0" smtClean="0">
-                <a:latin typeface="Times New Roman" panose="02020603050405020304" pitchFamily="18" charset="0"/>
-                <a:cs typeface="Times New Roman" panose="02020603050405020304" pitchFamily="18" charset="0"/>
-              </a:rPr>
-              <a:t> </a:t>
-            </a:r>
-            <a:r>
-              <a:rPr lang="en-US" dirty="0" err="1" smtClean="0">
-                <a:latin typeface="Times New Roman" panose="02020603050405020304" pitchFamily="18" charset="0"/>
-                <a:cs typeface="Times New Roman" panose="02020603050405020304" pitchFamily="18" charset="0"/>
-              </a:rPr>
-              <a:t>dõi</a:t>
-            </a:r>
-            <a:r>
-              <a:rPr lang="en-US" dirty="0" smtClean="0">
-                <a:latin typeface="Times New Roman" panose="02020603050405020304" pitchFamily="18" charset="0"/>
-                <a:cs typeface="Times New Roman" panose="02020603050405020304" pitchFamily="18" charset="0"/>
-              </a:rPr>
-              <a:t> </a:t>
-            </a:r>
-            <a:r>
-              <a:rPr lang="en-US" dirty="0" err="1" smtClean="0">
-                <a:latin typeface="Times New Roman" panose="02020603050405020304" pitchFamily="18" charset="0"/>
-                <a:cs typeface="Times New Roman" panose="02020603050405020304" pitchFamily="18" charset="0"/>
-              </a:rPr>
-              <a:t>hệ</a:t>
-            </a:r>
-            <a:r>
-              <a:rPr lang="en-US" dirty="0" smtClean="0">
-                <a:latin typeface="Times New Roman" panose="02020603050405020304" pitchFamily="18" charset="0"/>
-                <a:cs typeface="Times New Roman" panose="02020603050405020304" pitchFamily="18" charset="0"/>
-              </a:rPr>
-              <a:t> </a:t>
-            </a:r>
-            <a:r>
-              <a:rPr lang="en-US" dirty="0" err="1" smtClean="0">
-                <a:latin typeface="Times New Roman" panose="02020603050405020304" pitchFamily="18" charset="0"/>
-                <a:cs typeface="Times New Roman" panose="02020603050405020304" pitchFamily="18" charset="0"/>
-              </a:rPr>
-              <a:t>thống</a:t>
-            </a:r>
-            <a:r>
-              <a:rPr lang="en-US" dirty="0" smtClean="0">
-                <a:latin typeface="Times New Roman" panose="02020603050405020304" pitchFamily="18" charset="0"/>
-                <a:cs typeface="Times New Roman" panose="02020603050405020304" pitchFamily="18" charset="0"/>
-              </a:rPr>
-              <a:t>.</a:t>
-            </a:r>
-            <a:endParaRPr lang="en-US" dirty="0" smtClean="0">
-              <a:latin typeface="Times New Roman" panose="02020603050405020304" pitchFamily="18" charset="0"/>
-              <a:cs typeface="Times New Roman" panose="02020603050405020304" pitchFamily="18" charset="0"/>
-            </a:endParaRPr>
-          </a:p>
-          <a:p>
-            <a:r>
-              <a:rPr lang="en-US" dirty="0" err="1" smtClean="0">
-                <a:latin typeface="Times New Roman" panose="02020603050405020304" pitchFamily="18" charset="0"/>
-                <a:cs typeface="Times New Roman" panose="02020603050405020304" pitchFamily="18" charset="0"/>
-              </a:rPr>
-              <a:t>Kết</a:t>
-            </a:r>
-            <a:r>
-              <a:rPr lang="en-US" dirty="0" smtClean="0">
-                <a:latin typeface="Times New Roman" panose="02020603050405020304" pitchFamily="18" charset="0"/>
-                <a:cs typeface="Times New Roman" panose="02020603050405020304" pitchFamily="18" charset="0"/>
-              </a:rPr>
-              <a:t> </a:t>
-            </a:r>
-            <a:r>
-              <a:rPr lang="en-US" dirty="0" err="1" smtClean="0">
-                <a:latin typeface="Times New Roman" panose="02020603050405020304" pitchFamily="18" charset="0"/>
-                <a:cs typeface="Times New Roman" panose="02020603050405020304" pitchFamily="18" charset="0"/>
-              </a:rPr>
-              <a:t>nối</a:t>
-            </a:r>
-            <a:r>
-              <a:rPr lang="en-US" dirty="0" smtClean="0">
-                <a:latin typeface="Times New Roman" panose="02020603050405020304" pitchFamily="18" charset="0"/>
-                <a:cs typeface="Times New Roman" panose="02020603050405020304" pitchFamily="18" charset="0"/>
-              </a:rPr>
-              <a:t> </a:t>
-            </a:r>
-            <a:r>
-              <a:rPr lang="en-US" dirty="0" err="1" smtClean="0">
-                <a:latin typeface="Times New Roman" panose="02020603050405020304" pitchFamily="18" charset="0"/>
-                <a:cs typeface="Times New Roman" panose="02020603050405020304" pitchFamily="18" charset="0"/>
-              </a:rPr>
-              <a:t>được</a:t>
-            </a:r>
-            <a:r>
-              <a:rPr lang="en-US" dirty="0" smtClean="0">
-                <a:latin typeface="Times New Roman" panose="02020603050405020304" pitchFamily="18" charset="0"/>
-                <a:cs typeface="Times New Roman" panose="02020603050405020304" pitchFamily="18" charset="0"/>
-              </a:rPr>
-              <a:t> controller </a:t>
-            </a:r>
-            <a:r>
-              <a:rPr lang="en-US" dirty="0" err="1" smtClean="0">
-                <a:latin typeface="Times New Roman" panose="02020603050405020304" pitchFamily="18" charset="0"/>
-                <a:cs typeface="Times New Roman" panose="02020603050405020304" pitchFamily="18" charset="0"/>
-              </a:rPr>
-              <a:t>điều</a:t>
-            </a:r>
-            <a:r>
-              <a:rPr lang="en-US" dirty="0" smtClean="0">
-                <a:latin typeface="Times New Roman" panose="02020603050405020304" pitchFamily="18" charset="0"/>
-                <a:cs typeface="Times New Roman" panose="02020603050405020304" pitchFamily="18" charset="0"/>
-              </a:rPr>
-              <a:t> </a:t>
-            </a:r>
-            <a:r>
-              <a:rPr lang="en-US" dirty="0" err="1" smtClean="0">
-                <a:latin typeface="Times New Roman" panose="02020603050405020304" pitchFamily="18" charset="0"/>
-                <a:cs typeface="Times New Roman" panose="02020603050405020304" pitchFamily="18" charset="0"/>
-              </a:rPr>
-              <a:t>khiển</a:t>
-            </a:r>
-            <a:r>
-              <a:rPr lang="en-US" dirty="0" smtClean="0">
-                <a:latin typeface="Times New Roman" panose="02020603050405020304" pitchFamily="18" charset="0"/>
-                <a:cs typeface="Times New Roman" panose="02020603050405020304" pitchFamily="18" charset="0"/>
-              </a:rPr>
-              <a:t> </a:t>
-            </a:r>
-            <a:r>
-              <a:rPr lang="en-US" dirty="0" err="1" smtClean="0">
-                <a:latin typeface="Times New Roman" panose="02020603050405020304" pitchFamily="18" charset="0"/>
-                <a:cs typeface="Times New Roman" panose="02020603050405020304" pitchFamily="18" charset="0"/>
-              </a:rPr>
-              <a:t>dữ</a:t>
-            </a:r>
-            <a:r>
-              <a:rPr lang="en-US" dirty="0" smtClean="0">
-                <a:latin typeface="Times New Roman" panose="02020603050405020304" pitchFamily="18" charset="0"/>
-                <a:cs typeface="Times New Roman" panose="02020603050405020304" pitchFamily="18" charset="0"/>
-              </a:rPr>
-              <a:t> </a:t>
-            </a:r>
-            <a:r>
-              <a:rPr lang="en-US" dirty="0" err="1" smtClean="0">
-                <a:latin typeface="Times New Roman" panose="02020603050405020304" pitchFamily="18" charset="0"/>
-                <a:cs typeface="Times New Roman" panose="02020603050405020304" pitchFamily="18" charset="0"/>
-              </a:rPr>
-              <a:t>liệu</a:t>
-            </a:r>
-            <a:r>
-              <a:rPr lang="en-US" dirty="0" smtClean="0">
-                <a:latin typeface="Times New Roman" panose="02020603050405020304" pitchFamily="18" charset="0"/>
-                <a:cs typeface="Times New Roman" panose="02020603050405020304" pitchFamily="18" charset="0"/>
-              </a:rPr>
-              <a:t> </a:t>
-            </a:r>
-            <a:r>
-              <a:rPr lang="en-US" dirty="0" err="1" smtClean="0">
-                <a:latin typeface="Times New Roman" panose="02020603050405020304" pitchFamily="18" charset="0"/>
-                <a:cs typeface="Times New Roman" panose="02020603050405020304" pitchFamily="18" charset="0"/>
-              </a:rPr>
-              <a:t>với</a:t>
-            </a:r>
-            <a:r>
-              <a:rPr lang="en-US" dirty="0" smtClean="0">
-                <a:latin typeface="Times New Roman" panose="02020603050405020304" pitchFamily="18" charset="0"/>
-                <a:cs typeface="Times New Roman" panose="02020603050405020304" pitchFamily="18" charset="0"/>
-              </a:rPr>
-              <a:t> </a:t>
-            </a:r>
-            <a:r>
-              <a:rPr lang="en-US" dirty="0" err="1" smtClean="0">
-                <a:latin typeface="Times New Roman" panose="02020603050405020304" pitchFamily="18" charset="0"/>
-                <a:cs typeface="Times New Roman" panose="02020603050405020304" pitchFamily="18" charset="0"/>
-              </a:rPr>
-              <a:t>openvswitch</a:t>
-            </a:r>
-            <a:r>
-              <a:rPr lang="en-US" dirty="0" smtClean="0">
-                <a:latin typeface="Times New Roman" panose="02020603050405020304" pitchFamily="18" charset="0"/>
-                <a:cs typeface="Times New Roman" panose="02020603050405020304" pitchFamily="18" charset="0"/>
-              </a:rPr>
-              <a:t>.</a:t>
-            </a:r>
-            <a:endParaRPr lang="en-US" dirty="0" smtClean="0">
-              <a:latin typeface="Times New Roman" panose="02020603050405020304" pitchFamily="18" charset="0"/>
-              <a:cs typeface="Times New Roman" panose="02020603050405020304" pitchFamily="18" charset="0"/>
-            </a:endParaRPr>
-          </a:p>
-          <a:p>
-            <a:endParaRPr lang="vi-VN" dirty="0">
-              <a:latin typeface="Times New Roman" panose="02020603050405020304" pitchFamily="18" charset="0"/>
-              <a:cs typeface="Times New Roman" panose="02020603050405020304" pitchFamily="18" charset="0"/>
-            </a:endParaRPr>
-          </a:p>
-        </p:txBody>
-      </p:sp>
-      <p:pic>
-        <p:nvPicPr>
-          <p:cNvPr id="4" name="Picture 3"/>
-          <p:cNvPicPr/>
-          <p:nvPr/>
-        </p:nvPicPr>
-        <p:blipFill>
-          <a:blip r:embed="rId1"/>
-          <a:stretch>
-            <a:fillRect/>
-          </a:stretch>
-        </p:blipFill>
-        <p:spPr>
-          <a:xfrm>
-            <a:off x="2063905" y="3061358"/>
-            <a:ext cx="3581400" cy="2943225"/>
-          </a:xfrm>
-          <a:prstGeom prst="rect">
-            <a:avLst/>
-          </a:prstGeom>
-        </p:spPr>
-      </p:pic>
-      <p:pic>
-        <p:nvPicPr>
-          <p:cNvPr id="5" name="Picture 4"/>
-          <p:cNvPicPr/>
-          <p:nvPr/>
-        </p:nvPicPr>
-        <p:blipFill>
-          <a:blip r:embed="rId2"/>
-          <a:stretch>
-            <a:fillRect/>
-          </a:stretch>
-        </p:blipFill>
-        <p:spPr>
-          <a:xfrm>
-            <a:off x="6092972" y="3088663"/>
-            <a:ext cx="4322267" cy="2915920"/>
-          </a:xfrm>
-          <a:prstGeom prst="rect">
-            <a:avLst/>
-          </a:prstGeom>
-        </p:spPr>
-      </p:pic>
-      <p:sp>
-        <p:nvSpPr>
-          <p:cNvPr id="6" name="Slide Number Placeholder 5"/>
-          <p:cNvSpPr>
-            <a:spLocks noGrp="1"/>
-          </p:cNvSpPr>
-          <p:nvPr>
-            <p:ph type="sldNum" sz="quarter" idx="12"/>
-          </p:nvPr>
-        </p:nvSpPr>
-        <p:spPr/>
-        <p:txBody>
-          <a:bodyPr/>
-          <a:lstStyle/>
-          <a:p>
-            <a:fld id="{8AC740CC-3A73-4EA3-A7E0-F8441B25C088}" type="slidenum">
-              <a:rPr lang="vi-VN" sz="2400" smtClean="0"/>
-            </a:fld>
-            <a:endParaRPr lang="vi-VN" sz="2400" dirty="0"/>
-          </a:p>
-        </p:txBody>
-      </p:sp>
-    </p:spTree>
-  </p:cSld>
-  <p:clrMapOvr>
-    <a:masterClrMapping/>
-  </p:clrMapOvr>
-  <p:timing>
-    <p:tnLst>
-      <p:par>
-        <p:cTn id="1" dur="indefinite" restart="never" nodeType="tmRoot"/>
-      </p:par>
-    </p:tnLst>
-  </p:timing>
-</p:sld>
-</file>
-
 <file path=ppt/slides/slide18.xml><?xml version="1.0" encoding="utf-8"?>
 <p:sld xmlns:a="http://schemas.openxmlformats.org/drawingml/2006/main" xmlns:r="http://schemas.openxmlformats.org/officeDocument/2006/relationships" xmlns:p="http://schemas.openxmlformats.org/presentationml/2006/main">
   <p:cSld>
@@ -16983,7 +16507,7 @@
                 <a:latin typeface="Times New Roman" panose="02020603050405020304" pitchFamily="18" charset="0"/>
                 <a:cs typeface="Times New Roman" panose="02020603050405020304" pitchFamily="18" charset="0"/>
               </a:rPr>
-              <a:t>Tạo</a:t>
+              <a:t>Cơ</a:t>
             </a:r>
             <a:r>
               <a:rPr lang="en-US" dirty="0" smtClean="0">
@@ -16997,21 +16521,21 @@
                 <a:latin typeface="Times New Roman" panose="02020603050405020304" pitchFamily="18" charset="0"/>
                 <a:cs typeface="Times New Roman" panose="02020603050405020304" pitchFamily="18" charset="0"/>
               </a:rPr>
-              <a:t>ra</a:t>
+              <a:t>bản</a:t>
             </a:r>
             <a:r>
               <a:rPr lang="en-US" dirty="0" smtClean="0">
                 <a:latin typeface="Times New Roman" panose="02020603050405020304" pitchFamily="18" charset="0"/>
                 <a:cs typeface="Times New Roman" panose="02020603050405020304" pitchFamily="18" charset="0"/>
               </a:rPr>
-              <a:t> website </a:t>
+              <a:t> </a:t>
             </a:r>
             <a:r>
               <a:rPr lang="en-US" dirty="0" err="1" smtClean="0">
                 <a:latin typeface="Times New Roman" panose="02020603050405020304" pitchFamily="18" charset="0"/>
                 <a:cs typeface="Times New Roman" panose="02020603050405020304" pitchFamily="18" charset="0"/>
               </a:rPr>
-              <a:t>quản</a:t>
+              <a:t>hoàn</a:t>
             </a:r>
             <a:r>
               <a:rPr lang="en-US" dirty="0" smtClean="0">
@@ -17025,7 +16549,7 @@
                 <a:latin typeface="Times New Roman" panose="02020603050405020304" pitchFamily="18" charset="0"/>
                 <a:cs typeface="Times New Roman" panose="02020603050405020304" pitchFamily="18" charset="0"/>
               </a:rPr>
-              <a:t>trị</a:t>
+              <a:t>thành</a:t>
             </a:r>
             <a:r>
               <a:rPr lang="en-US" dirty="0" smtClean="0">
@@ -17039,6 +16563,132 @@
                 <a:latin typeface="Times New Roman" panose="02020603050405020304" pitchFamily="18" charset="0"/>
                 <a:cs typeface="Times New Roman" panose="02020603050405020304" pitchFamily="18" charset="0"/>
               </a:rPr>
+              <a:t>các</a:t>
+            </a:r>
+            <a:r>
+              <a:rPr lang="en-US" dirty="0" smtClean="0">
+                <a:latin typeface="Times New Roman" panose="02020603050405020304" pitchFamily="18" charset="0"/>
+                <a:cs typeface="Times New Roman" panose="02020603050405020304" pitchFamily="18" charset="0"/>
+              </a:rPr>
+              <a:t> </a:t>
+            </a:r>
+            <a:r>
+              <a:rPr lang="en-US" dirty="0" err="1" smtClean="0">
+                <a:latin typeface="Times New Roman" panose="02020603050405020304" pitchFamily="18" charset="0"/>
+                <a:cs typeface="Times New Roman" panose="02020603050405020304" pitchFamily="18" charset="0"/>
+              </a:rPr>
+              <a:t>chức</a:t>
+            </a:r>
+            <a:r>
+              <a:rPr lang="en-US" dirty="0" smtClean="0">
+                <a:latin typeface="Times New Roman" panose="02020603050405020304" pitchFamily="18" charset="0"/>
+                <a:cs typeface="Times New Roman" panose="02020603050405020304" pitchFamily="18" charset="0"/>
+              </a:rPr>
+              <a:t> </a:t>
+            </a:r>
+            <a:r>
+              <a:rPr lang="en-US" dirty="0" err="1" smtClean="0">
+                <a:latin typeface="Times New Roman" panose="02020603050405020304" pitchFamily="18" charset="0"/>
+                <a:cs typeface="Times New Roman" panose="02020603050405020304" pitchFamily="18" charset="0"/>
+              </a:rPr>
+              <a:t>năng</a:t>
+            </a:r>
+            <a:r>
+              <a:rPr lang="en-US" dirty="0" smtClean="0">
+                <a:latin typeface="Times New Roman" panose="02020603050405020304" pitchFamily="18" charset="0"/>
+                <a:cs typeface="Times New Roman" panose="02020603050405020304" pitchFamily="18" charset="0"/>
+              </a:rPr>
+              <a:t> </a:t>
+            </a:r>
+            <a:r>
+              <a:rPr lang="en-US" dirty="0" err="1" smtClean="0">
+                <a:latin typeface="Times New Roman" panose="02020603050405020304" pitchFamily="18" charset="0"/>
+                <a:cs typeface="Times New Roman" panose="02020603050405020304" pitchFamily="18" charset="0"/>
+              </a:rPr>
+              <a:t>cân</a:t>
+            </a:r>
+            <a:r>
+              <a:rPr lang="en-US" dirty="0" smtClean="0">
+                <a:latin typeface="Times New Roman" panose="02020603050405020304" pitchFamily="18" charset="0"/>
+                <a:cs typeface="Times New Roman" panose="02020603050405020304" pitchFamily="18" charset="0"/>
+              </a:rPr>
+              <a:t> </a:t>
+            </a:r>
+            <a:r>
+              <a:rPr lang="en-US" dirty="0" err="1" smtClean="0">
+                <a:latin typeface="Times New Roman" panose="02020603050405020304" pitchFamily="18" charset="0"/>
+                <a:cs typeface="Times New Roman" panose="02020603050405020304" pitchFamily="18" charset="0"/>
+              </a:rPr>
+              <a:t>bằng</a:t>
+            </a:r>
+            <a:r>
+              <a:rPr lang="en-US" dirty="0" smtClean="0">
+                <a:latin typeface="Times New Roman" panose="02020603050405020304" pitchFamily="18" charset="0"/>
+                <a:cs typeface="Times New Roman" panose="02020603050405020304" pitchFamily="18" charset="0"/>
+              </a:rPr>
+              <a:t> </a:t>
+            </a:r>
+            <a:r>
+              <a:rPr lang="en-US" dirty="0" err="1" smtClean="0">
+                <a:latin typeface="Times New Roman" panose="02020603050405020304" pitchFamily="18" charset="0"/>
+                <a:cs typeface="Times New Roman" panose="02020603050405020304" pitchFamily="18" charset="0"/>
+              </a:rPr>
+              <a:t>tải</a:t>
+            </a:r>
+            <a:r>
+              <a:rPr lang="en-US" dirty="0" smtClean="0">
+                <a:latin typeface="Times New Roman" panose="02020603050405020304" pitchFamily="18" charset="0"/>
+                <a:cs typeface="Times New Roman" panose="02020603050405020304" pitchFamily="18" charset="0"/>
+              </a:rPr>
+              <a:t> </a:t>
+            </a:r>
+            <a:r>
+              <a:rPr lang="en-US" dirty="0" err="1" smtClean="0">
+                <a:latin typeface="Times New Roman" panose="02020603050405020304" pitchFamily="18" charset="0"/>
+                <a:cs typeface="Times New Roman" panose="02020603050405020304" pitchFamily="18" charset="0"/>
+              </a:rPr>
+              <a:t>và</a:t>
+            </a:r>
+            <a:r>
+              <a:rPr lang="en-US" dirty="0" smtClean="0">
+                <a:latin typeface="Times New Roman" panose="02020603050405020304" pitchFamily="18" charset="0"/>
+                <a:cs typeface="Times New Roman" panose="02020603050405020304" pitchFamily="18" charset="0"/>
+              </a:rPr>
+              <a:t> </a:t>
+            </a:r>
+            <a:r>
+              <a:rPr lang="en-US" dirty="0" err="1" smtClean="0">
+                <a:latin typeface="Times New Roman" panose="02020603050405020304" pitchFamily="18" charset="0"/>
+                <a:cs typeface="Times New Roman" panose="02020603050405020304" pitchFamily="18" charset="0"/>
+              </a:rPr>
+              <a:t>theo</a:t>
+            </a:r>
+            <a:r>
+              <a:rPr lang="en-US" dirty="0" smtClean="0">
+                <a:latin typeface="Times New Roman" panose="02020603050405020304" pitchFamily="18" charset="0"/>
+                <a:cs typeface="Times New Roman" panose="02020603050405020304" pitchFamily="18" charset="0"/>
+              </a:rPr>
+              <a:t> </a:t>
+            </a:r>
+            <a:r>
+              <a:rPr lang="en-US" dirty="0" err="1" smtClean="0">
+                <a:latin typeface="Times New Roman" panose="02020603050405020304" pitchFamily="18" charset="0"/>
+                <a:cs typeface="Times New Roman" panose="02020603050405020304" pitchFamily="18" charset="0"/>
+              </a:rPr>
+              <a:t>dõi</a:t>
+            </a:r>
+            <a:r>
+              <a:rPr lang="en-US" dirty="0" smtClean="0">
+                <a:latin typeface="Times New Roman" panose="02020603050405020304" pitchFamily="18" charset="0"/>
+                <a:cs typeface="Times New Roman" panose="02020603050405020304" pitchFamily="18" charset="0"/>
+              </a:rPr>
+              <a:t> </a:t>
+            </a:r>
+            <a:r>
+              <a:rPr lang="en-US" dirty="0" err="1" smtClean="0">
+                <a:latin typeface="Times New Roman" panose="02020603050405020304" pitchFamily="18" charset="0"/>
+                <a:cs typeface="Times New Roman" panose="02020603050405020304" pitchFamily="18" charset="0"/>
+              </a:rPr>
               <a:t>hệ</a:t>
             </a:r>
             <a:r>
@@ -17054,48 +16704,6 @@
                 <a:cs typeface="Times New Roman" panose="02020603050405020304" pitchFamily="18" charset="0"/>
               </a:rPr>
               <a:t>thống</a:t>
-            </a:r>
-            <a:r>
-              <a:rPr lang="en-US" dirty="0" smtClean="0">
-                <a:latin typeface="Times New Roman" panose="02020603050405020304" pitchFamily="18" charset="0"/>
-                <a:cs typeface="Times New Roman" panose="02020603050405020304" pitchFamily="18" charset="0"/>
-              </a:rPr>
-              <a:t> </a:t>
-            </a:r>
-            <a:r>
-              <a:rPr lang="en-US" dirty="0" err="1" smtClean="0">
-                <a:latin typeface="Times New Roman" panose="02020603050405020304" pitchFamily="18" charset="0"/>
-                <a:cs typeface="Times New Roman" panose="02020603050405020304" pitchFamily="18" charset="0"/>
-              </a:rPr>
-              <a:t>wifi</a:t>
-            </a:r>
-            <a:r>
-              <a:rPr lang="en-US" dirty="0" smtClean="0">
-                <a:latin typeface="Times New Roman" panose="02020603050405020304" pitchFamily="18" charset="0"/>
-                <a:cs typeface="Times New Roman" panose="02020603050405020304" pitchFamily="18" charset="0"/>
-              </a:rPr>
-              <a:t> </a:t>
-            </a:r>
-            <a:r>
-              <a:rPr lang="en-US" dirty="0" err="1" smtClean="0">
-                <a:latin typeface="Times New Roman" panose="02020603050405020304" pitchFamily="18" charset="0"/>
-                <a:cs typeface="Times New Roman" panose="02020603050405020304" pitchFamily="18" charset="0"/>
-              </a:rPr>
-              <a:t>tập</a:t>
-            </a:r>
-            <a:r>
-              <a:rPr lang="en-US" dirty="0" smtClean="0">
-                <a:latin typeface="Times New Roman" panose="02020603050405020304" pitchFamily="18" charset="0"/>
-                <a:cs typeface="Times New Roman" panose="02020603050405020304" pitchFamily="18" charset="0"/>
-              </a:rPr>
-              <a:t> </a:t>
-            </a:r>
-            <a:r>
-              <a:rPr lang="en-US" dirty="0" err="1" smtClean="0">
-                <a:latin typeface="Times New Roman" panose="02020603050405020304" pitchFamily="18" charset="0"/>
-                <a:cs typeface="Times New Roman" panose="02020603050405020304" pitchFamily="18" charset="0"/>
-              </a:rPr>
-              <a:t>chung</a:t>
             </a:r>
             <a:r>
               <a:rPr lang="en-US" dirty="0" smtClean="0">
@@ -17110,9 +16718,138 @@
             </a:endParaRPr>
           </a:p>
           <a:p>
-            <a:pPr marL="0" indent="0">
-              <a:buNone/>
-            </a:pPr>
+            <a:r>
+              <a:rPr lang="en-US" dirty="0" err="1" smtClean="0">
+                <a:latin typeface="Times New Roman" panose="02020603050405020304" pitchFamily="18" charset="0"/>
+                <a:cs typeface="Times New Roman" panose="02020603050405020304" pitchFamily="18" charset="0"/>
+              </a:rPr>
+              <a:t>Kết</a:t>
+            </a:r>
+            <a:r>
+              <a:rPr lang="en-US" dirty="0" smtClean="0">
+                <a:latin typeface="Times New Roman" panose="02020603050405020304" pitchFamily="18" charset="0"/>
+                <a:cs typeface="Times New Roman" panose="02020603050405020304" pitchFamily="18" charset="0"/>
+              </a:rPr>
+              <a:t> </a:t>
+            </a:r>
+            <a:r>
+              <a:rPr lang="en-US" dirty="0" err="1" smtClean="0">
+                <a:latin typeface="Times New Roman" panose="02020603050405020304" pitchFamily="18" charset="0"/>
+                <a:cs typeface="Times New Roman" panose="02020603050405020304" pitchFamily="18" charset="0"/>
+              </a:rPr>
+              <a:t>nối</a:t>
+            </a:r>
+            <a:r>
+              <a:rPr lang="en-US" dirty="0" smtClean="0">
+                <a:latin typeface="Times New Roman" panose="02020603050405020304" pitchFamily="18" charset="0"/>
+                <a:cs typeface="Times New Roman" panose="02020603050405020304" pitchFamily="18" charset="0"/>
+              </a:rPr>
+              <a:t> </a:t>
+            </a:r>
+            <a:r>
+              <a:rPr lang="en-US" dirty="0" err="1" smtClean="0">
+                <a:latin typeface="Times New Roman" panose="02020603050405020304" pitchFamily="18" charset="0"/>
+                <a:cs typeface="Times New Roman" panose="02020603050405020304" pitchFamily="18" charset="0"/>
+              </a:rPr>
+              <a:t>được</a:t>
+            </a:r>
+            <a:r>
+              <a:rPr lang="en-US" dirty="0" smtClean="0">
+                <a:latin typeface="Times New Roman" panose="02020603050405020304" pitchFamily="18" charset="0"/>
+                <a:cs typeface="Times New Roman" panose="02020603050405020304" pitchFamily="18" charset="0"/>
+              </a:rPr>
+              <a:t> controller </a:t>
+            </a:r>
+            <a:r>
+              <a:rPr lang="en-US" dirty="0" err="1" smtClean="0">
+                <a:latin typeface="Times New Roman" panose="02020603050405020304" pitchFamily="18" charset="0"/>
+                <a:cs typeface="Times New Roman" panose="02020603050405020304" pitchFamily="18" charset="0"/>
+              </a:rPr>
+              <a:t>điều</a:t>
+            </a:r>
+            <a:r>
+              <a:rPr lang="en-US" dirty="0" smtClean="0">
+                <a:latin typeface="Times New Roman" panose="02020603050405020304" pitchFamily="18" charset="0"/>
+                <a:cs typeface="Times New Roman" panose="02020603050405020304" pitchFamily="18" charset="0"/>
+              </a:rPr>
+              <a:t> </a:t>
+            </a:r>
+            <a:r>
+              <a:rPr lang="en-US" dirty="0" err="1" smtClean="0">
+                <a:latin typeface="Times New Roman" panose="02020603050405020304" pitchFamily="18" charset="0"/>
+                <a:cs typeface="Times New Roman" panose="02020603050405020304" pitchFamily="18" charset="0"/>
+              </a:rPr>
+              <a:t>khiển</a:t>
+            </a:r>
+            <a:r>
+              <a:rPr lang="en-US" dirty="0" smtClean="0">
+                <a:latin typeface="Times New Roman" panose="02020603050405020304" pitchFamily="18" charset="0"/>
+                <a:cs typeface="Times New Roman" panose="02020603050405020304" pitchFamily="18" charset="0"/>
+              </a:rPr>
+              <a:t> </a:t>
+            </a:r>
+            <a:r>
+              <a:rPr lang="en-US" dirty="0" err="1" smtClean="0">
+                <a:latin typeface="Times New Roman" panose="02020603050405020304" pitchFamily="18" charset="0"/>
+                <a:cs typeface="Times New Roman" panose="02020603050405020304" pitchFamily="18" charset="0"/>
+              </a:rPr>
+              <a:t>dữ</a:t>
+            </a:r>
+            <a:r>
+              <a:rPr lang="en-US" dirty="0" smtClean="0">
+                <a:latin typeface="Times New Roman" panose="02020603050405020304" pitchFamily="18" charset="0"/>
+                <a:cs typeface="Times New Roman" panose="02020603050405020304" pitchFamily="18" charset="0"/>
+              </a:rPr>
+              <a:t> </a:t>
+            </a:r>
+            <a:r>
+              <a:rPr lang="en-US" dirty="0" err="1" smtClean="0">
+                <a:latin typeface="Times New Roman" panose="02020603050405020304" pitchFamily="18" charset="0"/>
+                <a:cs typeface="Times New Roman" panose="02020603050405020304" pitchFamily="18" charset="0"/>
+              </a:rPr>
+              <a:t>liệu</a:t>
+            </a:r>
+            <a:r>
+              <a:rPr lang="en-US" dirty="0" smtClean="0">
+                <a:latin typeface="Times New Roman" panose="02020603050405020304" pitchFamily="18" charset="0"/>
+                <a:cs typeface="Times New Roman" panose="02020603050405020304" pitchFamily="18" charset="0"/>
+              </a:rPr>
+              <a:t> </a:t>
+            </a:r>
+            <a:r>
+              <a:rPr lang="en-US" dirty="0" err="1" smtClean="0">
+                <a:latin typeface="Times New Roman" panose="02020603050405020304" pitchFamily="18" charset="0"/>
+                <a:cs typeface="Times New Roman" panose="02020603050405020304" pitchFamily="18" charset="0"/>
+              </a:rPr>
+              <a:t>với</a:t>
+            </a:r>
+            <a:r>
+              <a:rPr lang="en-US" dirty="0" smtClean="0">
+                <a:latin typeface="Times New Roman" panose="02020603050405020304" pitchFamily="18" charset="0"/>
+                <a:cs typeface="Times New Roman" panose="02020603050405020304" pitchFamily="18" charset="0"/>
+              </a:rPr>
+              <a:t> </a:t>
+            </a:r>
+            <a:r>
+              <a:rPr lang="en-US" dirty="0" err="1" smtClean="0">
+                <a:latin typeface="Times New Roman" panose="02020603050405020304" pitchFamily="18" charset="0"/>
+                <a:cs typeface="Times New Roman" panose="02020603050405020304" pitchFamily="18" charset="0"/>
+              </a:rPr>
+              <a:t>openvswitch</a:t>
+            </a:r>
+            <a:r>
+              <a:rPr lang="en-US" dirty="0" smtClean="0">
+                <a:latin typeface="Times New Roman" panose="02020603050405020304" pitchFamily="18" charset="0"/>
+                <a:cs typeface="Times New Roman" panose="02020603050405020304" pitchFamily="18" charset="0"/>
+              </a:rPr>
+              <a:t>.</a:t>
+            </a:r>
+            <a:endParaRPr lang="en-US" dirty="0" smtClean="0">
+              <a:latin typeface="Times New Roman" panose="02020603050405020304" pitchFamily="18" charset="0"/>
+              <a:cs typeface="Times New Roman" panose="02020603050405020304" pitchFamily="18" charset="0"/>
+            </a:endParaRPr>
+          </a:p>
+          <a:p>
             <a:endParaRPr lang="vi-VN" dirty="0">
               <a:latin typeface="Times New Roman" panose="02020603050405020304" pitchFamily="18" charset="0"/>
               <a:cs typeface="Times New Roman" panose="02020603050405020304" pitchFamily="18" charset="0"/>
@@ -17134,8 +16871,30 @@
         </p:blipFill>
         <p:spPr>
           <a:xfrm>
-            <a:off x="2254149" y="2570696"/>
-            <a:ext cx="7394900" cy="3677703"/>
+            <a:off x="1181100" y="3061335"/>
+            <a:ext cx="4464050" cy="3682365"/>
+          </a:xfrm>
+          <a:prstGeom prst="rect">
+            <a:avLst/>
+          </a:prstGeom>
+        </p:spPr>
+      </p:pic>
+      <p:pic>
+        <p:nvPicPr>
+          <p:cNvPr id="5" name="Picture 4"/>
+          <p:cNvPicPr/>
+          <p:nvPr/>
+        </p:nvPicPr>
+        <p:blipFill>
+          <a:blip r:embed="rId2"/>
+          <a:stretch>
+            <a:fillRect/>
+          </a:stretch>
+        </p:blipFill>
+        <p:spPr>
+          <a:xfrm>
+            <a:off x="5708650" y="3073400"/>
+            <a:ext cx="4916170" cy="3654425"/>
           </a:xfrm>
           <a:prstGeom prst="rect">
             <a:avLst/>
@@ -17208,16 +16967,17 @@
         </p:nvSpPr>
         <p:spPr>
           <a:xfrm>
-            <a:off x="3518853" y="238690"/>
-            <a:ext cx="4865492" cy="1026059"/>
+            <a:off x="2781300" y="26035"/>
+            <a:ext cx="6035040" cy="1156970"/>
           </a:xfrm>
         </p:spPr>
         <p:txBody>
           <a:bodyPr>
-            <a:normAutofit fontScale="90000"/>
+            <a:normAutofit/>
           </a:bodyPr>
           <a:lstStyle/>
           <a:p>
+            <a:pPr algn="ctr"/>
             <a:r>
               <a:rPr lang="en-US" dirty="0" err="1" smtClean="0">
                 <a:latin typeface="Times New Roman" panose="02020603050405020304" pitchFamily="18" charset="0"/>
@@ -17295,183 +17055,185 @@
             <a:spLocks noGrp="1"/>
           </p:cNvSpPr>
           <p:nvPr>
-            <p:ph idx="1"/>
+            <p:ph sz="half" idx="1"/>
           </p:nvPr>
         </p:nvSpPr>
         <p:spPr>
           <a:xfrm>
-            <a:off x="1732256" y="1489833"/>
-            <a:ext cx="8987326" cy="4770291"/>
+            <a:off x="1295400" y="854710"/>
+            <a:ext cx="9752330" cy="1213485"/>
           </a:xfrm>
         </p:spPr>
         <p:txBody>
-          <a:bodyPr/>
+          <a:bodyPr>
+            <a:normAutofit lnSpcReduction="10000"/>
+          </a:bodyPr>
           <a:lstStyle/>
           <a:p>
             <a:pPr marL="0" indent="0">
               <a:buNone/>
             </a:pPr>
             <a:r>
-              <a:rPr lang="en-US" dirty="0" smtClean="0">
+              <a:rPr lang="en-US" sz="2800" dirty="0" smtClean="0">
                 <a:latin typeface="Times New Roman" panose="02020603050405020304" pitchFamily="18" charset="0"/>
                 <a:cs typeface="Times New Roman" panose="02020603050405020304" pitchFamily="18" charset="0"/>
               </a:rPr>
               <a:t>1. </a:t>
             </a:r>
             <a:r>
-              <a:rPr lang="en-US" dirty="0" err="1" smtClean="0">
+              <a:rPr lang="en-US" sz="2800" dirty="0" err="1" smtClean="0">
                 <a:latin typeface="Times New Roman" panose="02020603050405020304" pitchFamily="18" charset="0"/>
                 <a:cs typeface="Times New Roman" panose="02020603050405020304" pitchFamily="18" charset="0"/>
               </a:rPr>
               <a:t>Kết</a:t>
             </a:r>
             <a:r>
-              <a:rPr lang="en-US" dirty="0" smtClean="0">
-                <a:latin typeface="Times New Roman" panose="02020603050405020304" pitchFamily="18" charset="0"/>
-                <a:cs typeface="Times New Roman" panose="02020603050405020304" pitchFamily="18" charset="0"/>
-              </a:rPr>
-              <a:t> </a:t>
-            </a:r>
-            <a:r>
-              <a:rPr lang="en-US" dirty="0" err="1" smtClean="0">
+              <a:rPr lang="en-US" sz="2800" dirty="0" smtClean="0">
+                <a:latin typeface="Times New Roman" panose="02020603050405020304" pitchFamily="18" charset="0"/>
+                <a:cs typeface="Times New Roman" panose="02020603050405020304" pitchFamily="18" charset="0"/>
+              </a:rPr>
+              <a:t> </a:t>
+            </a:r>
+            <a:r>
+              <a:rPr lang="en-US" sz="2800" dirty="0" err="1" smtClean="0">
                 <a:latin typeface="Times New Roman" panose="02020603050405020304" pitchFamily="18" charset="0"/>
                 <a:cs typeface="Times New Roman" panose="02020603050405020304" pitchFamily="18" charset="0"/>
               </a:rPr>
               <a:t>quả</a:t>
             </a:r>
-            <a:endParaRPr lang="en-US" dirty="0" smtClean="0">
+            <a:endParaRPr lang="en-US" sz="2800" dirty="0" smtClean="0">
               <a:latin typeface="Times New Roman" panose="02020603050405020304" pitchFamily="18" charset="0"/>
               <a:cs typeface="Times New Roman" panose="02020603050405020304" pitchFamily="18" charset="0"/>
             </a:endParaRPr>
           </a:p>
           <a:p>
             <a:r>
-              <a:rPr lang="en-US" dirty="0" err="1" smtClean="0">
+              <a:rPr lang="en-US" sz="2800" dirty="0" err="1" smtClean="0">
                 <a:latin typeface="Times New Roman" panose="02020603050405020304" pitchFamily="18" charset="0"/>
                 <a:cs typeface="Times New Roman" panose="02020603050405020304" pitchFamily="18" charset="0"/>
               </a:rPr>
               <a:t>Tạo</a:t>
             </a:r>
             <a:r>
-              <a:rPr lang="en-US" dirty="0" smtClean="0">
-                <a:latin typeface="Times New Roman" panose="02020603050405020304" pitchFamily="18" charset="0"/>
-                <a:cs typeface="Times New Roman" panose="02020603050405020304" pitchFamily="18" charset="0"/>
-              </a:rPr>
-              <a:t> </a:t>
-            </a:r>
-            <a:r>
-              <a:rPr lang="en-US" dirty="0" err="1" smtClean="0">
+              <a:rPr lang="en-US" sz="2800" dirty="0" smtClean="0">
+                <a:latin typeface="Times New Roman" panose="02020603050405020304" pitchFamily="18" charset="0"/>
+                <a:cs typeface="Times New Roman" panose="02020603050405020304" pitchFamily="18" charset="0"/>
+              </a:rPr>
+              <a:t> </a:t>
+            </a:r>
+            <a:r>
+              <a:rPr lang="en-US" sz="2800" dirty="0" err="1" smtClean="0">
                 <a:latin typeface="Times New Roman" panose="02020603050405020304" pitchFamily="18" charset="0"/>
                 <a:cs typeface="Times New Roman" panose="02020603050405020304" pitchFamily="18" charset="0"/>
               </a:rPr>
               <a:t>ra</a:t>
             </a:r>
             <a:r>
-              <a:rPr lang="en-US" dirty="0" smtClean="0">
+              <a:rPr lang="en-US" sz="2800" dirty="0" smtClean="0">
                 <a:latin typeface="Times New Roman" panose="02020603050405020304" pitchFamily="18" charset="0"/>
                 <a:cs typeface="Times New Roman" panose="02020603050405020304" pitchFamily="18" charset="0"/>
               </a:rPr>
               <a:t> website </a:t>
             </a:r>
             <a:r>
-              <a:rPr lang="en-US" dirty="0" err="1" smtClean="0">
+              <a:rPr lang="en-US" sz="2800" dirty="0" err="1" smtClean="0">
                 <a:latin typeface="Times New Roman" panose="02020603050405020304" pitchFamily="18" charset="0"/>
                 <a:cs typeface="Times New Roman" panose="02020603050405020304" pitchFamily="18" charset="0"/>
               </a:rPr>
               <a:t>quản</a:t>
             </a:r>
             <a:r>
-              <a:rPr lang="en-US" dirty="0" smtClean="0">
-                <a:latin typeface="Times New Roman" panose="02020603050405020304" pitchFamily="18" charset="0"/>
-                <a:cs typeface="Times New Roman" panose="02020603050405020304" pitchFamily="18" charset="0"/>
-              </a:rPr>
-              <a:t> </a:t>
-            </a:r>
-            <a:r>
-              <a:rPr lang="en-US" dirty="0" err="1" smtClean="0">
+              <a:rPr lang="en-US" sz="2800" dirty="0" smtClean="0">
+                <a:latin typeface="Times New Roman" panose="02020603050405020304" pitchFamily="18" charset="0"/>
+                <a:cs typeface="Times New Roman" panose="02020603050405020304" pitchFamily="18" charset="0"/>
+              </a:rPr>
+              <a:t> </a:t>
+            </a:r>
+            <a:r>
+              <a:rPr lang="en-US" sz="2800" dirty="0" err="1" smtClean="0">
                 <a:latin typeface="Times New Roman" panose="02020603050405020304" pitchFamily="18" charset="0"/>
                 <a:cs typeface="Times New Roman" panose="02020603050405020304" pitchFamily="18" charset="0"/>
               </a:rPr>
               <a:t>trị</a:t>
             </a:r>
             <a:r>
-              <a:rPr lang="en-US" dirty="0" smtClean="0">
-                <a:latin typeface="Times New Roman" panose="02020603050405020304" pitchFamily="18" charset="0"/>
-                <a:cs typeface="Times New Roman" panose="02020603050405020304" pitchFamily="18" charset="0"/>
-              </a:rPr>
-              <a:t> </a:t>
-            </a:r>
-            <a:r>
-              <a:rPr lang="en-US" dirty="0" err="1" smtClean="0">
+              <a:rPr lang="en-US" sz="2800" dirty="0" smtClean="0">
+                <a:latin typeface="Times New Roman" panose="02020603050405020304" pitchFamily="18" charset="0"/>
+                <a:cs typeface="Times New Roman" panose="02020603050405020304" pitchFamily="18" charset="0"/>
+              </a:rPr>
+              <a:t> </a:t>
+            </a:r>
+            <a:r>
+              <a:rPr lang="en-US" sz="2800" dirty="0" err="1" smtClean="0">
                 <a:latin typeface="Times New Roman" panose="02020603050405020304" pitchFamily="18" charset="0"/>
                 <a:cs typeface="Times New Roman" panose="02020603050405020304" pitchFamily="18" charset="0"/>
               </a:rPr>
               <a:t>hệ</a:t>
             </a:r>
             <a:r>
-              <a:rPr lang="en-US" dirty="0" smtClean="0">
-                <a:latin typeface="Times New Roman" panose="02020603050405020304" pitchFamily="18" charset="0"/>
-                <a:cs typeface="Times New Roman" panose="02020603050405020304" pitchFamily="18" charset="0"/>
-              </a:rPr>
-              <a:t> </a:t>
-            </a:r>
-            <a:r>
-              <a:rPr lang="en-US" dirty="0" err="1" smtClean="0">
+              <a:rPr lang="en-US" sz="2800" dirty="0" smtClean="0">
+                <a:latin typeface="Times New Roman" panose="02020603050405020304" pitchFamily="18" charset="0"/>
+                <a:cs typeface="Times New Roman" panose="02020603050405020304" pitchFamily="18" charset="0"/>
+              </a:rPr>
+              <a:t> </a:t>
+            </a:r>
+            <a:r>
+              <a:rPr lang="en-US" sz="2800" dirty="0" err="1" smtClean="0">
                 <a:latin typeface="Times New Roman" panose="02020603050405020304" pitchFamily="18" charset="0"/>
                 <a:cs typeface="Times New Roman" panose="02020603050405020304" pitchFamily="18" charset="0"/>
               </a:rPr>
               <a:t>thống</a:t>
             </a:r>
             <a:r>
-              <a:rPr lang="en-US" dirty="0" smtClean="0">
-                <a:latin typeface="Times New Roman" panose="02020603050405020304" pitchFamily="18" charset="0"/>
-                <a:cs typeface="Times New Roman" panose="02020603050405020304" pitchFamily="18" charset="0"/>
-              </a:rPr>
-              <a:t> </a:t>
-            </a:r>
-            <a:r>
-              <a:rPr lang="en-US" dirty="0" err="1" smtClean="0">
+              <a:rPr lang="en-US" sz="2800" dirty="0" smtClean="0">
+                <a:latin typeface="Times New Roman" panose="02020603050405020304" pitchFamily="18" charset="0"/>
+                <a:cs typeface="Times New Roman" panose="02020603050405020304" pitchFamily="18" charset="0"/>
+              </a:rPr>
+              <a:t> </a:t>
+            </a:r>
+            <a:r>
+              <a:rPr lang="en-US" sz="2800" dirty="0" err="1" smtClean="0">
                 <a:latin typeface="Times New Roman" panose="02020603050405020304" pitchFamily="18" charset="0"/>
                 <a:cs typeface="Times New Roman" panose="02020603050405020304" pitchFamily="18" charset="0"/>
               </a:rPr>
               <a:t>wifi</a:t>
             </a:r>
             <a:r>
-              <a:rPr lang="en-US" dirty="0" smtClean="0">
-                <a:latin typeface="Times New Roman" panose="02020603050405020304" pitchFamily="18" charset="0"/>
-                <a:cs typeface="Times New Roman" panose="02020603050405020304" pitchFamily="18" charset="0"/>
-              </a:rPr>
-              <a:t> </a:t>
-            </a:r>
-            <a:r>
-              <a:rPr lang="en-US" dirty="0" err="1" smtClean="0">
+              <a:rPr lang="en-US" sz="2800" dirty="0" smtClean="0">
+                <a:latin typeface="Times New Roman" panose="02020603050405020304" pitchFamily="18" charset="0"/>
+                <a:cs typeface="Times New Roman" panose="02020603050405020304" pitchFamily="18" charset="0"/>
+              </a:rPr>
+              <a:t> </a:t>
+            </a:r>
+            <a:r>
+              <a:rPr lang="en-US" sz="2800" dirty="0" err="1" smtClean="0">
                 <a:latin typeface="Times New Roman" panose="02020603050405020304" pitchFamily="18" charset="0"/>
                 <a:cs typeface="Times New Roman" panose="02020603050405020304" pitchFamily="18" charset="0"/>
               </a:rPr>
               <a:t>tập</a:t>
             </a:r>
             <a:r>
-              <a:rPr lang="en-US" dirty="0" smtClean="0">
-                <a:latin typeface="Times New Roman" panose="02020603050405020304" pitchFamily="18" charset="0"/>
-                <a:cs typeface="Times New Roman" panose="02020603050405020304" pitchFamily="18" charset="0"/>
-              </a:rPr>
-              <a:t> </a:t>
-            </a:r>
-            <a:r>
-              <a:rPr lang="en-US" dirty="0" err="1" smtClean="0">
-                <a:latin typeface="Times New Roman" panose="02020603050405020304" pitchFamily="18" charset="0"/>
-                <a:cs typeface="Times New Roman" panose="02020603050405020304" pitchFamily="18" charset="0"/>
-              </a:rPr>
-              <a:t>chung</a:t>
-            </a:r>
-            <a:r>
-              <a:rPr lang="en-US" dirty="0" smtClean="0">
+              <a:rPr lang="en-US" sz="2800" dirty="0" smtClean="0">
+                <a:latin typeface="Times New Roman" panose="02020603050405020304" pitchFamily="18" charset="0"/>
+                <a:cs typeface="Times New Roman" panose="02020603050405020304" pitchFamily="18" charset="0"/>
+              </a:rPr>
+              <a:t> tr</a:t>
+            </a:r>
+            <a:r>
+              <a:rPr lang="en-US" sz="2800" dirty="0" err="1" smtClean="0">
+                <a:latin typeface="Times New Roman" panose="02020603050405020304" pitchFamily="18" charset="0"/>
+                <a:cs typeface="Times New Roman" panose="02020603050405020304" pitchFamily="18" charset="0"/>
+              </a:rPr>
+              <a:t>ung</a:t>
+            </a:r>
+            <a:r>
+              <a:rPr lang="en-US" sz="2800" dirty="0" smtClean="0">
                 <a:latin typeface="Times New Roman" panose="02020603050405020304" pitchFamily="18" charset="0"/>
                 <a:cs typeface="Times New Roman" panose="02020603050405020304" pitchFamily="18" charset="0"/>
               </a:rPr>
               <a:t>.</a:t>
             </a:r>
-            <a:endParaRPr lang="en-US" dirty="0" smtClean="0">
+            <a:endParaRPr lang="en-US" sz="2800" dirty="0" smtClean="0">
               <a:latin typeface="Times New Roman" panose="02020603050405020304" pitchFamily="18" charset="0"/>
               <a:cs typeface="Times New Roman" panose="02020603050405020304" pitchFamily="18" charset="0"/>
             </a:endParaRPr>
@@ -17480,35 +17242,13 @@
             <a:pPr marL="0" indent="0">
               <a:buNone/>
             </a:pPr>
-            <a:endParaRPr lang="vi-VN" dirty="0">
+            <a:endParaRPr lang="en-US" sz="2800" dirty="0" smtClean="0">
               <a:latin typeface="Times New Roman" panose="02020603050405020304" pitchFamily="18" charset="0"/>
               <a:cs typeface="Times New Roman" panose="02020603050405020304" pitchFamily="18" charset="0"/>
             </a:endParaRPr>
           </a:p>
         </p:txBody>
       </p:sp>
-      <p:pic>
-        <p:nvPicPr>
-          <p:cNvPr id="5" name="Picture 4"/>
-          <p:cNvPicPr/>
-          <p:nvPr/>
-        </p:nvPicPr>
-        <p:blipFill>
-          <a:blip r:embed="rId1"/>
-          <a:stretch>
-            <a:fillRect/>
-          </a:stretch>
-        </p:blipFill>
-        <p:spPr>
-          <a:xfrm>
-            <a:off x="1906859" y="2553629"/>
-            <a:ext cx="8369461" cy="3847171"/>
-          </a:xfrm>
-          <a:prstGeom prst="rect">
-            <a:avLst/>
-          </a:prstGeom>
-        </p:spPr>
-      </p:pic>
       <p:sp>
         <p:nvSpPr>
           <p:cNvPr id="6" name="Slide Number Placeholder 5"/>
@@ -17531,6 +17271,32 @@
           </a:p>
         </p:txBody>
       </p:sp>
+      <p:pic>
+        <p:nvPicPr>
+          <p:cNvPr id="5" name="Content Placeholder 4"/>
+          <p:cNvPicPr>
+            <a:picLocks noChangeAspect="1"/>
+          </p:cNvPicPr>
+          <p:nvPr>
+            <p:ph sz="half" idx="2"/>
+          </p:nvPr>
+        </p:nvPicPr>
+        <p:blipFill>
+          <a:blip r:embed="rId1"/>
+          <a:stretch>
+            <a:fillRect/>
+          </a:stretch>
+        </p:blipFill>
+        <p:spPr>
+          <a:xfrm>
+            <a:off x="1183005" y="2068195"/>
+            <a:ext cx="10545445" cy="4564380"/>
+          </a:xfrm>
+          <a:prstGeom prst="rect">
+            <a:avLst/>
+          </a:prstGeom>
+        </p:spPr>
+      </p:pic>
     </p:spTree>
   </p:cSld>
   <p:clrMapOvr>
@@ -18341,122 +18107,35 @@
         </p:nvSpPr>
         <p:spPr>
           <a:xfrm>
-            <a:off x="3518853" y="238690"/>
-            <a:ext cx="4865492" cy="1026059"/>
-          </a:xfrm>
-        </p:spPr>
-        <p:txBody>
-          <a:bodyPr>
-            <a:normAutofit fontScale="90000"/>
-          </a:bodyPr>
-          <a:lstStyle/>
-          <a:p>
-            <a:r>
-              <a:rPr lang="en-US" dirty="0" err="1" smtClean="0">
-                <a:latin typeface="Times New Roman" panose="02020603050405020304" pitchFamily="18" charset="0"/>
-                <a:cs typeface="Times New Roman" panose="02020603050405020304" pitchFamily="18" charset="0"/>
-              </a:rPr>
-              <a:t>Kết</a:t>
-            </a:r>
-            <a:r>
-              <a:rPr lang="en-US" dirty="0" smtClean="0">
-                <a:latin typeface="Times New Roman" panose="02020603050405020304" pitchFamily="18" charset="0"/>
-                <a:cs typeface="Times New Roman" panose="02020603050405020304" pitchFamily="18" charset="0"/>
-              </a:rPr>
-              <a:t> </a:t>
-            </a:r>
-            <a:r>
-              <a:rPr lang="en-US" dirty="0" err="1" smtClean="0">
-                <a:latin typeface="Times New Roman" panose="02020603050405020304" pitchFamily="18" charset="0"/>
-                <a:cs typeface="Times New Roman" panose="02020603050405020304" pitchFamily="18" charset="0"/>
-              </a:rPr>
-              <a:t>Quả</a:t>
-            </a:r>
-            <a:r>
-              <a:rPr lang="en-US" dirty="0" smtClean="0">
-                <a:latin typeface="Times New Roman" panose="02020603050405020304" pitchFamily="18" charset="0"/>
-                <a:cs typeface="Times New Roman" panose="02020603050405020304" pitchFamily="18" charset="0"/>
-              </a:rPr>
-              <a:t> </a:t>
-            </a:r>
-            <a:r>
-              <a:rPr lang="en-US" dirty="0" err="1" smtClean="0">
-                <a:latin typeface="Times New Roman" panose="02020603050405020304" pitchFamily="18" charset="0"/>
-                <a:cs typeface="Times New Roman" panose="02020603050405020304" pitchFamily="18" charset="0"/>
-              </a:rPr>
-              <a:t>và</a:t>
-            </a:r>
-            <a:r>
-              <a:rPr lang="en-US" dirty="0" smtClean="0">
-                <a:latin typeface="Times New Roman" panose="02020603050405020304" pitchFamily="18" charset="0"/>
-                <a:cs typeface="Times New Roman" panose="02020603050405020304" pitchFamily="18" charset="0"/>
-              </a:rPr>
-              <a:t> </a:t>
-            </a:r>
-            <a:r>
-              <a:rPr lang="en-US" dirty="0" err="1" smtClean="0">
-                <a:latin typeface="Times New Roman" panose="02020603050405020304" pitchFamily="18" charset="0"/>
-                <a:cs typeface="Times New Roman" panose="02020603050405020304" pitchFamily="18" charset="0"/>
-              </a:rPr>
-              <a:t>đánh</a:t>
-            </a:r>
-            <a:r>
-              <a:rPr lang="en-US" dirty="0" smtClean="0">
-                <a:latin typeface="Times New Roman" panose="02020603050405020304" pitchFamily="18" charset="0"/>
-                <a:cs typeface="Times New Roman" panose="02020603050405020304" pitchFamily="18" charset="0"/>
-              </a:rPr>
-              <a:t> </a:t>
-            </a:r>
-            <a:r>
-              <a:rPr lang="en-US" dirty="0" err="1" smtClean="0">
-                <a:latin typeface="Times New Roman" panose="02020603050405020304" pitchFamily="18" charset="0"/>
-                <a:cs typeface="Times New Roman" panose="02020603050405020304" pitchFamily="18" charset="0"/>
-              </a:rPr>
-              <a:t>giá</a:t>
-            </a:r>
-            <a:endParaRPr lang="vi-VN" dirty="0">
-              <a:latin typeface="Times New Roman" panose="02020603050405020304" pitchFamily="18" charset="0"/>
-              <a:cs typeface="Times New Roman" panose="02020603050405020304" pitchFamily="18" charset="0"/>
-            </a:endParaRPr>
-          </a:p>
-        </p:txBody>
-      </p:sp>
-      <p:sp>
-        <p:nvSpPr>
-          <p:cNvPr id="3" name="Content Placeholder 2"/>
-          <p:cNvSpPr>
-            <a:spLocks noGrp="1"/>
-          </p:cNvSpPr>
-          <p:nvPr>
-            <p:ph idx="1"/>
-          </p:nvPr>
-        </p:nvSpPr>
-        <p:spPr>
-          <a:xfrm>
-            <a:off x="1732256" y="1489833"/>
-            <a:ext cx="8987326" cy="4770291"/>
+            <a:off x="1142683" y="-96492"/>
+            <a:ext cx="9905998" cy="1478570"/>
           </a:xfrm>
         </p:spPr>
         <p:txBody>
           <a:bodyPr/>
           <a:lstStyle/>
           <a:p>
-            <a:pPr marL="0" indent="0">
-              <a:buNone/>
-            </a:pPr>
+            <a:pPr algn="ctr"/>
+            <a:r>
+              <a:rPr lang="en-US" dirty="0" err="1" smtClean="0">
+                <a:latin typeface="Times New Roman" panose="02020603050405020304" pitchFamily="18" charset="0"/>
+                <a:cs typeface="Times New Roman" panose="02020603050405020304" pitchFamily="18" charset="0"/>
+              </a:rPr>
+              <a:t>Kết</a:t>
+            </a:r>
             <a:r>
               <a:rPr lang="en-US" dirty="0" smtClean="0">
                 <a:latin typeface="Times New Roman" panose="02020603050405020304" pitchFamily="18" charset="0"/>
                 <a:cs typeface="Times New Roman" panose="02020603050405020304" pitchFamily="18" charset="0"/>
               </a:rPr>
-              <a:t>1. </a:t>
+              <a:t> </a:t>
             </a:r>
             <a:r>
               <a:rPr lang="en-US" dirty="0" err="1" smtClean="0">
                 <a:latin typeface="Times New Roman" panose="02020603050405020304" pitchFamily="18" charset="0"/>
                 <a:cs typeface="Times New Roman" panose="02020603050405020304" pitchFamily="18" charset="0"/>
               </a:rPr>
-              <a:t>Kết</a:t>
+              <a:t>Quả</a:t>
             </a:r>
             <a:r>
               <a:rPr lang="en-US" dirty="0" smtClean="0">
@@ -18470,181 +18149,46 @@
                 <a:latin typeface="Times New Roman" panose="02020603050405020304" pitchFamily="18" charset="0"/>
                 <a:cs typeface="Times New Roman" panose="02020603050405020304" pitchFamily="18" charset="0"/>
               </a:rPr>
-              <a:t>quả</a:t>
-            </a:r>
-            <a:endParaRPr lang="en-US" dirty="0" smtClean="0">
+              <a:t>và</a:t>
+            </a:r>
+            <a:r>
+              <a:rPr lang="en-US" dirty="0" smtClean="0">
+                <a:latin typeface="Times New Roman" panose="02020603050405020304" pitchFamily="18" charset="0"/>
+                <a:cs typeface="Times New Roman" panose="02020603050405020304" pitchFamily="18" charset="0"/>
+              </a:rPr>
+              <a:t> </a:t>
+            </a:r>
+            <a:r>
+              <a:rPr lang="en-US" dirty="0" err="1" smtClean="0">
+                <a:latin typeface="Times New Roman" panose="02020603050405020304" pitchFamily="18" charset="0"/>
+                <a:cs typeface="Times New Roman" panose="02020603050405020304" pitchFamily="18" charset="0"/>
+              </a:rPr>
+              <a:t>đánh</a:t>
+            </a:r>
+            <a:r>
+              <a:rPr lang="en-US" dirty="0" smtClean="0">
+                <a:latin typeface="Times New Roman" panose="02020603050405020304" pitchFamily="18" charset="0"/>
+                <a:cs typeface="Times New Roman" panose="02020603050405020304" pitchFamily="18" charset="0"/>
+              </a:rPr>
+              <a:t> </a:t>
+            </a:r>
+            <a:r>
+              <a:rPr lang="en-US" dirty="0" err="1" smtClean="0">
+                <a:latin typeface="Times New Roman" panose="02020603050405020304" pitchFamily="18" charset="0"/>
+                <a:cs typeface="Times New Roman" panose="02020603050405020304" pitchFamily="18" charset="0"/>
+              </a:rPr>
+              <a:t>giá</a:t>
+            </a:r>
+            <a:endParaRPr lang="en-US" dirty="0" err="1" smtClean="0">
               <a:latin typeface="Times New Roman" panose="02020603050405020304" pitchFamily="18" charset="0"/>
               <a:cs typeface="Times New Roman" panose="02020603050405020304" pitchFamily="18" charset="0"/>
             </a:endParaRPr>
           </a:p>
-          <a:p>
-            <a:r>
-              <a:rPr lang="en-US" dirty="0" err="1" smtClean="0">
-                <a:latin typeface="Times New Roman" panose="02020603050405020304" pitchFamily="18" charset="0"/>
-                <a:cs typeface="Times New Roman" panose="02020603050405020304" pitchFamily="18" charset="0"/>
-              </a:rPr>
-              <a:t>Tạo</a:t>
-            </a:r>
-            <a:r>
-              <a:rPr lang="en-US" dirty="0" smtClean="0">
-                <a:latin typeface="Times New Roman" panose="02020603050405020304" pitchFamily="18" charset="0"/>
-                <a:cs typeface="Times New Roman" panose="02020603050405020304" pitchFamily="18" charset="0"/>
-              </a:rPr>
-              <a:t> </a:t>
-            </a:r>
-            <a:r>
-              <a:rPr lang="en-US" dirty="0" err="1" smtClean="0">
-                <a:latin typeface="Times New Roman" panose="02020603050405020304" pitchFamily="18" charset="0"/>
-                <a:cs typeface="Times New Roman" panose="02020603050405020304" pitchFamily="18" charset="0"/>
-              </a:rPr>
-              <a:t>ra</a:t>
-            </a:r>
-            <a:r>
-              <a:rPr lang="en-US" dirty="0" smtClean="0">
-                <a:latin typeface="Times New Roman" panose="02020603050405020304" pitchFamily="18" charset="0"/>
-                <a:cs typeface="Times New Roman" panose="02020603050405020304" pitchFamily="18" charset="0"/>
-              </a:rPr>
-              <a:t> website </a:t>
-            </a:r>
-            <a:r>
-              <a:rPr lang="en-US" dirty="0" err="1" smtClean="0">
-                <a:latin typeface="Times New Roman" panose="02020603050405020304" pitchFamily="18" charset="0"/>
-                <a:cs typeface="Times New Roman" panose="02020603050405020304" pitchFamily="18" charset="0"/>
-              </a:rPr>
-              <a:t>quản</a:t>
-            </a:r>
-            <a:r>
-              <a:rPr lang="en-US" dirty="0" smtClean="0">
-                <a:latin typeface="Times New Roman" panose="02020603050405020304" pitchFamily="18" charset="0"/>
-                <a:cs typeface="Times New Roman" panose="02020603050405020304" pitchFamily="18" charset="0"/>
-              </a:rPr>
-              <a:t> </a:t>
-            </a:r>
-            <a:r>
-              <a:rPr lang="en-US" dirty="0" err="1" smtClean="0">
-                <a:latin typeface="Times New Roman" panose="02020603050405020304" pitchFamily="18" charset="0"/>
-                <a:cs typeface="Times New Roman" panose="02020603050405020304" pitchFamily="18" charset="0"/>
-              </a:rPr>
-              <a:t>trị</a:t>
-            </a:r>
-            <a:r>
-              <a:rPr lang="en-US" dirty="0" smtClean="0">
-                <a:latin typeface="Times New Roman" panose="02020603050405020304" pitchFamily="18" charset="0"/>
-                <a:cs typeface="Times New Roman" panose="02020603050405020304" pitchFamily="18" charset="0"/>
-              </a:rPr>
-              <a:t> </a:t>
-            </a:r>
-            <a:r>
-              <a:rPr lang="en-US" dirty="0" err="1" smtClean="0">
-                <a:latin typeface="Times New Roman" panose="02020603050405020304" pitchFamily="18" charset="0"/>
-                <a:cs typeface="Times New Roman" panose="02020603050405020304" pitchFamily="18" charset="0"/>
-              </a:rPr>
-              <a:t>hệ</a:t>
-            </a:r>
-            <a:r>
-              <a:rPr lang="en-US" dirty="0" smtClean="0">
-                <a:latin typeface="Times New Roman" panose="02020603050405020304" pitchFamily="18" charset="0"/>
-                <a:cs typeface="Times New Roman" panose="02020603050405020304" pitchFamily="18" charset="0"/>
-              </a:rPr>
-              <a:t> </a:t>
-            </a:r>
-            <a:r>
-              <a:rPr lang="en-US" dirty="0" err="1" smtClean="0">
-                <a:latin typeface="Times New Roman" panose="02020603050405020304" pitchFamily="18" charset="0"/>
-                <a:cs typeface="Times New Roman" panose="02020603050405020304" pitchFamily="18" charset="0"/>
-              </a:rPr>
-              <a:t>thống</a:t>
-            </a:r>
-            <a:r>
-              <a:rPr lang="en-US" dirty="0" smtClean="0">
-                <a:latin typeface="Times New Roman" panose="02020603050405020304" pitchFamily="18" charset="0"/>
-                <a:cs typeface="Times New Roman" panose="02020603050405020304" pitchFamily="18" charset="0"/>
-              </a:rPr>
-              <a:t> </a:t>
-            </a:r>
-            <a:r>
-              <a:rPr lang="en-US" dirty="0" err="1" smtClean="0">
-                <a:latin typeface="Times New Roman" panose="02020603050405020304" pitchFamily="18" charset="0"/>
-                <a:cs typeface="Times New Roman" panose="02020603050405020304" pitchFamily="18" charset="0"/>
-              </a:rPr>
-              <a:t>wifi</a:t>
-            </a:r>
-            <a:r>
-              <a:rPr lang="en-US" dirty="0" smtClean="0">
-                <a:latin typeface="Times New Roman" panose="02020603050405020304" pitchFamily="18" charset="0"/>
-                <a:cs typeface="Times New Roman" panose="02020603050405020304" pitchFamily="18" charset="0"/>
-              </a:rPr>
-              <a:t> </a:t>
-            </a:r>
-            <a:r>
-              <a:rPr lang="en-US" dirty="0" err="1" smtClean="0">
-                <a:latin typeface="Times New Roman" panose="02020603050405020304" pitchFamily="18" charset="0"/>
-                <a:cs typeface="Times New Roman" panose="02020603050405020304" pitchFamily="18" charset="0"/>
-              </a:rPr>
-              <a:t>tập</a:t>
-            </a:r>
-            <a:r>
-              <a:rPr lang="en-US" dirty="0" smtClean="0">
-                <a:latin typeface="Times New Roman" panose="02020603050405020304" pitchFamily="18" charset="0"/>
-                <a:cs typeface="Times New Roman" panose="02020603050405020304" pitchFamily="18" charset="0"/>
-              </a:rPr>
-              <a:t> </a:t>
-            </a:r>
-            <a:r>
-              <a:rPr lang="en-US" dirty="0" err="1" smtClean="0">
-                <a:latin typeface="Times New Roman" panose="02020603050405020304" pitchFamily="18" charset="0"/>
-                <a:cs typeface="Times New Roman" panose="02020603050405020304" pitchFamily="18" charset="0"/>
-              </a:rPr>
-              <a:t>chung</a:t>
-            </a:r>
-            <a:r>
-              <a:rPr lang="en-US" dirty="0" smtClean="0">
-                <a:latin typeface="Times New Roman" panose="02020603050405020304" pitchFamily="18" charset="0"/>
-                <a:cs typeface="Times New Roman" panose="02020603050405020304" pitchFamily="18" charset="0"/>
-              </a:rPr>
-              <a:t>.</a:t>
-            </a:r>
-            <a:endParaRPr lang="en-US" dirty="0" smtClean="0">
-              <a:latin typeface="Times New Roman" panose="02020603050405020304" pitchFamily="18" charset="0"/>
-              <a:cs typeface="Times New Roman" panose="02020603050405020304" pitchFamily="18" charset="0"/>
-            </a:endParaRPr>
-          </a:p>
-          <a:p>
-            <a:pPr marL="0" indent="0">
-              <a:buNone/>
-            </a:pPr>
-            <a:endParaRPr lang="vi-VN" dirty="0">
-              <a:latin typeface="Times New Roman" panose="02020603050405020304" pitchFamily="18" charset="0"/>
-              <a:cs typeface="Times New Roman" panose="02020603050405020304" pitchFamily="18" charset="0"/>
-            </a:endParaRPr>
-          </a:p>
         </p:txBody>
       </p:sp>
-      <p:pic>
-        <p:nvPicPr>
-          <p:cNvPr id="6" name="Picture 5"/>
-          <p:cNvPicPr/>
-          <p:nvPr/>
-        </p:nvPicPr>
-        <p:blipFill>
-          <a:blip r:embed="rId1"/>
-          <a:stretch>
-            <a:fillRect/>
-          </a:stretch>
-        </p:blipFill>
-        <p:spPr>
-          <a:xfrm>
-            <a:off x="2352907" y="2524551"/>
-            <a:ext cx="7058722" cy="3723848"/>
-          </a:xfrm>
-          <a:prstGeom prst="rect">
-            <a:avLst/>
-          </a:prstGeom>
-        </p:spPr>
-      </p:pic>
       <p:sp>
         <p:nvSpPr>
-          <p:cNvPr id="4" name="Slide Number Placeholder 3"/>
+          <p:cNvPr id="6" name="Slide Number Placeholder 5"/>
           <p:cNvSpPr>
             <a:spLocks noGrp="1"/>
           </p:cNvSpPr>
@@ -18664,6 +18208,32 @@
           </a:p>
         </p:txBody>
       </p:sp>
+      <p:pic>
+        <p:nvPicPr>
+          <p:cNvPr id="7" name="Content Placeholder 6"/>
+          <p:cNvPicPr>
+            <a:picLocks noChangeAspect="1"/>
+          </p:cNvPicPr>
+          <p:nvPr>
+            <p:ph idx="1"/>
+          </p:nvPr>
+        </p:nvPicPr>
+        <p:blipFill>
+          <a:blip r:embed="rId1"/>
+          <a:stretch>
+            <a:fillRect/>
+          </a:stretch>
+        </p:blipFill>
+        <p:spPr>
+          <a:xfrm>
+            <a:off x="739775" y="2380615"/>
+            <a:ext cx="10935335" cy="3236595"/>
+          </a:xfrm>
+          <a:prstGeom prst="rect">
+            <a:avLst/>
+          </a:prstGeom>
+        </p:spPr>
+      </p:pic>
     </p:spTree>
   </p:cSld>
   <p:clrMapOvr>
@@ -18708,8 +18278,8 @@
         </p:nvSpPr>
         <p:spPr>
           <a:xfrm>
-            <a:off x="3518853" y="238690"/>
-            <a:ext cx="4865492" cy="1026059"/>
+            <a:off x="1141411" y="-215900"/>
+            <a:ext cx="9905999" cy="1905000"/>
           </a:xfrm>
         </p:spPr>
         <p:txBody>
@@ -18718,6 +18288,7 @@
           </a:bodyPr>
           <a:lstStyle/>
           <a:p>
+            <a:pPr algn="ctr"/>
             <a:r>
               <a:rPr lang="en-US" dirty="0" err="1" smtClean="0">
                 <a:latin typeface="Times New Roman" panose="02020603050405020304" pitchFamily="18" charset="0"/>
@@ -18788,227 +18359,6 @@
           </a:p>
         </p:txBody>
       </p:sp>
-      <p:sp>
-        <p:nvSpPr>
-          <p:cNvPr id="3" name="Content Placeholder 2"/>
-          <p:cNvSpPr>
-            <a:spLocks noGrp="1"/>
-          </p:cNvSpPr>
-          <p:nvPr>
-            <p:ph idx="1"/>
-          </p:nvPr>
-        </p:nvSpPr>
-        <p:spPr>
-          <a:xfrm>
-            <a:off x="1732256" y="1489833"/>
-            <a:ext cx="8987326" cy="4770291"/>
-          </a:xfrm>
-        </p:spPr>
-        <p:txBody>
-          <a:bodyPr/>
-          <a:lstStyle/>
-          <a:p>
-            <a:pPr marL="0" indent="0">
-              <a:buNone/>
-            </a:pPr>
-            <a:r>
-              <a:rPr lang="en-US" dirty="0" smtClean="0">
-                <a:latin typeface="Times New Roman" panose="02020603050405020304" pitchFamily="18" charset="0"/>
-                <a:cs typeface="Times New Roman" panose="02020603050405020304" pitchFamily="18" charset="0"/>
-              </a:rPr>
-              <a:t>1. </a:t>
-            </a:r>
-            <a:r>
-              <a:rPr lang="en-US" dirty="0" err="1" smtClean="0">
-                <a:latin typeface="Times New Roman" panose="02020603050405020304" pitchFamily="18" charset="0"/>
-                <a:cs typeface="Times New Roman" panose="02020603050405020304" pitchFamily="18" charset="0"/>
-              </a:rPr>
-              <a:t>Kết</a:t>
-            </a:r>
-            <a:r>
-              <a:rPr lang="en-US" dirty="0" smtClean="0">
-                <a:latin typeface="Times New Roman" panose="02020603050405020304" pitchFamily="18" charset="0"/>
-                <a:cs typeface="Times New Roman" panose="02020603050405020304" pitchFamily="18" charset="0"/>
-              </a:rPr>
-              <a:t> </a:t>
-            </a:r>
-            <a:r>
-              <a:rPr lang="en-US" dirty="0" err="1" smtClean="0">
-                <a:latin typeface="Times New Roman" panose="02020603050405020304" pitchFamily="18" charset="0"/>
-                <a:cs typeface="Times New Roman" panose="02020603050405020304" pitchFamily="18" charset="0"/>
-              </a:rPr>
-              <a:t>quả</a:t>
-            </a:r>
-            <a:endParaRPr lang="en-US" dirty="0" smtClean="0">
-              <a:latin typeface="Times New Roman" panose="02020603050405020304" pitchFamily="18" charset="0"/>
-              <a:cs typeface="Times New Roman" panose="02020603050405020304" pitchFamily="18" charset="0"/>
-            </a:endParaRPr>
-          </a:p>
-          <a:p>
-            <a:r>
-              <a:rPr lang="en-US" dirty="0" err="1" smtClean="0">
-                <a:latin typeface="Times New Roman" panose="02020603050405020304" pitchFamily="18" charset="0"/>
-                <a:cs typeface="Times New Roman" panose="02020603050405020304" pitchFamily="18" charset="0"/>
-              </a:rPr>
-              <a:t>Tạo</a:t>
-            </a:r>
-            <a:r>
-              <a:rPr lang="en-US" dirty="0" smtClean="0">
-                <a:latin typeface="Times New Roman" panose="02020603050405020304" pitchFamily="18" charset="0"/>
-                <a:cs typeface="Times New Roman" panose="02020603050405020304" pitchFamily="18" charset="0"/>
-              </a:rPr>
-              <a:t> </a:t>
-            </a:r>
-            <a:r>
-              <a:rPr lang="en-US" dirty="0" err="1" smtClean="0">
-                <a:latin typeface="Times New Roman" panose="02020603050405020304" pitchFamily="18" charset="0"/>
-                <a:cs typeface="Times New Roman" panose="02020603050405020304" pitchFamily="18" charset="0"/>
-              </a:rPr>
-              <a:t>ra</a:t>
-            </a:r>
-            <a:r>
-              <a:rPr lang="en-US" dirty="0" smtClean="0">
-                <a:latin typeface="Times New Roman" panose="02020603050405020304" pitchFamily="18" charset="0"/>
-                <a:cs typeface="Times New Roman" panose="02020603050405020304" pitchFamily="18" charset="0"/>
-              </a:rPr>
-              <a:t> website </a:t>
-            </a:r>
-            <a:r>
-              <a:rPr lang="en-US" dirty="0" err="1" smtClean="0">
-                <a:latin typeface="Times New Roman" panose="02020603050405020304" pitchFamily="18" charset="0"/>
-                <a:cs typeface="Times New Roman" panose="02020603050405020304" pitchFamily="18" charset="0"/>
-              </a:rPr>
-              <a:t>quản</a:t>
-            </a:r>
-            <a:r>
-              <a:rPr lang="en-US" dirty="0" smtClean="0">
-                <a:latin typeface="Times New Roman" panose="02020603050405020304" pitchFamily="18" charset="0"/>
-                <a:cs typeface="Times New Roman" panose="02020603050405020304" pitchFamily="18" charset="0"/>
-              </a:rPr>
-              <a:t> </a:t>
-            </a:r>
-            <a:r>
-              <a:rPr lang="en-US" dirty="0" err="1" smtClean="0">
-                <a:latin typeface="Times New Roman" panose="02020603050405020304" pitchFamily="18" charset="0"/>
-                <a:cs typeface="Times New Roman" panose="02020603050405020304" pitchFamily="18" charset="0"/>
-              </a:rPr>
-              <a:t>trị</a:t>
-            </a:r>
-            <a:r>
-              <a:rPr lang="en-US" dirty="0" smtClean="0">
-                <a:latin typeface="Times New Roman" panose="02020603050405020304" pitchFamily="18" charset="0"/>
-                <a:cs typeface="Times New Roman" panose="02020603050405020304" pitchFamily="18" charset="0"/>
-              </a:rPr>
-              <a:t> </a:t>
-            </a:r>
-            <a:r>
-              <a:rPr lang="en-US" dirty="0" err="1" smtClean="0">
-                <a:latin typeface="Times New Roman" panose="02020603050405020304" pitchFamily="18" charset="0"/>
-                <a:cs typeface="Times New Roman" panose="02020603050405020304" pitchFamily="18" charset="0"/>
-              </a:rPr>
-              <a:t>hệ</a:t>
-            </a:r>
-            <a:r>
-              <a:rPr lang="en-US" dirty="0" smtClean="0">
-                <a:latin typeface="Times New Roman" panose="02020603050405020304" pitchFamily="18" charset="0"/>
-                <a:cs typeface="Times New Roman" panose="02020603050405020304" pitchFamily="18" charset="0"/>
-              </a:rPr>
-              <a:t> </a:t>
-            </a:r>
-            <a:r>
-              <a:rPr lang="en-US" dirty="0" err="1" smtClean="0">
-                <a:latin typeface="Times New Roman" panose="02020603050405020304" pitchFamily="18" charset="0"/>
-                <a:cs typeface="Times New Roman" panose="02020603050405020304" pitchFamily="18" charset="0"/>
-              </a:rPr>
-              <a:t>thống</a:t>
-            </a:r>
-            <a:r>
-              <a:rPr lang="en-US" dirty="0" smtClean="0">
-                <a:latin typeface="Times New Roman" panose="02020603050405020304" pitchFamily="18" charset="0"/>
-                <a:cs typeface="Times New Roman" panose="02020603050405020304" pitchFamily="18" charset="0"/>
-              </a:rPr>
-              <a:t> </a:t>
-            </a:r>
-            <a:r>
-              <a:rPr lang="en-US" dirty="0" err="1" smtClean="0">
-                <a:latin typeface="Times New Roman" panose="02020603050405020304" pitchFamily="18" charset="0"/>
-                <a:cs typeface="Times New Roman" panose="02020603050405020304" pitchFamily="18" charset="0"/>
-              </a:rPr>
-              <a:t>wifi</a:t>
-            </a:r>
-            <a:r>
-              <a:rPr lang="en-US" dirty="0" smtClean="0">
-                <a:latin typeface="Times New Roman" panose="02020603050405020304" pitchFamily="18" charset="0"/>
-                <a:cs typeface="Times New Roman" panose="02020603050405020304" pitchFamily="18" charset="0"/>
-              </a:rPr>
-              <a:t> </a:t>
-            </a:r>
-            <a:r>
-              <a:rPr lang="en-US" dirty="0" err="1" smtClean="0">
-                <a:latin typeface="Times New Roman" panose="02020603050405020304" pitchFamily="18" charset="0"/>
-                <a:cs typeface="Times New Roman" panose="02020603050405020304" pitchFamily="18" charset="0"/>
-              </a:rPr>
-              <a:t>tập</a:t>
-            </a:r>
-            <a:r>
-              <a:rPr lang="en-US" dirty="0" smtClean="0">
-                <a:latin typeface="Times New Roman" panose="02020603050405020304" pitchFamily="18" charset="0"/>
-                <a:cs typeface="Times New Roman" panose="02020603050405020304" pitchFamily="18" charset="0"/>
-              </a:rPr>
-              <a:t> </a:t>
-            </a:r>
-            <a:r>
-              <a:rPr lang="en-US" dirty="0" err="1" smtClean="0">
-                <a:latin typeface="Times New Roman" panose="02020603050405020304" pitchFamily="18" charset="0"/>
-                <a:cs typeface="Times New Roman" panose="02020603050405020304" pitchFamily="18" charset="0"/>
-              </a:rPr>
-              <a:t>chung</a:t>
-            </a:r>
-            <a:r>
-              <a:rPr lang="en-US" dirty="0" smtClean="0">
-                <a:latin typeface="Times New Roman" panose="02020603050405020304" pitchFamily="18" charset="0"/>
-                <a:cs typeface="Times New Roman" panose="02020603050405020304" pitchFamily="18" charset="0"/>
-              </a:rPr>
-              <a:t>.</a:t>
-            </a:r>
-            <a:endParaRPr lang="en-US" dirty="0" smtClean="0">
-              <a:latin typeface="Times New Roman" panose="02020603050405020304" pitchFamily="18" charset="0"/>
-              <a:cs typeface="Times New Roman" panose="02020603050405020304" pitchFamily="18" charset="0"/>
-            </a:endParaRPr>
-          </a:p>
-          <a:p>
-            <a:pPr marL="0" indent="0">
-              <a:buNone/>
-            </a:pPr>
-            <a:endParaRPr lang="vi-VN" dirty="0">
-              <a:latin typeface="Times New Roman" panose="02020603050405020304" pitchFamily="18" charset="0"/>
-              <a:cs typeface="Times New Roman" panose="02020603050405020304" pitchFamily="18" charset="0"/>
-            </a:endParaRPr>
-          </a:p>
-        </p:txBody>
-      </p:sp>
-      <p:pic>
-        <p:nvPicPr>
-          <p:cNvPr id="7" name="Picture 6"/>
-          <p:cNvPicPr/>
-          <p:nvPr/>
-        </p:nvPicPr>
-        <p:blipFill>
-          <a:blip r:embed="rId1"/>
-          <a:stretch>
-            <a:fillRect/>
-          </a:stretch>
-        </p:blipFill>
-        <p:spPr>
-          <a:xfrm>
-            <a:off x="3308379" y="2691719"/>
-            <a:ext cx="5266907" cy="3793489"/>
-          </a:xfrm>
-          <a:prstGeom prst="rect">
-            <a:avLst/>
-          </a:prstGeom>
-        </p:spPr>
-      </p:pic>
       <p:sp>
         <p:nvSpPr>
           <p:cNvPr id="4" name="Slide Number Placeholder 3"/>
@@ -19031,6 +18381,84 @@
           </a:p>
         </p:txBody>
       </p:sp>
+      <p:pic>
+        <p:nvPicPr>
+          <p:cNvPr id="7" name="Picture Placeholder 6"/>
+          <p:cNvPicPr>
+            <a:picLocks noChangeAspect="1"/>
+          </p:cNvPicPr>
+          <p:nvPr>
+            <p:ph type="pic" idx="15"/>
+          </p:nvPr>
+        </p:nvPicPr>
+        <p:blipFill>
+          <a:blip r:embed="rId1"/>
+          <a:stretch>
+            <a:fillRect/>
+          </a:stretch>
+        </p:blipFill>
+        <p:spPr>
+          <a:xfrm>
+            <a:off x="1369060" y="1779270"/>
+            <a:ext cx="2153285" cy="4037965"/>
+          </a:xfrm>
+          <a:prstGeom prst="rect">
+            <a:avLst/>
+          </a:prstGeom>
+        </p:spPr>
+      </p:pic>
+      <p:pic>
+        <p:nvPicPr>
+          <p:cNvPr id="8" name="Picture Placeholder 7"/>
+          <p:cNvPicPr>
+            <a:picLocks noChangeAspect="1"/>
+          </p:cNvPicPr>
+          <p:nvPr>
+            <p:ph type="pic" idx="21"/>
+          </p:nvPr>
+        </p:nvPicPr>
+        <p:blipFill>
+          <a:blip r:embed="rId2"/>
+          <a:stretch>
+            <a:fillRect/>
+          </a:stretch>
+        </p:blipFill>
+        <p:spPr>
+          <a:xfrm>
+            <a:off x="3160395" y="1779270"/>
+            <a:ext cx="3843020" cy="4039235"/>
+          </a:xfrm>
+          <a:prstGeom prst="rect">
+            <a:avLst/>
+          </a:prstGeom>
+        </p:spPr>
+      </p:pic>
+      <p:pic>
+        <p:nvPicPr>
+          <p:cNvPr id="9" name="Picture Placeholder 8"/>
+          <p:cNvPicPr>
+            <a:picLocks noChangeAspect="1"/>
+          </p:cNvPicPr>
+          <p:nvPr>
+            <p:ph type="pic" idx="22"/>
+          </p:nvPr>
+        </p:nvPicPr>
+        <p:blipFill>
+          <a:blip r:embed="rId3"/>
+          <a:stretch>
+            <a:fillRect/>
+          </a:stretch>
+        </p:blipFill>
+        <p:spPr>
+          <a:xfrm>
+            <a:off x="7003415" y="1778000"/>
+            <a:ext cx="4179570" cy="4039235"/>
+          </a:xfrm>
+          <a:prstGeom prst="rect">
+            <a:avLst/>
+          </a:prstGeom>
+        </p:spPr>
+      </p:pic>
     </p:spTree>
   </p:cSld>
   <p:clrMapOvr>
@@ -19157,708 +18585,6 @@
       </p:sp>
       <p:sp>
         <p:nvSpPr>
-          <p:cNvPr id="3" name="Content Placeholder 2"/>
-          <p:cNvSpPr>
-            <a:spLocks noGrp="1"/>
-          </p:cNvSpPr>
-          <p:nvPr>
-            <p:ph idx="1"/>
-          </p:nvPr>
-        </p:nvSpPr>
-        <p:spPr>
-          <a:xfrm>
-            <a:off x="1732256" y="1489833"/>
-            <a:ext cx="8987326" cy="4770291"/>
-          </a:xfrm>
-        </p:spPr>
-        <p:txBody>
-          <a:bodyPr/>
-          <a:lstStyle/>
-          <a:p>
-            <a:pPr marL="0" indent="0">
-              <a:buNone/>
-            </a:pPr>
-            <a:r>
-              <a:rPr lang="en-US" dirty="0" smtClean="0">
-                <a:latin typeface="Times New Roman" panose="02020603050405020304" pitchFamily="18" charset="0"/>
-                <a:cs typeface="Times New Roman" panose="02020603050405020304" pitchFamily="18" charset="0"/>
-              </a:rPr>
-              <a:t>1. </a:t>
-            </a:r>
-            <a:r>
-              <a:rPr lang="en-US" dirty="0" err="1" smtClean="0">
-                <a:latin typeface="Times New Roman" panose="02020603050405020304" pitchFamily="18" charset="0"/>
-                <a:cs typeface="Times New Roman" panose="02020603050405020304" pitchFamily="18" charset="0"/>
-              </a:rPr>
-              <a:t>Đánh</a:t>
-            </a:r>
-            <a:r>
-              <a:rPr lang="en-US" dirty="0" smtClean="0">
-                <a:latin typeface="Times New Roman" panose="02020603050405020304" pitchFamily="18" charset="0"/>
-                <a:cs typeface="Times New Roman" panose="02020603050405020304" pitchFamily="18" charset="0"/>
-              </a:rPr>
-              <a:t> </a:t>
-            </a:r>
-            <a:r>
-              <a:rPr lang="en-US" dirty="0" err="1" smtClean="0">
-                <a:latin typeface="Times New Roman" panose="02020603050405020304" pitchFamily="18" charset="0"/>
-                <a:cs typeface="Times New Roman" panose="02020603050405020304" pitchFamily="18" charset="0"/>
-              </a:rPr>
-              <a:t>giá</a:t>
-            </a:r>
-            <a:endParaRPr lang="en-US" dirty="0" smtClean="0">
-              <a:latin typeface="Times New Roman" panose="02020603050405020304" pitchFamily="18" charset="0"/>
-              <a:cs typeface="Times New Roman" panose="02020603050405020304" pitchFamily="18" charset="0"/>
-            </a:endParaRPr>
-          </a:p>
-          <a:p>
-            <a:r>
-              <a:rPr lang="en-US" dirty="0" err="1" smtClean="0">
-                <a:latin typeface="Times New Roman" panose="02020603050405020304" pitchFamily="18" charset="0"/>
-                <a:cs typeface="Times New Roman" panose="02020603050405020304" pitchFamily="18" charset="0"/>
-              </a:rPr>
-              <a:t>Nhóm</a:t>
-            </a:r>
-            <a:r>
-              <a:rPr lang="en-US" dirty="0" smtClean="0">
-                <a:latin typeface="Times New Roman" panose="02020603050405020304" pitchFamily="18" charset="0"/>
-                <a:cs typeface="Times New Roman" panose="02020603050405020304" pitchFamily="18" charset="0"/>
-              </a:rPr>
-              <a:t> </a:t>
-            </a:r>
-            <a:r>
-              <a:rPr lang="en-US" dirty="0" err="1" smtClean="0">
-                <a:latin typeface="Times New Roman" panose="02020603050405020304" pitchFamily="18" charset="0"/>
-                <a:cs typeface="Times New Roman" panose="02020603050405020304" pitchFamily="18" charset="0"/>
-              </a:rPr>
-              <a:t>đã</a:t>
-            </a:r>
-            <a:r>
-              <a:rPr lang="en-US" dirty="0" smtClean="0">
-                <a:latin typeface="Times New Roman" panose="02020603050405020304" pitchFamily="18" charset="0"/>
-                <a:cs typeface="Times New Roman" panose="02020603050405020304" pitchFamily="18" charset="0"/>
-              </a:rPr>
-              <a:t> </a:t>
-            </a:r>
-            <a:r>
-              <a:rPr lang="en-US" dirty="0" err="1" smtClean="0">
-                <a:latin typeface="Times New Roman" panose="02020603050405020304" pitchFamily="18" charset="0"/>
-                <a:cs typeface="Times New Roman" panose="02020603050405020304" pitchFamily="18" charset="0"/>
-              </a:rPr>
-              <a:t>hoàn</a:t>
-            </a:r>
-            <a:r>
-              <a:rPr lang="en-US" dirty="0" smtClean="0">
-                <a:latin typeface="Times New Roman" panose="02020603050405020304" pitchFamily="18" charset="0"/>
-                <a:cs typeface="Times New Roman" panose="02020603050405020304" pitchFamily="18" charset="0"/>
-              </a:rPr>
-              <a:t> </a:t>
-            </a:r>
-            <a:r>
-              <a:rPr lang="en-US" dirty="0" err="1" smtClean="0">
-                <a:latin typeface="Times New Roman" panose="02020603050405020304" pitchFamily="18" charset="0"/>
-                <a:cs typeface="Times New Roman" panose="02020603050405020304" pitchFamily="18" charset="0"/>
-              </a:rPr>
-              <a:t>thành</a:t>
-            </a:r>
-            <a:r>
-              <a:rPr lang="en-US" dirty="0" smtClean="0">
-                <a:latin typeface="Times New Roman" panose="02020603050405020304" pitchFamily="18" charset="0"/>
-                <a:cs typeface="Times New Roman" panose="02020603050405020304" pitchFamily="18" charset="0"/>
-              </a:rPr>
-              <a:t> </a:t>
-            </a:r>
-            <a:r>
-              <a:rPr lang="en-US" dirty="0" err="1" smtClean="0">
-                <a:latin typeface="Times New Roman" panose="02020603050405020304" pitchFamily="18" charset="0"/>
-                <a:cs typeface="Times New Roman" panose="02020603050405020304" pitchFamily="18" charset="0"/>
-              </a:rPr>
-              <a:t>được</a:t>
-            </a:r>
-            <a:r>
-              <a:rPr lang="en-US" dirty="0" smtClean="0">
-                <a:latin typeface="Times New Roman" panose="02020603050405020304" pitchFamily="18" charset="0"/>
-                <a:cs typeface="Times New Roman" panose="02020603050405020304" pitchFamily="18" charset="0"/>
-              </a:rPr>
-              <a:t> </a:t>
-            </a:r>
-            <a:r>
-              <a:rPr lang="en-US" dirty="0" err="1" smtClean="0">
-                <a:latin typeface="Times New Roman" panose="02020603050405020304" pitchFamily="18" charset="0"/>
-                <a:cs typeface="Times New Roman" panose="02020603050405020304" pitchFamily="18" charset="0"/>
-              </a:rPr>
-              <a:t>các</a:t>
-            </a:r>
-            <a:r>
-              <a:rPr lang="en-US" dirty="0" smtClean="0">
-                <a:latin typeface="Times New Roman" panose="02020603050405020304" pitchFamily="18" charset="0"/>
-                <a:cs typeface="Times New Roman" panose="02020603050405020304" pitchFamily="18" charset="0"/>
-              </a:rPr>
-              <a:t> </a:t>
-            </a:r>
-            <a:r>
-              <a:rPr lang="en-US" dirty="0" err="1" smtClean="0">
-                <a:latin typeface="Times New Roman" panose="02020603050405020304" pitchFamily="18" charset="0"/>
-                <a:cs typeface="Times New Roman" panose="02020603050405020304" pitchFamily="18" charset="0"/>
-              </a:rPr>
-              <a:t>mục</a:t>
-            </a:r>
-            <a:r>
-              <a:rPr lang="en-US" dirty="0" smtClean="0">
-                <a:latin typeface="Times New Roman" panose="02020603050405020304" pitchFamily="18" charset="0"/>
-                <a:cs typeface="Times New Roman" panose="02020603050405020304" pitchFamily="18" charset="0"/>
-              </a:rPr>
-              <a:t> </a:t>
-            </a:r>
-            <a:r>
-              <a:rPr lang="en-US" dirty="0" err="1" smtClean="0">
-                <a:latin typeface="Times New Roman" panose="02020603050405020304" pitchFamily="18" charset="0"/>
-                <a:cs typeface="Times New Roman" panose="02020603050405020304" pitchFamily="18" charset="0"/>
-              </a:rPr>
-              <a:t>tiêu</a:t>
-            </a:r>
-            <a:r>
-              <a:rPr lang="en-US" dirty="0" smtClean="0">
-                <a:latin typeface="Times New Roman" panose="02020603050405020304" pitchFamily="18" charset="0"/>
-                <a:cs typeface="Times New Roman" panose="02020603050405020304" pitchFamily="18" charset="0"/>
-              </a:rPr>
-              <a:t> </a:t>
-            </a:r>
-            <a:r>
-              <a:rPr lang="en-US" dirty="0" err="1" smtClean="0">
-                <a:latin typeface="Times New Roman" panose="02020603050405020304" pitchFamily="18" charset="0"/>
-                <a:cs typeface="Times New Roman" panose="02020603050405020304" pitchFamily="18" charset="0"/>
-              </a:rPr>
-              <a:t>đề</a:t>
-            </a:r>
-            <a:r>
-              <a:rPr lang="en-US" dirty="0" smtClean="0">
-                <a:latin typeface="Times New Roman" panose="02020603050405020304" pitchFamily="18" charset="0"/>
-                <a:cs typeface="Times New Roman" panose="02020603050405020304" pitchFamily="18" charset="0"/>
-              </a:rPr>
-              <a:t> </a:t>
-            </a:r>
-            <a:r>
-              <a:rPr lang="en-US" dirty="0" err="1" smtClean="0">
-                <a:latin typeface="Times New Roman" panose="02020603050405020304" pitchFamily="18" charset="0"/>
-                <a:cs typeface="Times New Roman" panose="02020603050405020304" pitchFamily="18" charset="0"/>
-              </a:rPr>
-              <a:t>ra</a:t>
-            </a:r>
-            <a:r>
-              <a:rPr lang="en-US" dirty="0" smtClean="0">
-                <a:latin typeface="Times New Roman" panose="02020603050405020304" pitchFamily="18" charset="0"/>
-                <a:cs typeface="Times New Roman" panose="02020603050405020304" pitchFamily="18" charset="0"/>
-              </a:rPr>
-              <a:t>, </a:t>
-            </a:r>
-            <a:r>
-              <a:rPr lang="en-US" dirty="0" err="1" smtClean="0">
-                <a:latin typeface="Times New Roman" panose="02020603050405020304" pitchFamily="18" charset="0"/>
-                <a:cs typeface="Times New Roman" panose="02020603050405020304" pitchFamily="18" charset="0"/>
-              </a:rPr>
-              <a:t>có</a:t>
-            </a:r>
-            <a:r>
-              <a:rPr lang="en-US" dirty="0" smtClean="0">
-                <a:latin typeface="Times New Roman" panose="02020603050405020304" pitchFamily="18" charset="0"/>
-                <a:cs typeface="Times New Roman" panose="02020603050405020304" pitchFamily="18" charset="0"/>
-              </a:rPr>
-              <a:t> </a:t>
-            </a:r>
-            <a:r>
-              <a:rPr lang="en-US" dirty="0" err="1" smtClean="0">
-                <a:latin typeface="Times New Roman" panose="02020603050405020304" pitchFamily="18" charset="0"/>
-                <a:cs typeface="Times New Roman" panose="02020603050405020304" pitchFamily="18" charset="0"/>
-              </a:rPr>
-              <a:t>thể</a:t>
-            </a:r>
-            <a:r>
-              <a:rPr lang="en-US" dirty="0" smtClean="0">
-                <a:latin typeface="Times New Roman" panose="02020603050405020304" pitchFamily="18" charset="0"/>
-                <a:cs typeface="Times New Roman" panose="02020603050405020304" pitchFamily="18" charset="0"/>
-              </a:rPr>
-              <a:t> </a:t>
-            </a:r>
-            <a:r>
-              <a:rPr lang="en-US" dirty="0" err="1" smtClean="0">
-                <a:latin typeface="Times New Roman" panose="02020603050405020304" pitchFamily="18" charset="0"/>
-                <a:cs typeface="Times New Roman" panose="02020603050405020304" pitchFamily="18" charset="0"/>
-              </a:rPr>
-              <a:t>giảm</a:t>
-            </a:r>
-            <a:r>
-              <a:rPr lang="en-US" dirty="0" smtClean="0">
-                <a:latin typeface="Times New Roman" panose="02020603050405020304" pitchFamily="18" charset="0"/>
-                <a:cs typeface="Times New Roman" panose="02020603050405020304" pitchFamily="18" charset="0"/>
-              </a:rPr>
-              <a:t> </a:t>
-            </a:r>
-            <a:r>
-              <a:rPr lang="en-US" dirty="0" err="1" smtClean="0">
-                <a:latin typeface="Times New Roman" panose="02020603050405020304" pitchFamily="18" charset="0"/>
-                <a:cs typeface="Times New Roman" panose="02020603050405020304" pitchFamily="18" charset="0"/>
-              </a:rPr>
-              <a:t>tải</a:t>
-            </a:r>
-            <a:r>
-              <a:rPr lang="en-US" dirty="0" smtClean="0">
-                <a:latin typeface="Times New Roman" panose="02020603050405020304" pitchFamily="18" charset="0"/>
-                <a:cs typeface="Times New Roman" panose="02020603050405020304" pitchFamily="18" charset="0"/>
-              </a:rPr>
-              <a:t> </a:t>
-            </a:r>
-            <a:r>
-              <a:rPr lang="en-US" dirty="0" err="1" smtClean="0">
-                <a:latin typeface="Times New Roman" panose="02020603050405020304" pitchFamily="18" charset="0"/>
-                <a:cs typeface="Times New Roman" panose="02020603050405020304" pitchFamily="18" charset="0"/>
-              </a:rPr>
-              <a:t>cho</a:t>
-            </a:r>
-            <a:r>
-              <a:rPr lang="en-US" dirty="0" smtClean="0">
-                <a:latin typeface="Times New Roman" panose="02020603050405020304" pitchFamily="18" charset="0"/>
-                <a:cs typeface="Times New Roman" panose="02020603050405020304" pitchFamily="18" charset="0"/>
-              </a:rPr>
-              <a:t> </a:t>
-            </a:r>
-            <a:r>
-              <a:rPr lang="en-US" dirty="0" err="1" smtClean="0">
-                <a:latin typeface="Times New Roman" panose="02020603050405020304" pitchFamily="18" charset="0"/>
-                <a:cs typeface="Times New Roman" panose="02020603050405020304" pitchFamily="18" charset="0"/>
-              </a:rPr>
-              <a:t>các</a:t>
-            </a:r>
-            <a:r>
-              <a:rPr lang="en-US" dirty="0" smtClean="0">
-                <a:latin typeface="Times New Roman" panose="02020603050405020304" pitchFamily="18" charset="0"/>
-                <a:cs typeface="Times New Roman" panose="02020603050405020304" pitchFamily="18" charset="0"/>
-              </a:rPr>
-              <a:t> router, </a:t>
-            </a:r>
-            <a:r>
-              <a:rPr lang="en-US" dirty="0" err="1" smtClean="0">
-                <a:latin typeface="Times New Roman" panose="02020603050405020304" pitchFamily="18" charset="0"/>
-                <a:cs typeface="Times New Roman" panose="02020603050405020304" pitchFamily="18" charset="0"/>
-              </a:rPr>
-              <a:t>chuyển</a:t>
-            </a:r>
-            <a:r>
-              <a:rPr lang="en-US" dirty="0" smtClean="0">
-                <a:latin typeface="Times New Roman" panose="02020603050405020304" pitchFamily="18" charset="0"/>
-                <a:cs typeface="Times New Roman" panose="02020603050405020304" pitchFamily="18" charset="0"/>
-              </a:rPr>
-              <a:t> </a:t>
-            </a:r>
-            <a:r>
-              <a:rPr lang="en-US" dirty="0" err="1" smtClean="0">
-                <a:latin typeface="Times New Roman" panose="02020603050405020304" pitchFamily="18" charset="0"/>
-                <a:cs typeface="Times New Roman" panose="02020603050405020304" pitchFamily="18" charset="0"/>
-              </a:rPr>
-              <a:t>nối</a:t>
-            </a:r>
-            <a:r>
-              <a:rPr lang="en-US" dirty="0" smtClean="0">
-                <a:latin typeface="Times New Roman" panose="02020603050405020304" pitchFamily="18" charset="0"/>
-                <a:cs typeface="Times New Roman" panose="02020603050405020304" pitchFamily="18" charset="0"/>
-              </a:rPr>
-              <a:t> </a:t>
-            </a:r>
-            <a:r>
-              <a:rPr lang="en-US" dirty="0" err="1" smtClean="0">
-                <a:latin typeface="Times New Roman" panose="02020603050405020304" pitchFamily="18" charset="0"/>
-                <a:cs typeface="Times New Roman" panose="02020603050405020304" pitchFamily="18" charset="0"/>
-              </a:rPr>
-              <a:t>kết</a:t>
-            </a:r>
-            <a:r>
-              <a:rPr lang="en-US" dirty="0" smtClean="0">
-                <a:latin typeface="Times New Roman" panose="02020603050405020304" pitchFamily="18" charset="0"/>
-                <a:cs typeface="Times New Roman" panose="02020603050405020304" pitchFamily="18" charset="0"/>
-              </a:rPr>
-              <a:t> </a:t>
-            </a:r>
-            <a:r>
-              <a:rPr lang="en-US" dirty="0" err="1" smtClean="0">
-                <a:latin typeface="Times New Roman" panose="02020603050405020304" pitchFamily="18" charset="0"/>
-                <a:cs typeface="Times New Roman" panose="02020603050405020304" pitchFamily="18" charset="0"/>
-              </a:rPr>
-              <a:t>của</a:t>
-            </a:r>
-            <a:r>
-              <a:rPr lang="en-US" dirty="0" smtClean="0">
-                <a:latin typeface="Times New Roman" panose="02020603050405020304" pitchFamily="18" charset="0"/>
-                <a:cs typeface="Times New Roman" panose="02020603050405020304" pitchFamily="18" charset="0"/>
-              </a:rPr>
-              <a:t> </a:t>
-            </a:r>
-            <a:r>
-              <a:rPr lang="en-US" dirty="0" err="1" smtClean="0">
-                <a:latin typeface="Times New Roman" panose="02020603050405020304" pitchFamily="18" charset="0"/>
-                <a:cs typeface="Times New Roman" panose="02020603050405020304" pitchFamily="18" charset="0"/>
-              </a:rPr>
-              <a:t>các</a:t>
-            </a:r>
-            <a:r>
-              <a:rPr lang="en-US" dirty="0" smtClean="0">
-                <a:latin typeface="Times New Roman" panose="02020603050405020304" pitchFamily="18" charset="0"/>
-                <a:cs typeface="Times New Roman" panose="02020603050405020304" pitchFamily="18" charset="0"/>
-              </a:rPr>
-              <a:t> client, chia </a:t>
-            </a:r>
-            <a:r>
-              <a:rPr lang="en-US" dirty="0" err="1" smtClean="0">
-                <a:latin typeface="Times New Roman" panose="02020603050405020304" pitchFamily="18" charset="0"/>
-                <a:cs typeface="Times New Roman" panose="02020603050405020304" pitchFamily="18" charset="0"/>
-              </a:rPr>
-              <a:t>sẽ</a:t>
-            </a:r>
-            <a:r>
-              <a:rPr lang="en-US" dirty="0" smtClean="0">
-                <a:latin typeface="Times New Roman" panose="02020603050405020304" pitchFamily="18" charset="0"/>
-                <a:cs typeface="Times New Roman" panose="02020603050405020304" pitchFamily="18" charset="0"/>
-              </a:rPr>
-              <a:t> </a:t>
-            </a:r>
-            <a:r>
-              <a:rPr lang="en-US" dirty="0" err="1" smtClean="0">
-                <a:latin typeface="Times New Roman" panose="02020603050405020304" pitchFamily="18" charset="0"/>
-                <a:cs typeface="Times New Roman" panose="02020603050405020304" pitchFamily="18" charset="0"/>
-              </a:rPr>
-              <a:t>thông</a:t>
-            </a:r>
-            <a:r>
-              <a:rPr lang="en-US" dirty="0" smtClean="0">
-                <a:latin typeface="Times New Roman" panose="02020603050405020304" pitchFamily="18" charset="0"/>
-                <a:cs typeface="Times New Roman" panose="02020603050405020304" pitchFamily="18" charset="0"/>
-              </a:rPr>
-              <a:t> tin </a:t>
-            </a:r>
-            <a:r>
-              <a:rPr lang="en-US" dirty="0" err="1" smtClean="0">
-                <a:latin typeface="Times New Roman" panose="02020603050405020304" pitchFamily="18" charset="0"/>
-                <a:cs typeface="Times New Roman" panose="02020603050405020304" pitchFamily="18" charset="0"/>
-              </a:rPr>
-              <a:t>giữa</a:t>
-            </a:r>
-            <a:r>
-              <a:rPr lang="en-US" dirty="0" smtClean="0">
-                <a:latin typeface="Times New Roman" panose="02020603050405020304" pitchFamily="18" charset="0"/>
-                <a:cs typeface="Times New Roman" panose="02020603050405020304" pitchFamily="18" charset="0"/>
-              </a:rPr>
-              <a:t> </a:t>
-            </a:r>
-            <a:r>
-              <a:rPr lang="en-US" dirty="0" err="1" smtClean="0">
-                <a:latin typeface="Times New Roman" panose="02020603050405020304" pitchFamily="18" charset="0"/>
-                <a:cs typeface="Times New Roman" panose="02020603050405020304" pitchFamily="18" charset="0"/>
-              </a:rPr>
-              <a:t>các</a:t>
-            </a:r>
-            <a:r>
-              <a:rPr lang="en-US" dirty="0" smtClean="0">
-                <a:latin typeface="Times New Roman" panose="02020603050405020304" pitchFamily="18" charset="0"/>
-                <a:cs typeface="Times New Roman" panose="02020603050405020304" pitchFamily="18" charset="0"/>
-              </a:rPr>
-              <a:t> router </a:t>
-            </a:r>
-            <a:r>
-              <a:rPr lang="en-US" dirty="0" err="1" smtClean="0">
-                <a:latin typeface="Times New Roman" panose="02020603050405020304" pitchFamily="18" charset="0"/>
-                <a:cs typeface="Times New Roman" panose="02020603050405020304" pitchFamily="18" charset="0"/>
-              </a:rPr>
-              <a:t>trong</a:t>
-            </a:r>
-            <a:r>
-              <a:rPr lang="en-US" dirty="0" smtClean="0">
-                <a:latin typeface="Times New Roman" panose="02020603050405020304" pitchFamily="18" charset="0"/>
-                <a:cs typeface="Times New Roman" panose="02020603050405020304" pitchFamily="18" charset="0"/>
-              </a:rPr>
-              <a:t> </a:t>
-            </a:r>
-            <a:r>
-              <a:rPr lang="en-US" dirty="0" err="1" smtClean="0">
-                <a:latin typeface="Times New Roman" panose="02020603050405020304" pitchFamily="18" charset="0"/>
-                <a:cs typeface="Times New Roman" panose="02020603050405020304" pitchFamily="18" charset="0"/>
-              </a:rPr>
-              <a:t>hệ</a:t>
-            </a:r>
-            <a:r>
-              <a:rPr lang="en-US" dirty="0" smtClean="0">
-                <a:latin typeface="Times New Roman" panose="02020603050405020304" pitchFamily="18" charset="0"/>
-                <a:cs typeface="Times New Roman" panose="02020603050405020304" pitchFamily="18" charset="0"/>
-              </a:rPr>
-              <a:t> </a:t>
-            </a:r>
-            <a:r>
-              <a:rPr lang="en-US" dirty="0" err="1" smtClean="0">
-                <a:latin typeface="Times New Roman" panose="02020603050405020304" pitchFamily="18" charset="0"/>
-                <a:cs typeface="Times New Roman" panose="02020603050405020304" pitchFamily="18" charset="0"/>
-              </a:rPr>
-              <a:t>thống</a:t>
-            </a:r>
-            <a:r>
-              <a:rPr lang="en-US" dirty="0" smtClean="0">
-                <a:latin typeface="Times New Roman" panose="02020603050405020304" pitchFamily="18" charset="0"/>
-                <a:cs typeface="Times New Roman" panose="02020603050405020304" pitchFamily="18" charset="0"/>
-              </a:rPr>
-              <a:t> </a:t>
-            </a:r>
-            <a:r>
-              <a:rPr lang="en-US" dirty="0" err="1" smtClean="0">
-                <a:latin typeface="Times New Roman" panose="02020603050405020304" pitchFamily="18" charset="0"/>
-                <a:cs typeface="Times New Roman" panose="02020603050405020304" pitchFamily="18" charset="0"/>
-              </a:rPr>
-              <a:t>mạng</a:t>
-            </a:r>
-            <a:r>
-              <a:rPr lang="en-US" dirty="0" smtClean="0">
-                <a:latin typeface="Times New Roman" panose="02020603050405020304" pitchFamily="18" charset="0"/>
-                <a:cs typeface="Times New Roman" panose="02020603050405020304" pitchFamily="18" charset="0"/>
-              </a:rPr>
-              <a:t>.</a:t>
-            </a:r>
-            <a:endParaRPr lang="en-US" dirty="0" smtClean="0">
-              <a:latin typeface="Times New Roman" panose="02020603050405020304" pitchFamily="18" charset="0"/>
-              <a:cs typeface="Times New Roman" panose="02020603050405020304" pitchFamily="18" charset="0"/>
-            </a:endParaRPr>
-          </a:p>
-          <a:p>
-            <a:r>
-              <a:rPr lang="en-US" dirty="0" err="1" smtClean="0">
-                <a:latin typeface="Times New Roman" panose="02020603050405020304" pitchFamily="18" charset="0"/>
-                <a:cs typeface="Times New Roman" panose="02020603050405020304" pitchFamily="18" charset="0"/>
-              </a:rPr>
-              <a:t>Tuy</a:t>
-            </a:r>
-            <a:r>
-              <a:rPr lang="en-US" dirty="0" smtClean="0">
-                <a:latin typeface="Times New Roman" panose="02020603050405020304" pitchFamily="18" charset="0"/>
-                <a:cs typeface="Times New Roman" panose="02020603050405020304" pitchFamily="18" charset="0"/>
-              </a:rPr>
-              <a:t> </a:t>
-            </a:r>
-            <a:r>
-              <a:rPr lang="en-US" dirty="0" err="1" smtClean="0">
-                <a:latin typeface="Times New Roman" panose="02020603050405020304" pitchFamily="18" charset="0"/>
-                <a:cs typeface="Times New Roman" panose="02020603050405020304" pitchFamily="18" charset="0"/>
-              </a:rPr>
-              <a:t>nhiên</a:t>
-            </a:r>
-            <a:r>
-              <a:rPr lang="en-US" dirty="0" smtClean="0">
-                <a:latin typeface="Times New Roman" panose="02020603050405020304" pitchFamily="18" charset="0"/>
-                <a:cs typeface="Times New Roman" panose="02020603050405020304" pitchFamily="18" charset="0"/>
-              </a:rPr>
-              <a:t> </a:t>
-            </a:r>
-            <a:r>
-              <a:rPr lang="en-US" dirty="0" err="1" smtClean="0">
-                <a:latin typeface="Times New Roman" panose="02020603050405020304" pitchFamily="18" charset="0"/>
-                <a:cs typeface="Times New Roman" panose="02020603050405020304" pitchFamily="18" charset="0"/>
-              </a:rPr>
-              <a:t>vẫn</a:t>
-            </a:r>
-            <a:r>
-              <a:rPr lang="en-US" dirty="0" smtClean="0">
-                <a:latin typeface="Times New Roman" panose="02020603050405020304" pitchFamily="18" charset="0"/>
-                <a:cs typeface="Times New Roman" panose="02020603050405020304" pitchFamily="18" charset="0"/>
-              </a:rPr>
-              <a:t> </a:t>
-            </a:r>
-            <a:r>
-              <a:rPr lang="en-US" dirty="0" err="1" smtClean="0">
-                <a:latin typeface="Times New Roman" panose="02020603050405020304" pitchFamily="18" charset="0"/>
-                <a:cs typeface="Times New Roman" panose="02020603050405020304" pitchFamily="18" charset="0"/>
-              </a:rPr>
-              <a:t>còn</a:t>
-            </a:r>
-            <a:r>
-              <a:rPr lang="en-US" dirty="0" smtClean="0">
-                <a:latin typeface="Times New Roman" panose="02020603050405020304" pitchFamily="18" charset="0"/>
-                <a:cs typeface="Times New Roman" panose="02020603050405020304" pitchFamily="18" charset="0"/>
-              </a:rPr>
-              <a:t> </a:t>
-            </a:r>
-            <a:r>
-              <a:rPr lang="en-US" dirty="0" err="1" smtClean="0">
-                <a:latin typeface="Times New Roman" panose="02020603050405020304" pitchFamily="18" charset="0"/>
-                <a:cs typeface="Times New Roman" panose="02020603050405020304" pitchFamily="18" charset="0"/>
-              </a:rPr>
-              <a:t>một</a:t>
-            </a:r>
-            <a:r>
-              <a:rPr lang="en-US" dirty="0" smtClean="0">
-                <a:latin typeface="Times New Roman" panose="02020603050405020304" pitchFamily="18" charset="0"/>
-                <a:cs typeface="Times New Roman" panose="02020603050405020304" pitchFamily="18" charset="0"/>
-              </a:rPr>
-              <a:t> </a:t>
-            </a:r>
-            <a:r>
-              <a:rPr lang="en-US" dirty="0" err="1" smtClean="0">
-                <a:latin typeface="Times New Roman" panose="02020603050405020304" pitchFamily="18" charset="0"/>
-                <a:cs typeface="Times New Roman" panose="02020603050405020304" pitchFamily="18" charset="0"/>
-              </a:rPr>
-              <a:t>số</a:t>
-            </a:r>
-            <a:r>
-              <a:rPr lang="en-US" dirty="0" smtClean="0">
-                <a:latin typeface="Times New Roman" panose="02020603050405020304" pitchFamily="18" charset="0"/>
-                <a:cs typeface="Times New Roman" panose="02020603050405020304" pitchFamily="18" charset="0"/>
-              </a:rPr>
-              <a:t> </a:t>
-            </a:r>
-            <a:r>
-              <a:rPr lang="en-US" dirty="0" err="1" smtClean="0">
-                <a:latin typeface="Times New Roman" panose="02020603050405020304" pitchFamily="18" charset="0"/>
-                <a:cs typeface="Times New Roman" panose="02020603050405020304" pitchFamily="18" charset="0"/>
-              </a:rPr>
-              <a:t>hạn</a:t>
-            </a:r>
-            <a:r>
-              <a:rPr lang="en-US" dirty="0" smtClean="0">
-                <a:latin typeface="Times New Roman" panose="02020603050405020304" pitchFamily="18" charset="0"/>
-                <a:cs typeface="Times New Roman" panose="02020603050405020304" pitchFamily="18" charset="0"/>
-              </a:rPr>
-              <a:t> </a:t>
-            </a:r>
-            <a:r>
-              <a:rPr lang="en-US" dirty="0" err="1" smtClean="0">
-                <a:latin typeface="Times New Roman" panose="02020603050405020304" pitchFamily="18" charset="0"/>
-                <a:cs typeface="Times New Roman" panose="02020603050405020304" pitchFamily="18" charset="0"/>
-              </a:rPr>
-              <a:t>chế</a:t>
-            </a:r>
-            <a:r>
-              <a:rPr lang="en-US" dirty="0" smtClean="0">
-                <a:latin typeface="Times New Roman" panose="02020603050405020304" pitchFamily="18" charset="0"/>
-                <a:cs typeface="Times New Roman" panose="02020603050405020304" pitchFamily="18" charset="0"/>
-              </a:rPr>
-              <a:t>:</a:t>
-            </a:r>
-            <a:endParaRPr lang="en-US" dirty="0" smtClean="0">
-              <a:latin typeface="Times New Roman" panose="02020603050405020304" pitchFamily="18" charset="0"/>
-              <a:cs typeface="Times New Roman" panose="02020603050405020304" pitchFamily="18" charset="0"/>
-            </a:endParaRPr>
-          </a:p>
-          <a:p>
-            <a:pPr lvl="1"/>
-            <a:r>
-              <a:rPr lang="en-US" dirty="0" err="1" smtClean="0">
-                <a:latin typeface="Times New Roman" panose="02020603050405020304" pitchFamily="18" charset="0"/>
-                <a:cs typeface="Times New Roman" panose="02020603050405020304" pitchFamily="18" charset="0"/>
-              </a:rPr>
-              <a:t>Cấu</a:t>
-            </a:r>
-            <a:r>
-              <a:rPr lang="en-US" dirty="0" smtClean="0">
-                <a:latin typeface="Times New Roman" panose="02020603050405020304" pitchFamily="18" charset="0"/>
-                <a:cs typeface="Times New Roman" panose="02020603050405020304" pitchFamily="18" charset="0"/>
-              </a:rPr>
-              <a:t> </a:t>
-            </a:r>
-            <a:r>
-              <a:rPr lang="en-US" dirty="0" err="1" smtClean="0">
-                <a:latin typeface="Times New Roman" panose="02020603050405020304" pitchFamily="18" charset="0"/>
-                <a:cs typeface="Times New Roman" panose="02020603050405020304" pitchFamily="18" charset="0"/>
-              </a:rPr>
-              <a:t>hình</a:t>
-            </a:r>
-            <a:r>
-              <a:rPr lang="en-US" dirty="0" smtClean="0">
-                <a:latin typeface="Times New Roman" panose="02020603050405020304" pitchFamily="18" charset="0"/>
-                <a:cs typeface="Times New Roman" panose="02020603050405020304" pitchFamily="18" charset="0"/>
-              </a:rPr>
-              <a:t> router</a:t>
-            </a:r>
-            <a:endParaRPr lang="en-US" dirty="0" smtClean="0">
-              <a:latin typeface="Times New Roman" panose="02020603050405020304" pitchFamily="18" charset="0"/>
-              <a:cs typeface="Times New Roman" panose="02020603050405020304" pitchFamily="18" charset="0"/>
-            </a:endParaRPr>
-          </a:p>
-          <a:p>
-            <a:pPr lvl="1"/>
-            <a:r>
-              <a:rPr lang="en-US" dirty="0" err="1" smtClean="0">
-                <a:latin typeface="Times New Roman" panose="02020603050405020304" pitchFamily="18" charset="0"/>
-                <a:cs typeface="Times New Roman" panose="02020603050405020304" pitchFamily="18" charset="0"/>
-              </a:rPr>
-              <a:t>Cần</a:t>
-            </a:r>
-            <a:r>
-              <a:rPr lang="en-US" dirty="0" smtClean="0">
-                <a:latin typeface="Times New Roman" panose="02020603050405020304" pitchFamily="18" charset="0"/>
-                <a:cs typeface="Times New Roman" panose="02020603050405020304" pitchFamily="18" charset="0"/>
-              </a:rPr>
-              <a:t> </a:t>
-            </a:r>
-            <a:r>
-              <a:rPr lang="en-US" dirty="0" err="1" smtClean="0">
-                <a:latin typeface="Times New Roman" panose="02020603050405020304" pitchFamily="18" charset="0"/>
-                <a:cs typeface="Times New Roman" panose="02020603050405020304" pitchFamily="18" charset="0"/>
-              </a:rPr>
-              <a:t>cải</a:t>
-            </a:r>
-            <a:r>
-              <a:rPr lang="en-US" dirty="0" smtClean="0">
-                <a:latin typeface="Times New Roman" panose="02020603050405020304" pitchFamily="18" charset="0"/>
-                <a:cs typeface="Times New Roman" panose="02020603050405020304" pitchFamily="18" charset="0"/>
-              </a:rPr>
-              <a:t> </a:t>
-            </a:r>
-            <a:r>
-              <a:rPr lang="en-US" dirty="0" err="1" smtClean="0">
-                <a:latin typeface="Times New Roman" panose="02020603050405020304" pitchFamily="18" charset="0"/>
-                <a:cs typeface="Times New Roman" panose="02020603050405020304" pitchFamily="18" charset="0"/>
-              </a:rPr>
-              <a:t>thiện</a:t>
-            </a:r>
-            <a:r>
-              <a:rPr lang="en-US" dirty="0" smtClean="0">
-                <a:latin typeface="Times New Roman" panose="02020603050405020304" pitchFamily="18" charset="0"/>
-                <a:cs typeface="Times New Roman" panose="02020603050405020304" pitchFamily="18" charset="0"/>
-              </a:rPr>
-              <a:t> </a:t>
-            </a:r>
-            <a:r>
-              <a:rPr lang="en-US" dirty="0" err="1" smtClean="0">
-                <a:latin typeface="Times New Roman" panose="02020603050405020304" pitchFamily="18" charset="0"/>
-                <a:cs typeface="Times New Roman" panose="02020603050405020304" pitchFamily="18" charset="0"/>
-              </a:rPr>
-              <a:t>giải</a:t>
-            </a:r>
-            <a:r>
-              <a:rPr lang="en-US" dirty="0" smtClean="0">
-                <a:latin typeface="Times New Roman" panose="02020603050405020304" pitchFamily="18" charset="0"/>
-                <a:cs typeface="Times New Roman" panose="02020603050405020304" pitchFamily="18" charset="0"/>
-              </a:rPr>
-              <a:t> </a:t>
-            </a:r>
-            <a:r>
-              <a:rPr lang="en-US" dirty="0" err="1" smtClean="0">
-                <a:latin typeface="Times New Roman" panose="02020603050405020304" pitchFamily="18" charset="0"/>
-                <a:cs typeface="Times New Roman" panose="02020603050405020304" pitchFamily="18" charset="0"/>
-              </a:rPr>
-              <a:t>thuật</a:t>
-            </a:r>
-            <a:endParaRPr lang="en-US" dirty="0" smtClean="0">
-              <a:latin typeface="Times New Roman" panose="02020603050405020304" pitchFamily="18" charset="0"/>
-              <a:cs typeface="Times New Roman" panose="02020603050405020304" pitchFamily="18" charset="0"/>
-            </a:endParaRPr>
-          </a:p>
-          <a:p>
-            <a:pPr marL="0" indent="0">
-              <a:buNone/>
-            </a:pPr>
-            <a:endParaRPr lang="vi-VN" dirty="0">
-              <a:latin typeface="Times New Roman" panose="02020603050405020304" pitchFamily="18" charset="0"/>
-              <a:cs typeface="Times New Roman" panose="02020603050405020304" pitchFamily="18" charset="0"/>
-            </a:endParaRPr>
-          </a:p>
-        </p:txBody>
-      </p:sp>
-      <p:sp>
-        <p:nvSpPr>
           <p:cNvPr id="4" name="Slide Number Placeholder 3"/>
           <p:cNvSpPr>
             <a:spLocks noGrp="1"/>
@@ -19923,6 +18649,884 @@
         </p:nvSpPr>
         <p:spPr>
           <a:xfrm>
+            <a:off x="3518853" y="238690"/>
+            <a:ext cx="4865492" cy="1026059"/>
+          </a:xfrm>
+        </p:spPr>
+        <p:txBody>
+          <a:bodyPr>
+            <a:normAutofit fontScale="90000"/>
+          </a:bodyPr>
+          <a:lstStyle/>
+          <a:p>
+            <a:r>
+              <a:rPr lang="en-US" dirty="0" err="1" smtClean="0">
+                <a:latin typeface="Times New Roman" panose="02020603050405020304" pitchFamily="18" charset="0"/>
+                <a:cs typeface="Times New Roman" panose="02020603050405020304" pitchFamily="18" charset="0"/>
+              </a:rPr>
+              <a:t>Kết</a:t>
+            </a:r>
+            <a:r>
+              <a:rPr lang="en-US" dirty="0" smtClean="0">
+                <a:latin typeface="Times New Roman" panose="02020603050405020304" pitchFamily="18" charset="0"/>
+                <a:cs typeface="Times New Roman" panose="02020603050405020304" pitchFamily="18" charset="0"/>
+              </a:rPr>
+              <a:t> </a:t>
+            </a:r>
+            <a:r>
+              <a:rPr lang="en-US" dirty="0" err="1" smtClean="0">
+                <a:latin typeface="Times New Roman" panose="02020603050405020304" pitchFamily="18" charset="0"/>
+                <a:cs typeface="Times New Roman" panose="02020603050405020304" pitchFamily="18" charset="0"/>
+              </a:rPr>
+              <a:t>Quả</a:t>
+            </a:r>
+            <a:r>
+              <a:rPr lang="en-US" dirty="0" smtClean="0">
+                <a:latin typeface="Times New Roman" panose="02020603050405020304" pitchFamily="18" charset="0"/>
+                <a:cs typeface="Times New Roman" panose="02020603050405020304" pitchFamily="18" charset="0"/>
+              </a:rPr>
+              <a:t> </a:t>
+            </a:r>
+            <a:r>
+              <a:rPr lang="en-US" dirty="0" err="1" smtClean="0">
+                <a:latin typeface="Times New Roman" panose="02020603050405020304" pitchFamily="18" charset="0"/>
+                <a:cs typeface="Times New Roman" panose="02020603050405020304" pitchFamily="18" charset="0"/>
+              </a:rPr>
+              <a:t>và</a:t>
+            </a:r>
+            <a:r>
+              <a:rPr lang="en-US" dirty="0" smtClean="0">
+                <a:latin typeface="Times New Roman" panose="02020603050405020304" pitchFamily="18" charset="0"/>
+                <a:cs typeface="Times New Roman" panose="02020603050405020304" pitchFamily="18" charset="0"/>
+              </a:rPr>
+              <a:t> </a:t>
+            </a:r>
+            <a:r>
+              <a:rPr lang="en-US" dirty="0" err="1" smtClean="0">
+                <a:latin typeface="Times New Roman" panose="02020603050405020304" pitchFamily="18" charset="0"/>
+                <a:cs typeface="Times New Roman" panose="02020603050405020304" pitchFamily="18" charset="0"/>
+              </a:rPr>
+              <a:t>đánh</a:t>
+            </a:r>
+            <a:r>
+              <a:rPr lang="en-US" dirty="0" smtClean="0">
+                <a:latin typeface="Times New Roman" panose="02020603050405020304" pitchFamily="18" charset="0"/>
+                <a:cs typeface="Times New Roman" panose="02020603050405020304" pitchFamily="18" charset="0"/>
+              </a:rPr>
+              <a:t> </a:t>
+            </a:r>
+            <a:r>
+              <a:rPr lang="en-US" dirty="0" err="1" smtClean="0">
+                <a:latin typeface="Times New Roman" panose="02020603050405020304" pitchFamily="18" charset="0"/>
+                <a:cs typeface="Times New Roman" panose="02020603050405020304" pitchFamily="18" charset="0"/>
+              </a:rPr>
+              <a:t>giá</a:t>
+            </a:r>
+            <a:endParaRPr lang="vi-VN" dirty="0">
+              <a:latin typeface="Times New Roman" panose="02020603050405020304" pitchFamily="18" charset="0"/>
+              <a:cs typeface="Times New Roman" panose="02020603050405020304" pitchFamily="18" charset="0"/>
+            </a:endParaRPr>
+          </a:p>
+        </p:txBody>
+      </p:sp>
+      <p:sp>
+        <p:nvSpPr>
+          <p:cNvPr id="3" name="Content Placeholder 2"/>
+          <p:cNvSpPr>
+            <a:spLocks noGrp="1"/>
+          </p:cNvSpPr>
+          <p:nvPr>
+            <p:ph idx="1"/>
+          </p:nvPr>
+        </p:nvSpPr>
+        <p:spPr>
+          <a:xfrm>
+            <a:off x="1732256" y="1489833"/>
+            <a:ext cx="8987326" cy="4770291"/>
+          </a:xfrm>
+        </p:spPr>
+        <p:txBody>
+          <a:bodyPr>
+            <a:noAutofit/>
+          </a:bodyPr>
+          <a:lstStyle/>
+          <a:p>
+            <a:pPr marL="0" indent="0">
+              <a:buNone/>
+            </a:pPr>
+            <a:r>
+              <a:rPr lang="en-US" sz="3200" dirty="0" smtClean="0">
+                <a:latin typeface="Times New Roman" panose="02020603050405020304" pitchFamily="18" charset="0"/>
+                <a:cs typeface="Times New Roman" panose="02020603050405020304" pitchFamily="18" charset="0"/>
+              </a:rPr>
+              <a:t>2. </a:t>
+            </a:r>
+            <a:r>
+              <a:rPr lang="en-US" sz="3200" dirty="0" err="1" smtClean="0">
+                <a:latin typeface="Times New Roman" panose="02020603050405020304" pitchFamily="18" charset="0"/>
+                <a:cs typeface="Times New Roman" panose="02020603050405020304" pitchFamily="18" charset="0"/>
+              </a:rPr>
+              <a:t>Đánh</a:t>
+            </a:r>
+            <a:r>
+              <a:rPr lang="en-US" sz="3200" dirty="0" smtClean="0">
+                <a:latin typeface="Times New Roman" panose="02020603050405020304" pitchFamily="18" charset="0"/>
+                <a:cs typeface="Times New Roman" panose="02020603050405020304" pitchFamily="18" charset="0"/>
+              </a:rPr>
+              <a:t> </a:t>
+            </a:r>
+            <a:r>
+              <a:rPr lang="en-US" sz="3200" dirty="0" err="1" smtClean="0">
+                <a:latin typeface="Times New Roman" panose="02020603050405020304" pitchFamily="18" charset="0"/>
+                <a:cs typeface="Times New Roman" panose="02020603050405020304" pitchFamily="18" charset="0"/>
+              </a:rPr>
+              <a:t>giá</a:t>
+            </a:r>
+            <a:endParaRPr lang="en-US" sz="3200" dirty="0" smtClean="0">
+              <a:latin typeface="Times New Roman" panose="02020603050405020304" pitchFamily="18" charset="0"/>
+              <a:cs typeface="Times New Roman" panose="02020603050405020304" pitchFamily="18" charset="0"/>
+            </a:endParaRPr>
+          </a:p>
+          <a:p>
+            <a:r>
+              <a:rPr lang="en-US" sz="3200" dirty="0" err="1" smtClean="0">
+                <a:latin typeface="Times New Roman" panose="02020603050405020304" pitchFamily="18" charset="0"/>
+                <a:cs typeface="Times New Roman" panose="02020603050405020304" pitchFamily="18" charset="0"/>
+              </a:rPr>
+              <a:t>Nhóm</a:t>
+            </a:r>
+            <a:r>
+              <a:rPr lang="en-US" sz="3200" dirty="0" smtClean="0">
+                <a:latin typeface="Times New Roman" panose="02020603050405020304" pitchFamily="18" charset="0"/>
+                <a:cs typeface="Times New Roman" panose="02020603050405020304" pitchFamily="18" charset="0"/>
+              </a:rPr>
+              <a:t> </a:t>
+            </a:r>
+            <a:r>
+              <a:rPr lang="en-US" sz="3200" dirty="0" err="1" smtClean="0">
+                <a:latin typeface="Times New Roman" panose="02020603050405020304" pitchFamily="18" charset="0"/>
+                <a:cs typeface="Times New Roman" panose="02020603050405020304" pitchFamily="18" charset="0"/>
+              </a:rPr>
+              <a:t>đã</a:t>
+            </a:r>
+            <a:r>
+              <a:rPr lang="en-US" sz="3200" dirty="0" smtClean="0">
+                <a:latin typeface="Times New Roman" panose="02020603050405020304" pitchFamily="18" charset="0"/>
+                <a:cs typeface="Times New Roman" panose="02020603050405020304" pitchFamily="18" charset="0"/>
+              </a:rPr>
+              <a:t> </a:t>
+            </a:r>
+            <a:r>
+              <a:rPr lang="en-US" sz="3200" dirty="0" err="1" smtClean="0">
+                <a:latin typeface="Times New Roman" panose="02020603050405020304" pitchFamily="18" charset="0"/>
+                <a:cs typeface="Times New Roman" panose="02020603050405020304" pitchFamily="18" charset="0"/>
+              </a:rPr>
+              <a:t>hoàn</a:t>
+            </a:r>
+            <a:r>
+              <a:rPr lang="en-US" sz="3200" dirty="0" smtClean="0">
+                <a:latin typeface="Times New Roman" panose="02020603050405020304" pitchFamily="18" charset="0"/>
+                <a:cs typeface="Times New Roman" panose="02020603050405020304" pitchFamily="18" charset="0"/>
+              </a:rPr>
+              <a:t> </a:t>
+            </a:r>
+            <a:r>
+              <a:rPr lang="en-US" sz="3200" dirty="0" err="1" smtClean="0">
+                <a:latin typeface="Times New Roman" panose="02020603050405020304" pitchFamily="18" charset="0"/>
+                <a:cs typeface="Times New Roman" panose="02020603050405020304" pitchFamily="18" charset="0"/>
+              </a:rPr>
+              <a:t>thành</a:t>
+            </a:r>
+            <a:r>
+              <a:rPr lang="en-US" sz="3200" dirty="0" smtClean="0">
+                <a:latin typeface="Times New Roman" panose="02020603050405020304" pitchFamily="18" charset="0"/>
+                <a:cs typeface="Times New Roman" panose="02020603050405020304" pitchFamily="18" charset="0"/>
+              </a:rPr>
+              <a:t> </a:t>
+            </a:r>
+            <a:r>
+              <a:rPr lang="en-US" sz="3200" dirty="0" err="1" smtClean="0">
+                <a:latin typeface="Times New Roman" panose="02020603050405020304" pitchFamily="18" charset="0"/>
+                <a:cs typeface="Times New Roman" panose="02020603050405020304" pitchFamily="18" charset="0"/>
+              </a:rPr>
+              <a:t>được</a:t>
+            </a:r>
+            <a:r>
+              <a:rPr lang="en-US" sz="3200" dirty="0" smtClean="0">
+                <a:latin typeface="Times New Roman" panose="02020603050405020304" pitchFamily="18" charset="0"/>
+                <a:cs typeface="Times New Roman" panose="02020603050405020304" pitchFamily="18" charset="0"/>
+              </a:rPr>
+              <a:t> </a:t>
+            </a:r>
+            <a:r>
+              <a:rPr lang="en-US" sz="3200" dirty="0" err="1" smtClean="0">
+                <a:latin typeface="Times New Roman" panose="02020603050405020304" pitchFamily="18" charset="0"/>
+                <a:cs typeface="Times New Roman" panose="02020603050405020304" pitchFamily="18" charset="0"/>
+              </a:rPr>
+              <a:t>các</a:t>
+            </a:r>
+            <a:r>
+              <a:rPr lang="en-US" sz="3200" dirty="0" smtClean="0">
+                <a:latin typeface="Times New Roman" panose="02020603050405020304" pitchFamily="18" charset="0"/>
+                <a:cs typeface="Times New Roman" panose="02020603050405020304" pitchFamily="18" charset="0"/>
+              </a:rPr>
+              <a:t> </a:t>
+            </a:r>
+            <a:r>
+              <a:rPr lang="en-US" sz="3200" dirty="0" err="1" smtClean="0">
+                <a:latin typeface="Times New Roman" panose="02020603050405020304" pitchFamily="18" charset="0"/>
+                <a:cs typeface="Times New Roman" panose="02020603050405020304" pitchFamily="18" charset="0"/>
+              </a:rPr>
+              <a:t>mục</a:t>
+            </a:r>
+            <a:r>
+              <a:rPr lang="en-US" sz="3200" dirty="0" smtClean="0">
+                <a:latin typeface="Times New Roman" panose="02020603050405020304" pitchFamily="18" charset="0"/>
+                <a:cs typeface="Times New Roman" panose="02020603050405020304" pitchFamily="18" charset="0"/>
+              </a:rPr>
+              <a:t> </a:t>
+            </a:r>
+            <a:r>
+              <a:rPr lang="en-US" sz="3200" dirty="0" err="1" smtClean="0">
+                <a:latin typeface="Times New Roman" panose="02020603050405020304" pitchFamily="18" charset="0"/>
+                <a:cs typeface="Times New Roman" panose="02020603050405020304" pitchFamily="18" charset="0"/>
+              </a:rPr>
+              <a:t>tiêu</a:t>
+            </a:r>
+            <a:r>
+              <a:rPr lang="en-US" sz="3200" dirty="0" smtClean="0">
+                <a:latin typeface="Times New Roman" panose="02020603050405020304" pitchFamily="18" charset="0"/>
+                <a:cs typeface="Times New Roman" panose="02020603050405020304" pitchFamily="18" charset="0"/>
+              </a:rPr>
+              <a:t> </a:t>
+            </a:r>
+            <a:r>
+              <a:rPr lang="en-US" sz="3200" dirty="0" err="1" smtClean="0">
+                <a:latin typeface="Times New Roman" panose="02020603050405020304" pitchFamily="18" charset="0"/>
+                <a:cs typeface="Times New Roman" panose="02020603050405020304" pitchFamily="18" charset="0"/>
+              </a:rPr>
+              <a:t>đề</a:t>
+            </a:r>
+            <a:r>
+              <a:rPr lang="en-US" sz="3200" dirty="0" smtClean="0">
+                <a:latin typeface="Times New Roman" panose="02020603050405020304" pitchFamily="18" charset="0"/>
+                <a:cs typeface="Times New Roman" panose="02020603050405020304" pitchFamily="18" charset="0"/>
+              </a:rPr>
+              <a:t> </a:t>
+            </a:r>
+            <a:r>
+              <a:rPr lang="en-US" sz="3200" dirty="0" err="1" smtClean="0">
+                <a:latin typeface="Times New Roman" panose="02020603050405020304" pitchFamily="18" charset="0"/>
+                <a:cs typeface="Times New Roman" panose="02020603050405020304" pitchFamily="18" charset="0"/>
+              </a:rPr>
+              <a:t>ra</a:t>
+            </a:r>
+            <a:r>
+              <a:rPr lang="en-US" sz="3200" dirty="0" smtClean="0">
+                <a:latin typeface="Times New Roman" panose="02020603050405020304" pitchFamily="18" charset="0"/>
+                <a:cs typeface="Times New Roman" panose="02020603050405020304" pitchFamily="18" charset="0"/>
+              </a:rPr>
+              <a:t>, </a:t>
+            </a:r>
+            <a:endParaRPr lang="en-US" sz="3200" dirty="0" smtClean="0">
+              <a:latin typeface="Times New Roman" panose="02020603050405020304" pitchFamily="18" charset="0"/>
+              <a:cs typeface="Times New Roman" panose="02020603050405020304" pitchFamily="18" charset="0"/>
+            </a:endParaRPr>
+          </a:p>
+          <a:p>
+            <a:pPr lvl="1"/>
+            <a:r>
+              <a:rPr lang="en-US" sz="2800" dirty="0" err="1" smtClean="0">
+                <a:latin typeface="Times New Roman" panose="02020603050405020304" pitchFamily="18" charset="0"/>
+                <a:cs typeface="Times New Roman" panose="02020603050405020304" pitchFamily="18" charset="0"/>
+              </a:rPr>
+              <a:t>Có</a:t>
+            </a:r>
+            <a:r>
+              <a:rPr lang="en-US" sz="2800" dirty="0" smtClean="0">
+                <a:latin typeface="Times New Roman" panose="02020603050405020304" pitchFamily="18" charset="0"/>
+                <a:cs typeface="Times New Roman" panose="02020603050405020304" pitchFamily="18" charset="0"/>
+              </a:rPr>
+              <a:t> </a:t>
+            </a:r>
+            <a:r>
+              <a:rPr lang="en-US" sz="2800" dirty="0" err="1" smtClean="0">
+                <a:latin typeface="Times New Roman" panose="02020603050405020304" pitchFamily="18" charset="0"/>
+                <a:cs typeface="Times New Roman" panose="02020603050405020304" pitchFamily="18" charset="0"/>
+              </a:rPr>
+              <a:t>thể</a:t>
+            </a:r>
+            <a:r>
+              <a:rPr lang="en-US" sz="2800" dirty="0" smtClean="0">
+                <a:latin typeface="Times New Roman" panose="02020603050405020304" pitchFamily="18" charset="0"/>
+                <a:cs typeface="Times New Roman" panose="02020603050405020304" pitchFamily="18" charset="0"/>
+              </a:rPr>
+              <a:t> </a:t>
+            </a:r>
+            <a:r>
+              <a:rPr lang="en-US" sz="2800" dirty="0" err="1" smtClean="0">
+                <a:latin typeface="Times New Roman" panose="02020603050405020304" pitchFamily="18" charset="0"/>
+                <a:cs typeface="Times New Roman" panose="02020603050405020304" pitchFamily="18" charset="0"/>
+              </a:rPr>
+              <a:t>giảm</a:t>
+            </a:r>
+            <a:r>
+              <a:rPr lang="en-US" sz="2800" dirty="0" smtClean="0">
+                <a:latin typeface="Times New Roman" panose="02020603050405020304" pitchFamily="18" charset="0"/>
+                <a:cs typeface="Times New Roman" panose="02020603050405020304" pitchFamily="18" charset="0"/>
+              </a:rPr>
+              <a:t> </a:t>
+            </a:r>
+            <a:r>
+              <a:rPr lang="en-US" sz="2800" dirty="0" err="1" smtClean="0">
+                <a:latin typeface="Times New Roman" panose="02020603050405020304" pitchFamily="18" charset="0"/>
+                <a:cs typeface="Times New Roman" panose="02020603050405020304" pitchFamily="18" charset="0"/>
+              </a:rPr>
+              <a:t>tải</a:t>
+            </a:r>
+            <a:r>
+              <a:rPr lang="en-US" sz="2800" dirty="0" smtClean="0">
+                <a:latin typeface="Times New Roman" panose="02020603050405020304" pitchFamily="18" charset="0"/>
+                <a:cs typeface="Times New Roman" panose="02020603050405020304" pitchFamily="18" charset="0"/>
+              </a:rPr>
+              <a:t> </a:t>
+            </a:r>
+            <a:r>
+              <a:rPr lang="en-US" sz="2800" dirty="0" err="1" smtClean="0">
+                <a:latin typeface="Times New Roman" panose="02020603050405020304" pitchFamily="18" charset="0"/>
+                <a:cs typeface="Times New Roman" panose="02020603050405020304" pitchFamily="18" charset="0"/>
+              </a:rPr>
+              <a:t>cho</a:t>
+            </a:r>
+            <a:r>
+              <a:rPr lang="en-US" sz="2800" dirty="0" smtClean="0">
+                <a:latin typeface="Times New Roman" panose="02020603050405020304" pitchFamily="18" charset="0"/>
+                <a:cs typeface="Times New Roman" panose="02020603050405020304" pitchFamily="18" charset="0"/>
+              </a:rPr>
+              <a:t> </a:t>
+            </a:r>
+            <a:r>
+              <a:rPr lang="en-US" sz="2800" dirty="0" err="1" smtClean="0">
+                <a:latin typeface="Times New Roman" panose="02020603050405020304" pitchFamily="18" charset="0"/>
+                <a:cs typeface="Times New Roman" panose="02020603050405020304" pitchFamily="18" charset="0"/>
+              </a:rPr>
+              <a:t>các</a:t>
+            </a:r>
+            <a:r>
+              <a:rPr lang="en-US" sz="2800" dirty="0" smtClean="0">
+                <a:latin typeface="Times New Roman" panose="02020603050405020304" pitchFamily="18" charset="0"/>
+                <a:cs typeface="Times New Roman" panose="02020603050405020304" pitchFamily="18" charset="0"/>
+              </a:rPr>
+              <a:t> router</a:t>
+            </a:r>
+            <a:endParaRPr lang="en-US" sz="2800" dirty="0" smtClean="0">
+              <a:latin typeface="Times New Roman" panose="02020603050405020304" pitchFamily="18" charset="0"/>
+              <a:cs typeface="Times New Roman" panose="02020603050405020304" pitchFamily="18" charset="0"/>
+            </a:endParaRPr>
+          </a:p>
+          <a:p>
+            <a:pPr lvl="1"/>
+            <a:r>
+              <a:rPr lang="en-US" sz="2800" dirty="0" err="1" smtClean="0">
+                <a:latin typeface="Times New Roman" panose="02020603050405020304" pitchFamily="18" charset="0"/>
+                <a:cs typeface="Times New Roman" panose="02020603050405020304" pitchFamily="18" charset="0"/>
+              </a:rPr>
+              <a:t>Chuyển</a:t>
+            </a:r>
+            <a:r>
+              <a:rPr lang="en-US" sz="2800" dirty="0" smtClean="0">
+                <a:latin typeface="Times New Roman" panose="02020603050405020304" pitchFamily="18" charset="0"/>
+                <a:cs typeface="Times New Roman" panose="02020603050405020304" pitchFamily="18" charset="0"/>
+              </a:rPr>
+              <a:t> </a:t>
+            </a:r>
+            <a:r>
+              <a:rPr lang="en-US" sz="2800" dirty="0" err="1" smtClean="0">
+                <a:latin typeface="Times New Roman" panose="02020603050405020304" pitchFamily="18" charset="0"/>
+                <a:cs typeface="Times New Roman" panose="02020603050405020304" pitchFamily="18" charset="0"/>
+              </a:rPr>
+              <a:t>nối</a:t>
+            </a:r>
+            <a:r>
+              <a:rPr lang="en-US" sz="2800" dirty="0" smtClean="0">
+                <a:latin typeface="Times New Roman" panose="02020603050405020304" pitchFamily="18" charset="0"/>
+                <a:cs typeface="Times New Roman" panose="02020603050405020304" pitchFamily="18" charset="0"/>
+              </a:rPr>
+              <a:t> </a:t>
+            </a:r>
+            <a:r>
+              <a:rPr lang="en-US" sz="2800" dirty="0" err="1" smtClean="0">
+                <a:latin typeface="Times New Roman" panose="02020603050405020304" pitchFamily="18" charset="0"/>
+                <a:cs typeface="Times New Roman" panose="02020603050405020304" pitchFamily="18" charset="0"/>
+              </a:rPr>
+              <a:t>kết</a:t>
+            </a:r>
+            <a:r>
+              <a:rPr lang="en-US" sz="2800" dirty="0" smtClean="0">
+                <a:latin typeface="Times New Roman" panose="02020603050405020304" pitchFamily="18" charset="0"/>
+                <a:cs typeface="Times New Roman" panose="02020603050405020304" pitchFamily="18" charset="0"/>
+              </a:rPr>
+              <a:t> </a:t>
+            </a:r>
+            <a:r>
+              <a:rPr lang="en-US" sz="2800" dirty="0" err="1" smtClean="0">
+                <a:latin typeface="Times New Roman" panose="02020603050405020304" pitchFamily="18" charset="0"/>
+                <a:cs typeface="Times New Roman" panose="02020603050405020304" pitchFamily="18" charset="0"/>
+              </a:rPr>
+              <a:t>của</a:t>
+            </a:r>
+            <a:r>
+              <a:rPr lang="en-US" sz="2800" dirty="0" smtClean="0">
+                <a:latin typeface="Times New Roman" panose="02020603050405020304" pitchFamily="18" charset="0"/>
+                <a:cs typeface="Times New Roman" panose="02020603050405020304" pitchFamily="18" charset="0"/>
+              </a:rPr>
+              <a:t> </a:t>
+            </a:r>
+            <a:r>
+              <a:rPr lang="en-US" sz="2800" dirty="0" err="1" smtClean="0">
+                <a:latin typeface="Times New Roman" panose="02020603050405020304" pitchFamily="18" charset="0"/>
+                <a:cs typeface="Times New Roman" panose="02020603050405020304" pitchFamily="18" charset="0"/>
+              </a:rPr>
+              <a:t>các</a:t>
+            </a:r>
+            <a:r>
+              <a:rPr lang="en-US" sz="2800" dirty="0" smtClean="0">
+                <a:latin typeface="Times New Roman" panose="02020603050405020304" pitchFamily="18" charset="0"/>
+                <a:cs typeface="Times New Roman" panose="02020603050405020304" pitchFamily="18" charset="0"/>
+              </a:rPr>
+              <a:t> client</a:t>
+            </a:r>
+            <a:endParaRPr lang="en-US" sz="2800" dirty="0" smtClean="0">
+              <a:latin typeface="Times New Roman" panose="02020603050405020304" pitchFamily="18" charset="0"/>
+              <a:cs typeface="Times New Roman" panose="02020603050405020304" pitchFamily="18" charset="0"/>
+            </a:endParaRPr>
+          </a:p>
+          <a:p>
+            <a:pPr lvl="1"/>
+            <a:r>
+              <a:rPr lang="en-US" sz="2800" dirty="0" smtClean="0">
+                <a:latin typeface="Times New Roman" panose="02020603050405020304" pitchFamily="18" charset="0"/>
+                <a:cs typeface="Times New Roman" panose="02020603050405020304" pitchFamily="18" charset="0"/>
+              </a:rPr>
+              <a:t>Chia </a:t>
+            </a:r>
+            <a:r>
+              <a:rPr lang="en-US" sz="2800" dirty="0" err="1" smtClean="0">
+                <a:latin typeface="Times New Roman" panose="02020603050405020304" pitchFamily="18" charset="0"/>
+                <a:cs typeface="Times New Roman" panose="02020603050405020304" pitchFamily="18" charset="0"/>
+              </a:rPr>
+              <a:t>sẻ</a:t>
+            </a:r>
+            <a:r>
+              <a:rPr lang="en-US" sz="2800" dirty="0" smtClean="0">
+                <a:latin typeface="Times New Roman" panose="02020603050405020304" pitchFamily="18" charset="0"/>
+                <a:cs typeface="Times New Roman" panose="02020603050405020304" pitchFamily="18" charset="0"/>
+              </a:rPr>
+              <a:t> </a:t>
+            </a:r>
+            <a:r>
+              <a:rPr lang="en-US" sz="2800" dirty="0" err="1" smtClean="0">
+                <a:latin typeface="Times New Roman" panose="02020603050405020304" pitchFamily="18" charset="0"/>
+                <a:cs typeface="Times New Roman" panose="02020603050405020304" pitchFamily="18" charset="0"/>
+              </a:rPr>
+              <a:t>thông</a:t>
+            </a:r>
+            <a:r>
+              <a:rPr lang="en-US" sz="2800" dirty="0" smtClean="0">
+                <a:latin typeface="Times New Roman" panose="02020603050405020304" pitchFamily="18" charset="0"/>
+                <a:cs typeface="Times New Roman" panose="02020603050405020304" pitchFamily="18" charset="0"/>
+              </a:rPr>
+              <a:t> tin </a:t>
+            </a:r>
+            <a:r>
+              <a:rPr lang="en-US" sz="2800" dirty="0" err="1" smtClean="0">
+                <a:latin typeface="Times New Roman" panose="02020603050405020304" pitchFamily="18" charset="0"/>
+                <a:cs typeface="Times New Roman" panose="02020603050405020304" pitchFamily="18" charset="0"/>
+              </a:rPr>
+              <a:t>giữa</a:t>
+            </a:r>
+            <a:r>
+              <a:rPr lang="en-US" sz="2800" dirty="0" smtClean="0">
+                <a:latin typeface="Times New Roman" panose="02020603050405020304" pitchFamily="18" charset="0"/>
+                <a:cs typeface="Times New Roman" panose="02020603050405020304" pitchFamily="18" charset="0"/>
+              </a:rPr>
+              <a:t> </a:t>
+            </a:r>
+            <a:r>
+              <a:rPr lang="en-US" sz="2800" dirty="0" err="1" smtClean="0">
+                <a:latin typeface="Times New Roman" panose="02020603050405020304" pitchFamily="18" charset="0"/>
+                <a:cs typeface="Times New Roman" panose="02020603050405020304" pitchFamily="18" charset="0"/>
+              </a:rPr>
+              <a:t>các</a:t>
+            </a:r>
+            <a:r>
+              <a:rPr lang="en-US" sz="2800" dirty="0" smtClean="0">
+                <a:latin typeface="Times New Roman" panose="02020603050405020304" pitchFamily="18" charset="0"/>
+                <a:cs typeface="Times New Roman" panose="02020603050405020304" pitchFamily="18" charset="0"/>
+              </a:rPr>
+              <a:t> router </a:t>
+            </a:r>
+            <a:r>
+              <a:rPr lang="en-US" sz="2800" dirty="0" err="1" smtClean="0">
+                <a:latin typeface="Times New Roman" panose="02020603050405020304" pitchFamily="18" charset="0"/>
+                <a:cs typeface="Times New Roman" panose="02020603050405020304" pitchFamily="18" charset="0"/>
+              </a:rPr>
+              <a:t>trong</a:t>
+            </a:r>
+            <a:r>
+              <a:rPr lang="en-US" sz="2800" dirty="0" smtClean="0">
+                <a:latin typeface="Times New Roman" panose="02020603050405020304" pitchFamily="18" charset="0"/>
+                <a:cs typeface="Times New Roman" panose="02020603050405020304" pitchFamily="18" charset="0"/>
+              </a:rPr>
+              <a:t> </a:t>
+            </a:r>
+            <a:r>
+              <a:rPr lang="en-US" sz="2800" dirty="0" err="1" smtClean="0">
+                <a:latin typeface="Times New Roman" panose="02020603050405020304" pitchFamily="18" charset="0"/>
+                <a:cs typeface="Times New Roman" panose="02020603050405020304" pitchFamily="18" charset="0"/>
+              </a:rPr>
+              <a:t>hệ</a:t>
+            </a:r>
+            <a:r>
+              <a:rPr lang="en-US" sz="2800" dirty="0" smtClean="0">
+                <a:latin typeface="Times New Roman" panose="02020603050405020304" pitchFamily="18" charset="0"/>
+                <a:cs typeface="Times New Roman" panose="02020603050405020304" pitchFamily="18" charset="0"/>
+              </a:rPr>
+              <a:t> </a:t>
+            </a:r>
+            <a:r>
+              <a:rPr lang="en-US" sz="2800" dirty="0" err="1" smtClean="0">
+                <a:latin typeface="Times New Roman" panose="02020603050405020304" pitchFamily="18" charset="0"/>
+                <a:cs typeface="Times New Roman" panose="02020603050405020304" pitchFamily="18" charset="0"/>
+              </a:rPr>
+              <a:t>thống</a:t>
+            </a:r>
+            <a:r>
+              <a:rPr lang="en-US" sz="2800" dirty="0" smtClean="0">
+                <a:latin typeface="Times New Roman" panose="02020603050405020304" pitchFamily="18" charset="0"/>
+                <a:cs typeface="Times New Roman" panose="02020603050405020304" pitchFamily="18" charset="0"/>
+              </a:rPr>
+              <a:t> </a:t>
+            </a:r>
+            <a:r>
+              <a:rPr lang="en-US" sz="2800" dirty="0" err="1" smtClean="0">
+                <a:latin typeface="Times New Roman" panose="02020603050405020304" pitchFamily="18" charset="0"/>
+                <a:cs typeface="Times New Roman" panose="02020603050405020304" pitchFamily="18" charset="0"/>
+              </a:rPr>
+              <a:t>mạng</a:t>
+            </a:r>
+            <a:r>
+              <a:rPr lang="en-US" sz="2800" dirty="0" smtClean="0">
+                <a:latin typeface="Times New Roman" panose="02020603050405020304" pitchFamily="18" charset="0"/>
+                <a:cs typeface="Times New Roman" panose="02020603050405020304" pitchFamily="18" charset="0"/>
+              </a:rPr>
+              <a:t>.</a:t>
+            </a:r>
+            <a:endParaRPr lang="en-US" sz="2800" dirty="0" smtClean="0">
+              <a:latin typeface="Times New Roman" panose="02020603050405020304" pitchFamily="18" charset="0"/>
+              <a:cs typeface="Times New Roman" panose="02020603050405020304" pitchFamily="18" charset="0"/>
+            </a:endParaRPr>
+          </a:p>
+          <a:p>
+            <a:r>
+              <a:rPr lang="en-US" sz="3200" dirty="0" err="1" smtClean="0">
+                <a:latin typeface="Times New Roman" panose="02020603050405020304" pitchFamily="18" charset="0"/>
+                <a:cs typeface="Times New Roman" panose="02020603050405020304" pitchFamily="18" charset="0"/>
+              </a:rPr>
+              <a:t>Tuy</a:t>
+            </a:r>
+            <a:r>
+              <a:rPr lang="en-US" sz="3200" dirty="0" smtClean="0">
+                <a:latin typeface="Times New Roman" panose="02020603050405020304" pitchFamily="18" charset="0"/>
+                <a:cs typeface="Times New Roman" panose="02020603050405020304" pitchFamily="18" charset="0"/>
+              </a:rPr>
+              <a:t> </a:t>
+            </a:r>
+            <a:r>
+              <a:rPr lang="en-US" sz="3200" dirty="0" err="1" smtClean="0">
+                <a:latin typeface="Times New Roman" panose="02020603050405020304" pitchFamily="18" charset="0"/>
+                <a:cs typeface="Times New Roman" panose="02020603050405020304" pitchFamily="18" charset="0"/>
+              </a:rPr>
+              <a:t>nhiên</a:t>
+            </a:r>
+            <a:r>
+              <a:rPr lang="en-US" sz="3200" dirty="0" smtClean="0">
+                <a:latin typeface="Times New Roman" panose="02020603050405020304" pitchFamily="18" charset="0"/>
+                <a:cs typeface="Times New Roman" panose="02020603050405020304" pitchFamily="18" charset="0"/>
+              </a:rPr>
+              <a:t> </a:t>
+            </a:r>
+            <a:r>
+              <a:rPr lang="en-US" sz="3200" dirty="0" err="1" smtClean="0">
+                <a:latin typeface="Times New Roman" panose="02020603050405020304" pitchFamily="18" charset="0"/>
+                <a:cs typeface="Times New Roman" panose="02020603050405020304" pitchFamily="18" charset="0"/>
+              </a:rPr>
+              <a:t>vẫn</a:t>
+            </a:r>
+            <a:r>
+              <a:rPr lang="en-US" sz="3200" dirty="0" smtClean="0">
+                <a:latin typeface="Times New Roman" panose="02020603050405020304" pitchFamily="18" charset="0"/>
+                <a:cs typeface="Times New Roman" panose="02020603050405020304" pitchFamily="18" charset="0"/>
+              </a:rPr>
+              <a:t> </a:t>
+            </a:r>
+            <a:r>
+              <a:rPr lang="en-US" sz="3200" dirty="0" err="1" smtClean="0">
+                <a:latin typeface="Times New Roman" panose="02020603050405020304" pitchFamily="18" charset="0"/>
+                <a:cs typeface="Times New Roman" panose="02020603050405020304" pitchFamily="18" charset="0"/>
+              </a:rPr>
+              <a:t>còn</a:t>
+            </a:r>
+            <a:r>
+              <a:rPr lang="en-US" sz="3200" dirty="0" smtClean="0">
+                <a:latin typeface="Times New Roman" panose="02020603050405020304" pitchFamily="18" charset="0"/>
+                <a:cs typeface="Times New Roman" panose="02020603050405020304" pitchFamily="18" charset="0"/>
+              </a:rPr>
+              <a:t> </a:t>
+            </a:r>
+            <a:r>
+              <a:rPr lang="en-US" sz="3200" dirty="0" err="1" smtClean="0">
+                <a:latin typeface="Times New Roman" panose="02020603050405020304" pitchFamily="18" charset="0"/>
+                <a:cs typeface="Times New Roman" panose="02020603050405020304" pitchFamily="18" charset="0"/>
+              </a:rPr>
+              <a:t>một</a:t>
+            </a:r>
+            <a:r>
+              <a:rPr lang="en-US" sz="3200" dirty="0" smtClean="0">
+                <a:latin typeface="Times New Roman" panose="02020603050405020304" pitchFamily="18" charset="0"/>
+                <a:cs typeface="Times New Roman" panose="02020603050405020304" pitchFamily="18" charset="0"/>
+              </a:rPr>
+              <a:t> </a:t>
+            </a:r>
+            <a:r>
+              <a:rPr lang="en-US" sz="3200" dirty="0" err="1" smtClean="0">
+                <a:latin typeface="Times New Roman" panose="02020603050405020304" pitchFamily="18" charset="0"/>
+                <a:cs typeface="Times New Roman" panose="02020603050405020304" pitchFamily="18" charset="0"/>
+              </a:rPr>
+              <a:t>số</a:t>
+            </a:r>
+            <a:r>
+              <a:rPr lang="en-US" sz="3200" dirty="0" smtClean="0">
+                <a:latin typeface="Times New Roman" panose="02020603050405020304" pitchFamily="18" charset="0"/>
+                <a:cs typeface="Times New Roman" panose="02020603050405020304" pitchFamily="18" charset="0"/>
+              </a:rPr>
+              <a:t> </a:t>
+            </a:r>
+            <a:r>
+              <a:rPr lang="en-US" sz="3200" dirty="0" err="1" smtClean="0">
+                <a:latin typeface="Times New Roman" panose="02020603050405020304" pitchFamily="18" charset="0"/>
+                <a:cs typeface="Times New Roman" panose="02020603050405020304" pitchFamily="18" charset="0"/>
+              </a:rPr>
+              <a:t>hạn</a:t>
+            </a:r>
+            <a:r>
+              <a:rPr lang="en-US" sz="3200" dirty="0" smtClean="0">
+                <a:latin typeface="Times New Roman" panose="02020603050405020304" pitchFamily="18" charset="0"/>
+                <a:cs typeface="Times New Roman" panose="02020603050405020304" pitchFamily="18" charset="0"/>
+              </a:rPr>
+              <a:t> </a:t>
+            </a:r>
+            <a:r>
+              <a:rPr lang="en-US" sz="3200" dirty="0" err="1" smtClean="0">
+                <a:latin typeface="Times New Roman" panose="02020603050405020304" pitchFamily="18" charset="0"/>
+                <a:cs typeface="Times New Roman" panose="02020603050405020304" pitchFamily="18" charset="0"/>
+              </a:rPr>
+              <a:t>chế</a:t>
+            </a:r>
+            <a:r>
+              <a:rPr lang="en-US" sz="3200" dirty="0" smtClean="0">
+                <a:latin typeface="Times New Roman" panose="02020603050405020304" pitchFamily="18" charset="0"/>
+                <a:cs typeface="Times New Roman" panose="02020603050405020304" pitchFamily="18" charset="0"/>
+              </a:rPr>
+              <a:t>:</a:t>
+            </a:r>
+            <a:endParaRPr lang="en-US" sz="3200" dirty="0" smtClean="0">
+              <a:latin typeface="Times New Roman" panose="02020603050405020304" pitchFamily="18" charset="0"/>
+              <a:cs typeface="Times New Roman" panose="02020603050405020304" pitchFamily="18" charset="0"/>
+            </a:endParaRPr>
+          </a:p>
+          <a:p>
+            <a:pPr lvl="1"/>
+            <a:r>
+              <a:rPr lang="en-US" sz="2800" dirty="0" err="1" smtClean="0">
+                <a:latin typeface="Times New Roman" panose="02020603050405020304" pitchFamily="18" charset="0"/>
+                <a:cs typeface="Times New Roman" panose="02020603050405020304" pitchFamily="18" charset="0"/>
+              </a:rPr>
+              <a:t>Cấu</a:t>
+            </a:r>
+            <a:r>
+              <a:rPr lang="en-US" sz="2800" dirty="0" smtClean="0">
+                <a:latin typeface="Times New Roman" panose="02020603050405020304" pitchFamily="18" charset="0"/>
+                <a:cs typeface="Times New Roman" panose="02020603050405020304" pitchFamily="18" charset="0"/>
+              </a:rPr>
+              <a:t> </a:t>
+            </a:r>
+            <a:r>
+              <a:rPr lang="en-US" sz="2800" dirty="0" err="1" smtClean="0">
+                <a:latin typeface="Times New Roman" panose="02020603050405020304" pitchFamily="18" charset="0"/>
+                <a:cs typeface="Times New Roman" panose="02020603050405020304" pitchFamily="18" charset="0"/>
+              </a:rPr>
+              <a:t>hình</a:t>
+            </a:r>
+            <a:r>
+              <a:rPr lang="en-US" sz="2800" dirty="0" smtClean="0">
+                <a:latin typeface="Times New Roman" panose="02020603050405020304" pitchFamily="18" charset="0"/>
+                <a:cs typeface="Times New Roman" panose="02020603050405020304" pitchFamily="18" charset="0"/>
+              </a:rPr>
+              <a:t> router</a:t>
+            </a:r>
+            <a:endParaRPr lang="en-US" sz="2800" dirty="0" smtClean="0">
+              <a:latin typeface="Times New Roman" panose="02020603050405020304" pitchFamily="18" charset="0"/>
+              <a:cs typeface="Times New Roman" panose="02020603050405020304" pitchFamily="18" charset="0"/>
+            </a:endParaRPr>
+          </a:p>
+          <a:p>
+            <a:pPr lvl="1"/>
+            <a:r>
+              <a:rPr lang="en-US" sz="2800" dirty="0" err="1" smtClean="0">
+                <a:latin typeface="Times New Roman" panose="02020603050405020304" pitchFamily="18" charset="0"/>
+                <a:cs typeface="Times New Roman" panose="02020603050405020304" pitchFamily="18" charset="0"/>
+              </a:rPr>
+              <a:t>Cần</a:t>
+            </a:r>
+            <a:r>
+              <a:rPr lang="en-US" sz="2800" dirty="0" smtClean="0">
+                <a:latin typeface="Times New Roman" panose="02020603050405020304" pitchFamily="18" charset="0"/>
+                <a:cs typeface="Times New Roman" panose="02020603050405020304" pitchFamily="18" charset="0"/>
+              </a:rPr>
+              <a:t> </a:t>
+            </a:r>
+            <a:r>
+              <a:rPr lang="en-US" sz="2800" dirty="0" err="1" smtClean="0">
+                <a:latin typeface="Times New Roman" panose="02020603050405020304" pitchFamily="18" charset="0"/>
+                <a:cs typeface="Times New Roman" panose="02020603050405020304" pitchFamily="18" charset="0"/>
+              </a:rPr>
+              <a:t>cải</a:t>
+            </a:r>
+            <a:r>
+              <a:rPr lang="en-US" sz="2800" dirty="0" smtClean="0">
+                <a:latin typeface="Times New Roman" panose="02020603050405020304" pitchFamily="18" charset="0"/>
+                <a:cs typeface="Times New Roman" panose="02020603050405020304" pitchFamily="18" charset="0"/>
+              </a:rPr>
+              <a:t> </a:t>
+            </a:r>
+            <a:r>
+              <a:rPr lang="en-US" sz="2800" dirty="0" err="1" smtClean="0">
+                <a:latin typeface="Times New Roman" panose="02020603050405020304" pitchFamily="18" charset="0"/>
+                <a:cs typeface="Times New Roman" panose="02020603050405020304" pitchFamily="18" charset="0"/>
+              </a:rPr>
+              <a:t>thiện</a:t>
+            </a:r>
+            <a:r>
+              <a:rPr lang="en-US" sz="2800" dirty="0" smtClean="0">
+                <a:latin typeface="Times New Roman" panose="02020603050405020304" pitchFamily="18" charset="0"/>
+                <a:cs typeface="Times New Roman" panose="02020603050405020304" pitchFamily="18" charset="0"/>
+              </a:rPr>
+              <a:t> </a:t>
+            </a:r>
+            <a:r>
+              <a:rPr lang="en-US" sz="2800" dirty="0" err="1" smtClean="0">
+                <a:latin typeface="Times New Roman" panose="02020603050405020304" pitchFamily="18" charset="0"/>
+                <a:cs typeface="Times New Roman" panose="02020603050405020304" pitchFamily="18" charset="0"/>
+              </a:rPr>
+              <a:t>giải</a:t>
+            </a:r>
+            <a:r>
+              <a:rPr lang="en-US" sz="2800" dirty="0" smtClean="0">
+                <a:latin typeface="Times New Roman" panose="02020603050405020304" pitchFamily="18" charset="0"/>
+                <a:cs typeface="Times New Roman" panose="02020603050405020304" pitchFamily="18" charset="0"/>
+              </a:rPr>
+              <a:t> </a:t>
+            </a:r>
+            <a:r>
+              <a:rPr lang="en-US" sz="2800" dirty="0" err="1" smtClean="0">
+                <a:latin typeface="Times New Roman" panose="02020603050405020304" pitchFamily="18" charset="0"/>
+                <a:cs typeface="Times New Roman" panose="02020603050405020304" pitchFamily="18" charset="0"/>
+              </a:rPr>
+              <a:t>thuật</a:t>
+            </a:r>
+            <a:endParaRPr lang="en-US" sz="2800" dirty="0" smtClean="0">
+              <a:latin typeface="Times New Roman" panose="02020603050405020304" pitchFamily="18" charset="0"/>
+              <a:cs typeface="Times New Roman" panose="02020603050405020304" pitchFamily="18" charset="0"/>
+            </a:endParaRPr>
+          </a:p>
+          <a:p>
+            <a:pPr marL="0" indent="0">
+              <a:buNone/>
+            </a:pPr>
+            <a:endParaRPr lang="en-US" sz="2800" dirty="0" smtClean="0">
+              <a:latin typeface="Times New Roman" panose="02020603050405020304" pitchFamily="18" charset="0"/>
+              <a:cs typeface="Times New Roman" panose="02020603050405020304" pitchFamily="18" charset="0"/>
+            </a:endParaRPr>
+          </a:p>
+        </p:txBody>
+      </p:sp>
+      <p:sp>
+        <p:nvSpPr>
+          <p:cNvPr id="4" name="Slide Number Placeholder 3"/>
+          <p:cNvSpPr>
+            <a:spLocks noGrp="1"/>
+          </p:cNvSpPr>
+          <p:nvPr>
+            <p:ph type="sldNum" sz="quarter" idx="12"/>
+          </p:nvPr>
+        </p:nvSpPr>
+        <p:spPr/>
+        <p:txBody>
+          <a:bodyPr/>
+          <a:lstStyle/>
+          <a:p>
+            <a:fld id="{8AC740CC-3A73-4EA3-A7E0-F8441B25C088}" type="slidenum">
+              <a:rPr lang="vi-VN" sz="2400" smtClean="0"/>
+            </a:fld>
+            <a:endParaRPr lang="vi-VN" sz="2400" dirty="0"/>
+          </a:p>
+        </p:txBody>
+      </p:sp>
+    </p:spTree>
+  </p:cSld>
+  <p:clrMapOvr>
+    <a:masterClrMapping/>
+  </p:clrMapOvr>
+  <p:timing>
+    <p:tnLst>
+      <p:par>
+        <p:cTn id="1" dur="indefinite" restart="never" nodeType="tmRoot"/>
+      </p:par>
+    </p:tnLst>
+  </p:timing>
+</p:sld>
+</file>
+
+<file path=ppt/slides/slide24.xml><?xml version="1.0" encoding="utf-8"?>
+<p:sld xmlns:a="http://schemas.openxmlformats.org/drawingml/2006/main" xmlns:r="http://schemas.openxmlformats.org/officeDocument/2006/relationships" xmlns:p="http://schemas.openxmlformats.org/presentationml/2006/main">
+  <p:cSld>
+    <p:spTree>
+      <p:nvGrpSpPr>
+        <p:cNvPr id="1" name=""/>
+        <p:cNvGrpSpPr/>
+        <p:nvPr/>
+      </p:nvGrpSpPr>
+      <p:grpSpPr>
+        <a:xfrm>
+          <a:off x="0" y="0"/>
+          <a:ext cx="0" cy="0"/>
+          <a:chOff x="0" y="0"/>
+          <a:chExt cx="0" cy="0"/>
+        </a:xfrm>
+      </p:grpSpPr>
+      <p:sp>
+        <p:nvSpPr>
+          <p:cNvPr id="2" name="Title 1"/>
+          <p:cNvSpPr>
+            <a:spLocks noGrp="1"/>
+          </p:cNvSpPr>
+          <p:nvPr>
+            <p:ph type="title"/>
+          </p:nvPr>
+        </p:nvSpPr>
+        <p:spPr>
+          <a:xfrm>
             <a:off x="3675733" y="477841"/>
             <a:ext cx="4837356" cy="1111808"/>
           </a:xfrm>
@@ -20488,7 +20092,7 @@
 </p:sld>
 </file>
 
-<file path=ppt/slides/slide24.xml><?xml version="1.0" encoding="utf-8"?>
+<file path=ppt/slides/slide25.xml><?xml version="1.0" encoding="utf-8"?>
 <p:sld xmlns:a="http://schemas.openxmlformats.org/drawingml/2006/main" xmlns:r="http://schemas.openxmlformats.org/officeDocument/2006/relationships" xmlns:p="http://schemas.openxmlformats.org/presentationml/2006/main">
   <p:cSld>
     <p:spTree>
@@ -22316,7 +21920,12 @@
             <p:ph type="title"/>
           </p:nvPr>
         </p:nvSpPr>
-        <p:spPr/>
+        <p:spPr>
+          <a:xfrm>
+            <a:off x="594678" y="618518"/>
+            <a:ext cx="9905998" cy="1478570"/>
+          </a:xfrm>
+        </p:spPr>
         <p:txBody>
           <a:bodyPr/>
           <a:lstStyle/>
@@ -22326,7 +21935,7 @@
                 <a:latin typeface="Times New Roman" panose="02020603050405020304" pitchFamily="18" charset="0"/>
                 <a:cs typeface="Times New Roman" panose="02020603050405020304" pitchFamily="18" charset="0"/>
               </a:rPr>
-              <a:t>Cơ Sở Lý Thuyết</a:t>
+              <a:t>gIỚI THIỆU CÔNG NGHỆ</a:t>
             </a:r>
             <a:endParaRPr lang="en-US" altLang="vi-VN" dirty="0">
               <a:latin typeface="Times New Roman" panose="02020603050405020304" pitchFamily="18" charset="0"/>

--- a/BÁO-CÁO-LUẬN-VĂN-TỐT-NGHIỆP(2).pptx
+++ b/BÁO-CÁO-LUẬN-VĂN-TỐT-NGHIỆP(2).pptx
@@ -20348,14 +20348,15 @@
         </p:nvSpPr>
         <p:spPr>
           <a:xfrm>
-            <a:off x="3260144" y="157944"/>
-            <a:ext cx="4445348" cy="1166224"/>
+            <a:off x="2435225" y="141605"/>
+            <a:ext cx="7320915" cy="1166495"/>
           </a:xfrm>
         </p:spPr>
         <p:txBody>
           <a:bodyPr/>
           <a:lstStyle/>
           <a:p>
+            <a:pPr algn="ctr"/>
             <a:r>
               <a:rPr lang="en-US" dirty="0" err="1" smtClean="0">
                 <a:latin typeface="Times New Roman" panose="02020603050405020304" pitchFamily="18" charset="0"/>
@@ -21433,14 +21434,15 @@
         </p:nvSpPr>
         <p:spPr>
           <a:xfrm>
-            <a:off x="3472018" y="574348"/>
-            <a:ext cx="4467650" cy="1478570"/>
+            <a:off x="3171825" y="172085"/>
+            <a:ext cx="5848350" cy="1478280"/>
           </a:xfrm>
         </p:spPr>
         <p:txBody>
           <a:bodyPr/>
           <a:lstStyle/>
           <a:p>
+            <a:pPr algn="ctr"/>
             <a:r>
               <a:rPr lang="en-US" dirty="0" smtClean="0">
                 <a:latin typeface="Times New Roman" panose="02020603050405020304" pitchFamily="18" charset="0"/>
